--- a/teaching/ECE532/k-means.pptx
+++ b/teaching/ECE532/k-means.pptx
@@ -5,10 +5,10 @@
     <p:sldMasterId id="2147483660" r:id="rId1"/>
   </p:sldMasterIdLst>
   <p:notesMasterIdLst>
-    <p:notesMasterId r:id="rId41"/>
+    <p:notesMasterId r:id="rId40"/>
   </p:notesMasterIdLst>
   <p:handoutMasterIdLst>
-    <p:handoutMasterId r:id="rId42"/>
+    <p:handoutMasterId r:id="rId41"/>
   </p:handoutMasterIdLst>
   <p:sldIdLst>
     <p:sldId id="298" r:id="rId2"/>
@@ -17,39 +17,38 @@
     <p:sldId id="294" r:id="rId5"/>
     <p:sldId id="297" r:id="rId6"/>
     <p:sldId id="293" r:id="rId7"/>
-    <p:sldId id="256" r:id="rId8"/>
-    <p:sldId id="258" r:id="rId9"/>
-    <p:sldId id="257" r:id="rId10"/>
-    <p:sldId id="260" r:id="rId11"/>
-    <p:sldId id="259" r:id="rId12"/>
-    <p:sldId id="261" r:id="rId13"/>
-    <p:sldId id="262" r:id="rId14"/>
-    <p:sldId id="263" r:id="rId15"/>
-    <p:sldId id="264" r:id="rId16"/>
-    <p:sldId id="265" r:id="rId17"/>
-    <p:sldId id="291" r:id="rId18"/>
-    <p:sldId id="267" r:id="rId19"/>
-    <p:sldId id="268" r:id="rId20"/>
-    <p:sldId id="269" r:id="rId21"/>
-    <p:sldId id="270" r:id="rId22"/>
-    <p:sldId id="271" r:id="rId23"/>
-    <p:sldId id="272" r:id="rId24"/>
-    <p:sldId id="273" r:id="rId25"/>
-    <p:sldId id="274" r:id="rId26"/>
-    <p:sldId id="275" r:id="rId27"/>
-    <p:sldId id="276" r:id="rId28"/>
-    <p:sldId id="277" r:id="rId29"/>
-    <p:sldId id="278" r:id="rId30"/>
-    <p:sldId id="279" r:id="rId31"/>
-    <p:sldId id="280" r:id="rId32"/>
-    <p:sldId id="281" r:id="rId33"/>
-    <p:sldId id="282" r:id="rId34"/>
-    <p:sldId id="283" r:id="rId35"/>
-    <p:sldId id="285" r:id="rId36"/>
-    <p:sldId id="284" r:id="rId37"/>
-    <p:sldId id="292" r:id="rId38"/>
-    <p:sldId id="286" r:id="rId39"/>
-    <p:sldId id="287" r:id="rId40"/>
+    <p:sldId id="258" r:id="rId8"/>
+    <p:sldId id="257" r:id="rId9"/>
+    <p:sldId id="260" r:id="rId10"/>
+    <p:sldId id="259" r:id="rId11"/>
+    <p:sldId id="261" r:id="rId12"/>
+    <p:sldId id="262" r:id="rId13"/>
+    <p:sldId id="263" r:id="rId14"/>
+    <p:sldId id="264" r:id="rId15"/>
+    <p:sldId id="265" r:id="rId16"/>
+    <p:sldId id="291" r:id="rId17"/>
+    <p:sldId id="267" r:id="rId18"/>
+    <p:sldId id="268" r:id="rId19"/>
+    <p:sldId id="269" r:id="rId20"/>
+    <p:sldId id="270" r:id="rId21"/>
+    <p:sldId id="271" r:id="rId22"/>
+    <p:sldId id="272" r:id="rId23"/>
+    <p:sldId id="273" r:id="rId24"/>
+    <p:sldId id="274" r:id="rId25"/>
+    <p:sldId id="275" r:id="rId26"/>
+    <p:sldId id="276" r:id="rId27"/>
+    <p:sldId id="277" r:id="rId28"/>
+    <p:sldId id="278" r:id="rId29"/>
+    <p:sldId id="279" r:id="rId30"/>
+    <p:sldId id="280" r:id="rId31"/>
+    <p:sldId id="281" r:id="rId32"/>
+    <p:sldId id="282" r:id="rId33"/>
+    <p:sldId id="283" r:id="rId34"/>
+    <p:sldId id="285" r:id="rId35"/>
+    <p:sldId id="284" r:id="rId36"/>
+    <p:sldId id="292" r:id="rId37"/>
+    <p:sldId id="286" r:id="rId38"/>
+    <p:sldId id="287" r:id="rId39"/>
   </p:sldIdLst>
   <p:sldSz cx="9144000" cy="6858000" type="screen4x3"/>
   <p:notesSz cx="6858000" cy="9144000"/>
@@ -761,7 +760,7 @@
           <a:p>
             <a:fld id="{C159248D-AC88-457A-BE2F-756346B9FFDE}" type="slidenum">
               <a:rPr lang="en-US" smtClean="0"/>
-              <a:t>8</a:t>
+              <a:t>7</a:t>
             </a:fld>
             <a:endParaRPr lang="en-US"/>
           </a:p>
@@ -870,7 +869,7 @@
           <a:p>
             <a:fld id="{45CF9258-5FCB-43F4-BD6B-7B2C14B2BB2A}" type="slidenum">
               <a:rPr lang="en-US" smtClean="0"/>
-              <a:t>21</a:t>
+              <a:t>20</a:t>
             </a:fld>
             <a:endParaRPr lang="en-US"/>
           </a:p>
@@ -4742,1023 +4741,6 @@
         </p:nvSpPr>
         <p:spPr/>
         <p:txBody>
-          <a:bodyPr>
-            <a:normAutofit/>
-          </a:bodyPr>
-          <a:lstStyle/>
-          <a:p>
-            <a:r>
-              <a:rPr lang="en-US" dirty="0" err="1"/>
-              <a:t>Partitional</a:t>
-            </a:r>
-            <a:r>
-              <a:rPr lang="en-US" dirty="0"/>
-              <a:t> clustering algorithms</a:t>
-            </a:r>
-          </a:p>
-        </p:txBody>
-      </p:sp>
-      <mc:AlternateContent xmlns:mc="http://schemas.openxmlformats.org/markup-compatibility/2006" xmlns:a14="http://schemas.microsoft.com/office/drawing/2010/main">
-        <mc:Choice Requires="a14">
-          <p:sp>
-            <p:nvSpPr>
-              <p:cNvPr id="3" name="Content Placeholder 2"/>
-              <p:cNvSpPr>
-                <a:spLocks noGrp="1"/>
-              </p:cNvSpPr>
-              <p:nvPr>
-                <p:ph idx="1"/>
-              </p:nvPr>
-            </p:nvSpPr>
-            <p:spPr/>
-            <p:txBody>
-              <a:bodyPr/>
-              <a:lstStyle/>
-              <a:p>
-                <a:r>
-                  <a:rPr lang="en-US" dirty="0"/>
-                  <a:t>Partition instances into exactly </a:t>
-                </a:r>
-                <a:r>
-                  <a:rPr lang="en-US" i="1" dirty="0"/>
-                  <a:t>k</a:t>
-                </a:r>
-                <a:r>
-                  <a:rPr lang="en-US" dirty="0"/>
-                  <a:t> non-overlapping clusters</a:t>
-                </a:r>
-              </a:p>
-              <a:p>
-                <a:pPr lvl="1"/>
-                <a:r>
-                  <a:rPr lang="en-US" dirty="0"/>
-                  <a:t>Typical criterion</a:t>
-                </a:r>
-              </a:p>
-              <a:p>
-                <a:pPr lvl="2"/>
-                <a14:m>
-                  <m:oMath xmlns:m="http://schemas.openxmlformats.org/officeDocument/2006/math">
-                    <m:func>
-                      <m:funcPr>
-                        <m:ctrlPr>
-                          <a:rPr lang="en-US" b="0" i="1" smtClean="0">
-                            <a:latin typeface="Cambria Math" panose="02040503050406030204" pitchFamily="18" charset="0"/>
-                          </a:rPr>
-                        </m:ctrlPr>
-                      </m:funcPr>
-                      <m:fName>
-                        <m:r>
-                          <m:rPr>
-                            <m:sty m:val="p"/>
-                          </m:rPr>
-                          <a:rPr lang="en-US" b="0" i="0" smtClean="0">
-                            <a:latin typeface="Cambria Math" panose="02040503050406030204" pitchFamily="18" charset="0"/>
-                          </a:rPr>
-                          <m:t>max</m:t>
-                        </m:r>
-                      </m:fName>
-                      <m:e>
-                        <m:nary>
-                          <m:naryPr>
-                            <m:chr m:val="∑"/>
-                            <m:supHide m:val="on"/>
-                            <m:ctrlPr>
-                              <a:rPr lang="en-US" i="1">
-                                <a:latin typeface="Cambria Math" panose="02040503050406030204" pitchFamily="18" charset="0"/>
-                              </a:rPr>
-                            </m:ctrlPr>
-                          </m:naryPr>
-                          <m:sub>
-                            <m:r>
-                              <m:rPr>
-                                <m:brk m:alnAt="7"/>
-                              </m:rPr>
-                              <a:rPr lang="en-US" i="1">
-                                <a:latin typeface="Cambria Math" panose="02040503050406030204" pitchFamily="18" charset="0"/>
-                              </a:rPr>
-                              <m:t>𝑖</m:t>
-                            </m:r>
-                            <m:r>
-                              <a:rPr lang="en-US" i="1">
-                                <a:latin typeface="Cambria Math" panose="02040503050406030204" pitchFamily="18" charset="0"/>
-                              </a:rPr>
-                              <m:t>≠</m:t>
-                            </m:r>
-                            <m:r>
-                              <m:rPr>
-                                <m:sty m:val="p"/>
-                              </m:rPr>
-                              <a:rPr lang="en-US" i="1">
-                                <a:latin typeface="Cambria Math" panose="02040503050406030204" pitchFamily="18" charset="0"/>
-                              </a:rPr>
-                              <m:t>j</m:t>
-                            </m:r>
-                          </m:sub>
-                          <m:sup/>
-                          <m:e>
-                            <m:r>
-                              <a:rPr lang="en-US" i="1">
-                                <a:latin typeface="Cambria Math" panose="02040503050406030204" pitchFamily="18" charset="0"/>
-                              </a:rPr>
-                              <m:t>𝑑</m:t>
-                            </m:r>
-                            <m:d>
-                              <m:dPr>
-                                <m:ctrlPr>
-                                  <a:rPr lang="en-US" i="1">
-                                    <a:latin typeface="Cambria Math" panose="02040503050406030204" pitchFamily="18" charset="0"/>
-                                  </a:rPr>
-                                </m:ctrlPr>
-                              </m:dPr>
-                              <m:e>
-                                <m:sSub>
-                                  <m:sSubPr>
-                                    <m:ctrlPr>
-                                      <a:rPr lang="en-US" i="1">
-                                        <a:latin typeface="Cambria Math" panose="02040503050406030204" pitchFamily="18" charset="0"/>
-                                      </a:rPr>
-                                    </m:ctrlPr>
-                                  </m:sSubPr>
-                                  <m:e>
-                                    <m:r>
-                                      <a:rPr lang="en-US" i="1">
-                                        <a:latin typeface="Cambria Math" panose="02040503050406030204" pitchFamily="18" charset="0"/>
-                                      </a:rPr>
-                                      <m:t>𝑐</m:t>
-                                    </m:r>
-                                  </m:e>
-                                  <m:sub>
-                                    <m:r>
-                                      <a:rPr lang="en-US" i="1">
-                                        <a:latin typeface="Cambria Math" panose="02040503050406030204" pitchFamily="18" charset="0"/>
-                                      </a:rPr>
-                                      <m:t>𝑖</m:t>
-                                    </m:r>
-                                  </m:sub>
-                                </m:sSub>
-                                <m:r>
-                                  <a:rPr lang="en-US" i="1">
-                                    <a:latin typeface="Cambria Math" panose="02040503050406030204" pitchFamily="18" charset="0"/>
-                                  </a:rPr>
-                                  <m:t>,</m:t>
-                                </m:r>
-                                <m:sSub>
-                                  <m:sSubPr>
-                                    <m:ctrlPr>
-                                      <a:rPr lang="en-US" i="1">
-                                        <a:latin typeface="Cambria Math" panose="02040503050406030204" pitchFamily="18" charset="0"/>
-                                      </a:rPr>
-                                    </m:ctrlPr>
-                                  </m:sSubPr>
-                                  <m:e>
-                                    <m:r>
-                                      <a:rPr lang="en-US" i="1">
-                                        <a:latin typeface="Cambria Math" panose="02040503050406030204" pitchFamily="18" charset="0"/>
-                                      </a:rPr>
-                                      <m:t>𝑐</m:t>
-                                    </m:r>
-                                  </m:e>
-                                  <m:sub>
-                                    <m:r>
-                                      <a:rPr lang="en-US" i="1">
-                                        <a:latin typeface="Cambria Math" panose="02040503050406030204" pitchFamily="18" charset="0"/>
-                                      </a:rPr>
-                                      <m:t>𝑗</m:t>
-                                    </m:r>
-                                  </m:sub>
-                                </m:sSub>
-                              </m:e>
-                            </m:d>
-                          </m:e>
-                        </m:nary>
-                        <m:r>
-                          <a:rPr lang="en-US" b="0" i="1" smtClean="0">
-                            <a:latin typeface="Cambria Math" panose="02040503050406030204" pitchFamily="18" charset="0"/>
-                          </a:rPr>
-                          <m:t>−</m:t>
-                        </m:r>
-                        <m:r>
-                          <a:rPr lang="en-US" b="0" i="1" smtClean="0">
-                            <a:latin typeface="Cambria Math" panose="02040503050406030204" pitchFamily="18" charset="0"/>
-                          </a:rPr>
-                          <m:t>𝐶</m:t>
-                        </m:r>
-                        <m:nary>
-                          <m:naryPr>
-                            <m:chr m:val="∑"/>
-                            <m:supHide m:val="on"/>
-                            <m:ctrlPr>
-                              <a:rPr lang="en-US" b="0" i="1" smtClean="0">
-                                <a:latin typeface="Cambria Math" panose="02040503050406030204" pitchFamily="18" charset="0"/>
-                              </a:rPr>
-                            </m:ctrlPr>
-                          </m:naryPr>
-                          <m:sub>
-                            <m:r>
-                              <a:rPr lang="en-US" b="0" i="1" smtClean="0">
-                                <a:latin typeface="Cambria Math" panose="02040503050406030204" pitchFamily="18" charset="0"/>
-                              </a:rPr>
-                              <m:t>𝑖</m:t>
-                            </m:r>
-                          </m:sub>
-                          <m:sup/>
-                          <m:e>
-                            <m:sSub>
-                              <m:sSubPr>
-                                <m:ctrlPr>
-                                  <a:rPr lang="en-US" b="0" i="1" smtClean="0">
-                                    <a:latin typeface="Cambria Math" panose="02040503050406030204" pitchFamily="18" charset="0"/>
-                                  </a:rPr>
-                                </m:ctrlPr>
-                              </m:sSubPr>
-                              <m:e>
-                                <m:r>
-                                  <a:rPr lang="en-US" b="0" i="1" smtClean="0">
-                                    <a:latin typeface="Cambria Math" panose="02040503050406030204" pitchFamily="18" charset="0"/>
-                                  </a:rPr>
-                                  <m:t>𝜎</m:t>
-                                </m:r>
-                              </m:e>
-                              <m:sub>
-                                <m:r>
-                                  <a:rPr lang="en-US" b="0" i="1" smtClean="0">
-                                    <a:latin typeface="Cambria Math" panose="02040503050406030204" pitchFamily="18" charset="0"/>
-                                  </a:rPr>
-                                  <m:t>𝑖</m:t>
-                                </m:r>
-                              </m:sub>
-                            </m:sSub>
-                          </m:e>
-                        </m:nary>
-                      </m:e>
-                    </m:func>
-                  </m:oMath>
-                </a14:m>
-                <a:endParaRPr lang="en-US" dirty="0"/>
-              </a:p>
-              <a:p>
-                <a:pPr lvl="1"/>
-                <a:r>
-                  <a:rPr lang="en-US" dirty="0"/>
-                  <a:t>Optimal solution: enumerate every possible partition of size </a:t>
-                </a:r>
-                <a:r>
-                  <a:rPr lang="en-US" i="1" dirty="0"/>
-                  <a:t>k</a:t>
-                </a:r>
-                <a:r>
-                  <a:rPr lang="en-US" dirty="0"/>
-                  <a:t> and return the one maximizes the criterion</a:t>
-                </a:r>
-              </a:p>
-            </p:txBody>
-          </p:sp>
-        </mc:Choice>
-        <mc:Fallback xmlns="">
-          <p:sp>
-            <p:nvSpPr>
-              <p:cNvPr id="3" name="Content Placeholder 2"/>
-              <p:cNvSpPr>
-                <a:spLocks noGrp="1" noRot="1" noChangeAspect="1" noMove="1" noResize="1" noEditPoints="1" noAdjustHandles="1" noChangeArrowheads="1" noChangeShapeType="1" noTextEdit="1"/>
-              </p:cNvSpPr>
-              <p:nvPr>
-                <p:ph idx="1"/>
-              </p:nvPr>
-            </p:nvSpPr>
-            <p:spPr>
-              <a:blipFill rotWithShape="0">
-                <a:blip r:embed="rId2"/>
-                <a:stretch>
-                  <a:fillRect l="-1704" t="-1752"/>
-                </a:stretch>
-              </a:blipFill>
-            </p:spPr>
-            <p:txBody>
-              <a:bodyPr/>
-              <a:lstStyle/>
-              <a:p>
-                <a:r>
-                  <a:rPr lang="en-US">
-                    <a:noFill/>
-                  </a:rPr>
-                  <a:t> </a:t>
-                </a:r>
-              </a:p>
-            </p:txBody>
-          </p:sp>
-        </mc:Fallback>
-      </mc:AlternateContent>
-      <p:sp>
-        <p:nvSpPr>
-          <p:cNvPr id="4" name="Date Placeholder 3"/>
-          <p:cNvSpPr>
-            <a:spLocks noGrp="1"/>
-          </p:cNvSpPr>
-          <p:nvPr>
-            <p:ph type="dt" sz="half" idx="10"/>
-          </p:nvPr>
-        </p:nvSpPr>
-        <p:spPr/>
-        <p:txBody>
-          <a:bodyPr/>
-          <a:lstStyle/>
-          <a:p>
-            <a:endParaRPr lang="en-US" dirty="0"/>
-          </a:p>
-        </p:txBody>
-      </p:sp>
-      <p:sp>
-        <p:nvSpPr>
-          <p:cNvPr id="5" name="Footer Placeholder 4"/>
-          <p:cNvSpPr>
-            <a:spLocks noGrp="1"/>
-          </p:cNvSpPr>
-          <p:nvPr>
-            <p:ph type="ftr" sz="quarter" idx="11"/>
-          </p:nvPr>
-        </p:nvSpPr>
-        <p:spPr/>
-        <p:txBody>
-          <a:bodyPr/>
-          <a:lstStyle/>
-          <a:p>
-            <a:endParaRPr lang="en-US" dirty="0"/>
-          </a:p>
-        </p:txBody>
-      </p:sp>
-      <p:sp>
-        <p:nvSpPr>
-          <p:cNvPr id="6" name="Slide Number Placeholder 5"/>
-          <p:cNvSpPr>
-            <a:spLocks noGrp="1"/>
-          </p:cNvSpPr>
-          <p:nvPr>
-            <p:ph type="sldNum" sz="quarter" idx="12"/>
-          </p:nvPr>
-        </p:nvSpPr>
-        <p:spPr/>
-        <p:txBody>
-          <a:bodyPr/>
-          <a:lstStyle/>
-          <a:p>
-            <a:fld id="{64B9C3A9-27DF-40B5-9FC7-1DF96985BC5A}" type="slidenum">
-              <a:rPr lang="en-US" smtClean="0"/>
-              <a:t>10</a:t>
-            </a:fld>
-            <a:endParaRPr lang="en-US"/>
-          </a:p>
-        </p:txBody>
-      </p:sp>
-      <p:sp>
-        <p:nvSpPr>
-          <p:cNvPr id="16" name="TextBox 15"/>
-          <p:cNvSpPr txBox="1"/>
-          <p:nvPr/>
-        </p:nvSpPr>
-        <p:spPr>
-          <a:xfrm>
-            <a:off x="4233219" y="5346356"/>
-            <a:ext cx="3573162" cy="400110"/>
-          </a:xfrm>
-          <a:prstGeom prst="rect">
-            <a:avLst/>
-          </a:prstGeom>
-          <a:noFill/>
-        </p:spPr>
-        <p:txBody>
-          <a:bodyPr wrap="square" rtlCol="0">
-            <a:spAutoFit/>
-          </a:bodyPr>
-          <a:lstStyle/>
-          <a:p>
-            <a:r>
-              <a:rPr lang="en-US" sz="2000" b="1" i="1" dirty="0">
-                <a:solidFill>
-                  <a:srgbClr val="FF0000"/>
-                </a:solidFill>
-              </a:rPr>
-              <a:t>Unfortunately, this is NP-hard!</a:t>
-            </a:r>
-          </a:p>
-        </p:txBody>
-      </p:sp>
-      <p:sp>
-        <p:nvSpPr>
-          <p:cNvPr id="17" name="TextBox 16"/>
-          <p:cNvSpPr txBox="1"/>
-          <p:nvPr/>
-        </p:nvSpPr>
-        <p:spPr>
-          <a:xfrm>
-            <a:off x="1555921" y="5346356"/>
-            <a:ext cx="2677298" cy="400110"/>
-          </a:xfrm>
-          <a:prstGeom prst="rect">
-            <a:avLst/>
-          </a:prstGeom>
-          <a:noFill/>
-        </p:spPr>
-        <p:txBody>
-          <a:bodyPr wrap="square" rtlCol="0">
-            <a:spAutoFit/>
-          </a:bodyPr>
-          <a:lstStyle/>
-          <a:p>
-            <a:r>
-              <a:rPr lang="en-US" sz="2000" dirty="0">
-                <a:solidFill>
-                  <a:srgbClr val="00B050"/>
-                </a:solidFill>
-              </a:rPr>
-              <a:t>Let’s approximate this!</a:t>
-            </a:r>
-          </a:p>
-        </p:txBody>
-      </p:sp>
-      <p:grpSp>
-        <p:nvGrpSpPr>
-          <p:cNvPr id="22" name="Group 21"/>
-          <p:cNvGrpSpPr/>
-          <p:nvPr/>
-        </p:nvGrpSpPr>
-        <p:grpSpPr>
-          <a:xfrm>
-            <a:off x="3527854" y="2647327"/>
-            <a:ext cx="3097427" cy="553998"/>
-            <a:chOff x="2677297" y="2669060"/>
-            <a:chExt cx="3097427" cy="553998"/>
-          </a:xfrm>
-        </p:grpSpPr>
-        <p:sp>
-          <p:nvSpPr>
-            <p:cNvPr id="18" name="TextBox 17"/>
-            <p:cNvSpPr txBox="1"/>
-            <p:nvPr/>
-          </p:nvSpPr>
-          <p:spPr>
-            <a:xfrm>
-              <a:off x="2957384" y="2669060"/>
-              <a:ext cx="2817340" cy="369332"/>
-            </a:xfrm>
-            <a:prstGeom prst="rect">
-              <a:avLst/>
-            </a:prstGeom>
-            <a:noFill/>
-          </p:spPr>
-          <p:txBody>
-            <a:bodyPr wrap="square" rtlCol="0">
-              <a:spAutoFit/>
-            </a:bodyPr>
-            <a:lstStyle/>
-            <a:p>
-              <a:r>
-                <a:rPr lang="en-US" dirty="0">
-                  <a:solidFill>
-                    <a:srgbClr val="0070C0"/>
-                  </a:solidFill>
-                </a:rPr>
-                <a:t>Inter-cluster distance</a:t>
-              </a:r>
-            </a:p>
-          </p:txBody>
-        </p:sp>
-        <p:cxnSp>
-          <p:nvCxnSpPr>
-            <p:cNvPr id="21" name="Straight Arrow Connector 20"/>
-            <p:cNvCxnSpPr/>
-            <p:nvPr/>
-          </p:nvCxnSpPr>
-          <p:spPr>
-            <a:xfrm flipH="1">
-              <a:off x="2677297" y="2853726"/>
-              <a:ext cx="280087" cy="369332"/>
-            </a:xfrm>
-            <a:prstGeom prst="straightConnector1">
-              <a:avLst/>
-            </a:prstGeom>
-            <a:ln w="19050">
-              <a:tailEnd type="triangle"/>
-            </a:ln>
-          </p:spPr>
-          <p:style>
-            <a:lnRef idx="1">
-              <a:schemeClr val="accent1"/>
-            </a:lnRef>
-            <a:fillRef idx="0">
-              <a:schemeClr val="accent1"/>
-            </a:fillRef>
-            <a:effectRef idx="0">
-              <a:schemeClr val="accent1"/>
-            </a:effectRef>
-            <a:fontRef idx="minor">
-              <a:schemeClr val="tx1"/>
-            </a:fontRef>
-          </p:style>
-        </p:cxnSp>
-      </p:grpSp>
-      <p:grpSp>
-        <p:nvGrpSpPr>
-          <p:cNvPr id="26" name="Group 25"/>
-          <p:cNvGrpSpPr/>
-          <p:nvPr/>
-        </p:nvGrpSpPr>
-        <p:grpSpPr>
-          <a:xfrm>
-            <a:off x="5058547" y="2893137"/>
-            <a:ext cx="3133468" cy="477231"/>
-            <a:chOff x="5214551" y="2851624"/>
-            <a:chExt cx="3133468" cy="477231"/>
-          </a:xfrm>
-        </p:grpSpPr>
-        <p:sp>
-          <p:nvSpPr>
-            <p:cNvPr id="19" name="TextBox 18"/>
-            <p:cNvSpPr txBox="1"/>
-            <p:nvPr/>
-          </p:nvSpPr>
-          <p:spPr>
-            <a:xfrm>
-              <a:off x="5530679" y="2851624"/>
-              <a:ext cx="2817340" cy="369332"/>
-            </a:xfrm>
-            <a:prstGeom prst="rect">
-              <a:avLst/>
-            </a:prstGeom>
-            <a:noFill/>
-          </p:spPr>
-          <p:txBody>
-            <a:bodyPr wrap="square" rtlCol="0">
-              <a:spAutoFit/>
-            </a:bodyPr>
-            <a:lstStyle/>
-            <a:p>
-              <a:r>
-                <a:rPr lang="en-US" dirty="0">
-                  <a:solidFill>
-                    <a:srgbClr val="002060"/>
-                  </a:solidFill>
-                </a:rPr>
-                <a:t>Intra-cluster distance</a:t>
-              </a:r>
-            </a:p>
-          </p:txBody>
-        </p:sp>
-        <p:cxnSp>
-          <p:nvCxnSpPr>
-            <p:cNvPr id="24" name="Straight Arrow Connector 23"/>
-            <p:cNvCxnSpPr>
-              <a:stCxn id="19" idx="1"/>
-            </p:cNvCxnSpPr>
-            <p:nvPr/>
-          </p:nvCxnSpPr>
-          <p:spPr>
-            <a:xfrm flipH="1">
-              <a:off x="5214551" y="3036290"/>
-              <a:ext cx="316128" cy="292565"/>
-            </a:xfrm>
-            <a:prstGeom prst="straightConnector1">
-              <a:avLst/>
-            </a:prstGeom>
-            <a:ln w="19050">
-              <a:solidFill>
-                <a:srgbClr val="002060"/>
-              </a:solidFill>
-              <a:tailEnd type="triangle"/>
-            </a:ln>
-          </p:spPr>
-          <p:style>
-            <a:lnRef idx="1">
-              <a:schemeClr val="accent1"/>
-            </a:lnRef>
-            <a:fillRef idx="0">
-              <a:schemeClr val="accent1"/>
-            </a:fillRef>
-            <a:effectRef idx="0">
-              <a:schemeClr val="accent1"/>
-            </a:effectRef>
-            <a:fontRef idx="minor">
-              <a:schemeClr val="tx1"/>
-            </a:fontRef>
-          </p:style>
-        </p:cxnSp>
-      </p:grpSp>
-      <p:grpSp>
-        <p:nvGrpSpPr>
-          <p:cNvPr id="10" name="Group 9"/>
-          <p:cNvGrpSpPr/>
-          <p:nvPr/>
-        </p:nvGrpSpPr>
-        <p:grpSpPr>
-          <a:xfrm>
-            <a:off x="4572000" y="2205577"/>
-            <a:ext cx="4268230" cy="993646"/>
-            <a:chOff x="4572000" y="2205577"/>
-            <a:chExt cx="4268230" cy="993646"/>
-          </a:xfrm>
-        </p:grpSpPr>
-        <p:sp>
-          <p:nvSpPr>
-            <p:cNvPr id="7" name="TextBox 6"/>
-            <p:cNvSpPr txBox="1"/>
-            <p:nvPr/>
-          </p:nvSpPr>
-          <p:spPr>
-            <a:xfrm>
-              <a:off x="4902543" y="2205577"/>
-              <a:ext cx="3937687" cy="400110"/>
-            </a:xfrm>
-            <a:prstGeom prst="rect">
-              <a:avLst/>
-            </a:prstGeom>
-            <a:noFill/>
-          </p:spPr>
-          <p:txBody>
-            <a:bodyPr wrap="square" rtlCol="0">
-              <a:spAutoFit/>
-            </a:bodyPr>
-            <a:lstStyle/>
-            <a:p>
-              <a:r>
-                <a:rPr lang="en-US" sz="2000" b="1" dirty="0">
-                  <a:solidFill>
-                    <a:srgbClr val="FF0000"/>
-                  </a:solidFill>
-                </a:rPr>
-                <a:t>Optimize this in an alternative way</a:t>
-              </a:r>
-            </a:p>
-          </p:txBody>
-        </p:sp>
-        <p:cxnSp>
-          <p:nvCxnSpPr>
-            <p:cNvPr id="9" name="Straight Arrow Connector 8"/>
-            <p:cNvCxnSpPr/>
-            <p:nvPr/>
-          </p:nvCxnSpPr>
-          <p:spPr>
-            <a:xfrm flipH="1">
-              <a:off x="4572000" y="2577989"/>
-              <a:ext cx="644611" cy="621234"/>
-            </a:xfrm>
-            <a:prstGeom prst="straightConnector1">
-              <a:avLst/>
-            </a:prstGeom>
-            <a:ln w="19050">
-              <a:solidFill>
-                <a:srgbClr val="FF0000"/>
-              </a:solidFill>
-              <a:tailEnd type="triangle"/>
-            </a:ln>
-          </p:spPr>
-          <p:style>
-            <a:lnRef idx="1">
-              <a:schemeClr val="accent1"/>
-            </a:lnRef>
-            <a:fillRef idx="0">
-              <a:schemeClr val="accent1"/>
-            </a:fillRef>
-            <a:effectRef idx="0">
-              <a:schemeClr val="accent1"/>
-            </a:effectRef>
-            <a:fontRef idx="minor">
-              <a:schemeClr val="tx1"/>
-            </a:fontRef>
-          </p:style>
-        </p:cxnSp>
-      </p:grpSp>
-    </p:spTree>
-    <p:extLst>
-      <p:ext uri="{BB962C8B-B14F-4D97-AF65-F5344CB8AC3E}">
-        <p14:creationId xmlns:p14="http://schemas.microsoft.com/office/powerpoint/2010/main" val="1980269001"/>
-      </p:ext>
-    </p:extLst>
-  </p:cSld>
-  <p:clrMapOvr>
-    <a:masterClrMapping/>
-  </p:clrMapOvr>
-  <p:timing>
-    <p:tnLst>
-      <p:par>
-        <p:cTn id="1" dur="indefinite" restart="never" nodeType="tmRoot">
-          <p:childTnLst>
-            <p:seq concurrent="1" nextAc="seek">
-              <p:cTn id="2" dur="indefinite" nodeType="mainSeq">
-                <p:childTnLst>
-                  <p:par>
-                    <p:cTn id="3" fill="hold">
-                      <p:stCondLst>
-                        <p:cond delay="indefinite"/>
-                      </p:stCondLst>
-                      <p:childTnLst>
-                        <p:par>
-                          <p:cTn id="4" fill="hold">
-                            <p:stCondLst>
-                              <p:cond delay="0"/>
-                            </p:stCondLst>
-                            <p:childTnLst>
-                              <p:par>
-                                <p:cTn id="5" presetID="1" presetClass="entr" presetSubtype="0" fill="hold" nodeType="clickEffect">
-                                  <p:stCondLst>
-                                    <p:cond delay="0"/>
-                                  </p:stCondLst>
-                                  <p:childTnLst>
-                                    <p:set>
-                                      <p:cBhvr>
-                                        <p:cTn id="6" dur="1" fill="hold">
-                                          <p:stCondLst>
-                                            <p:cond delay="0"/>
-                                          </p:stCondLst>
-                                        </p:cTn>
-                                        <p:tgtEl>
-                                          <p:spTgt spid="22"/>
-                                        </p:tgtEl>
-                                        <p:attrNameLst>
-                                          <p:attrName>style.visibility</p:attrName>
-                                        </p:attrNameLst>
-                                      </p:cBhvr>
-                                      <p:to>
-                                        <p:strVal val="visible"/>
-                                      </p:to>
-                                    </p:set>
-                                  </p:childTnLst>
-                                </p:cTn>
-                              </p:par>
-                              <p:par>
-                                <p:cTn id="7" presetID="1" presetClass="entr" presetSubtype="0" fill="hold" nodeType="withEffect">
-                                  <p:stCondLst>
-                                    <p:cond delay="0"/>
-                                  </p:stCondLst>
-                                  <p:childTnLst>
-                                    <p:set>
-                                      <p:cBhvr>
-                                        <p:cTn id="8" dur="1" fill="hold">
-                                          <p:stCondLst>
-                                            <p:cond delay="0"/>
-                                          </p:stCondLst>
-                                        </p:cTn>
-                                        <p:tgtEl>
-                                          <p:spTgt spid="26"/>
-                                        </p:tgtEl>
-                                        <p:attrNameLst>
-                                          <p:attrName>style.visibility</p:attrName>
-                                        </p:attrNameLst>
-                                      </p:cBhvr>
-                                      <p:to>
-                                        <p:strVal val="visible"/>
-                                      </p:to>
-                                    </p:set>
-                                  </p:childTnLst>
-                                </p:cTn>
-                              </p:par>
-                            </p:childTnLst>
-                          </p:cTn>
-                        </p:par>
-                      </p:childTnLst>
-                    </p:cTn>
-                  </p:par>
-                  <p:par>
-                    <p:cTn id="9" fill="hold">
-                      <p:stCondLst>
-                        <p:cond delay="indefinite"/>
-                      </p:stCondLst>
-                      <p:childTnLst>
-                        <p:par>
-                          <p:cTn id="10" fill="hold">
-                            <p:stCondLst>
-                              <p:cond delay="0"/>
-                            </p:stCondLst>
-                            <p:childTnLst>
-                              <p:par>
-                                <p:cTn id="11" presetID="1" presetClass="entr" presetSubtype="0" fill="hold" nodeType="clickEffect">
-                                  <p:stCondLst>
-                                    <p:cond delay="0"/>
-                                  </p:stCondLst>
-                                  <p:childTnLst>
-                                    <p:set>
-                                      <p:cBhvr>
-                                        <p:cTn id="12" dur="1" fill="hold">
-                                          <p:stCondLst>
-                                            <p:cond delay="0"/>
-                                          </p:stCondLst>
-                                        </p:cTn>
-                                        <p:tgtEl>
-                                          <p:spTgt spid="3">
-                                            <p:txEl>
-                                              <p:pRg st="3" end="3"/>
-                                            </p:txEl>
-                                          </p:spTgt>
-                                        </p:tgtEl>
-                                        <p:attrNameLst>
-                                          <p:attrName>style.visibility</p:attrName>
-                                        </p:attrNameLst>
-                                      </p:cBhvr>
-                                      <p:to>
-                                        <p:strVal val="visible"/>
-                                      </p:to>
-                                    </p:set>
-                                  </p:childTnLst>
-                                </p:cTn>
-                              </p:par>
-                            </p:childTnLst>
-                          </p:cTn>
-                        </p:par>
-                      </p:childTnLst>
-                    </p:cTn>
-                  </p:par>
-                  <p:par>
-                    <p:cTn id="13" fill="hold">
-                      <p:stCondLst>
-                        <p:cond delay="indefinite"/>
-                      </p:stCondLst>
-                      <p:childTnLst>
-                        <p:par>
-                          <p:cTn id="14" fill="hold">
-                            <p:stCondLst>
-                              <p:cond delay="0"/>
-                            </p:stCondLst>
-                            <p:childTnLst>
-                              <p:par>
-                                <p:cTn id="15" presetID="1" presetClass="entr" presetSubtype="0" fill="hold" grpId="0" nodeType="clickEffect">
-                                  <p:stCondLst>
-                                    <p:cond delay="0"/>
-                                  </p:stCondLst>
-                                  <p:childTnLst>
-                                    <p:set>
-                                      <p:cBhvr>
-                                        <p:cTn id="16" dur="1" fill="hold">
-                                          <p:stCondLst>
-                                            <p:cond delay="0"/>
-                                          </p:stCondLst>
-                                        </p:cTn>
-                                        <p:tgtEl>
-                                          <p:spTgt spid="16"/>
-                                        </p:tgtEl>
-                                        <p:attrNameLst>
-                                          <p:attrName>style.visibility</p:attrName>
-                                        </p:attrNameLst>
-                                      </p:cBhvr>
-                                      <p:to>
-                                        <p:strVal val="visible"/>
-                                      </p:to>
-                                    </p:set>
-                                  </p:childTnLst>
-                                </p:cTn>
-                              </p:par>
-                            </p:childTnLst>
-                          </p:cTn>
-                        </p:par>
-                      </p:childTnLst>
-                    </p:cTn>
-                  </p:par>
-                  <p:par>
-                    <p:cTn id="17" fill="hold">
-                      <p:stCondLst>
-                        <p:cond delay="indefinite"/>
-                      </p:stCondLst>
-                      <p:childTnLst>
-                        <p:par>
-                          <p:cTn id="18" fill="hold">
-                            <p:stCondLst>
-                              <p:cond delay="0"/>
-                            </p:stCondLst>
-                            <p:childTnLst>
-                              <p:par>
-                                <p:cTn id="19" presetID="1" presetClass="entr" presetSubtype="0" fill="hold" grpId="0" nodeType="clickEffect">
-                                  <p:stCondLst>
-                                    <p:cond delay="0"/>
-                                  </p:stCondLst>
-                                  <p:childTnLst>
-                                    <p:set>
-                                      <p:cBhvr>
-                                        <p:cTn id="20" dur="1" fill="hold">
-                                          <p:stCondLst>
-                                            <p:cond delay="0"/>
-                                          </p:stCondLst>
-                                        </p:cTn>
-                                        <p:tgtEl>
-                                          <p:spTgt spid="17"/>
-                                        </p:tgtEl>
-                                        <p:attrNameLst>
-                                          <p:attrName>style.visibility</p:attrName>
-                                        </p:attrNameLst>
-                                      </p:cBhvr>
-                                      <p:to>
-                                        <p:strVal val="visible"/>
-                                      </p:to>
-                                    </p:set>
-                                  </p:childTnLst>
-                                </p:cTn>
-                              </p:par>
-                            </p:childTnLst>
-                          </p:cTn>
-                        </p:par>
-                      </p:childTnLst>
-                    </p:cTn>
-                  </p:par>
-                  <p:par>
-                    <p:cTn id="21" fill="hold">
-                      <p:stCondLst>
-                        <p:cond delay="indefinite"/>
-                      </p:stCondLst>
-                      <p:childTnLst>
-                        <p:par>
-                          <p:cTn id="22" fill="hold">
-                            <p:stCondLst>
-                              <p:cond delay="0"/>
-                            </p:stCondLst>
-                            <p:childTnLst>
-                              <p:par>
-                                <p:cTn id="23" presetID="1" presetClass="entr" presetSubtype="0" fill="hold" nodeType="clickEffect">
-                                  <p:stCondLst>
-                                    <p:cond delay="0"/>
-                                  </p:stCondLst>
-                                  <p:childTnLst>
-                                    <p:set>
-                                      <p:cBhvr>
-                                        <p:cTn id="24" dur="1" fill="hold">
-                                          <p:stCondLst>
-                                            <p:cond delay="0"/>
-                                          </p:stCondLst>
-                                        </p:cTn>
-                                        <p:tgtEl>
-                                          <p:spTgt spid="10"/>
-                                        </p:tgtEl>
-                                        <p:attrNameLst>
-                                          <p:attrName>style.visibility</p:attrName>
-                                        </p:attrNameLst>
-                                      </p:cBhvr>
-                                      <p:to>
-                                        <p:strVal val="visible"/>
-                                      </p:to>
-                                    </p:set>
-                                  </p:childTnLst>
-                                </p:cTn>
-                              </p:par>
-                            </p:childTnLst>
-                          </p:cTn>
-                        </p:par>
-                      </p:childTnLst>
-                    </p:cTn>
-                  </p:par>
-                </p:childTnLst>
-              </p:cTn>
-              <p:prevCondLst>
-                <p:cond evt="onPrev" delay="0">
-                  <p:tgtEl>
-                    <p:sldTgt/>
-                  </p:tgtEl>
-                </p:cond>
-              </p:prevCondLst>
-              <p:nextCondLst>
-                <p:cond evt="onNext" delay="0">
-                  <p:tgtEl>
-                    <p:sldTgt/>
-                  </p:tgtEl>
-                </p:cond>
-              </p:nextCondLst>
-            </p:seq>
-          </p:childTnLst>
-        </p:cTn>
-      </p:par>
-    </p:tnLst>
-    <p:bldLst>
-      <p:bldP spid="16" grpId="0"/>
-      <p:bldP spid="17" grpId="0"/>
-    </p:bldLst>
-  </p:timing>
-</p:sld>
-</file>
-
-<file path=ppt/slides/slide11.xml><?xml version="1.0" encoding="utf-8"?>
-<p:sld xmlns:a="http://schemas.openxmlformats.org/drawingml/2006/main" xmlns:r="http://schemas.openxmlformats.org/officeDocument/2006/relationships" xmlns:p="http://schemas.openxmlformats.org/presentationml/2006/main">
-  <p:cSld>
-    <p:spTree>
-      <p:nvGrpSpPr>
-        <p:cNvPr id="1" name=""/>
-        <p:cNvGrpSpPr/>
-        <p:nvPr/>
-      </p:nvGrpSpPr>
-      <p:grpSpPr>
-        <a:xfrm>
-          <a:off x="0" y="0"/>
-          <a:ext cx="0" cy="0"/>
-          <a:chOff x="0" y="0"/>
-          <a:chExt cx="0" cy="0"/>
-        </a:xfrm>
-      </p:grpSpPr>
-      <p:sp>
-        <p:nvSpPr>
-          <p:cNvPr id="2" name="Title 1"/>
-          <p:cNvSpPr>
-            <a:spLocks noGrp="1"/>
-          </p:cNvSpPr>
-          <p:nvPr>
-            <p:ph type="title"/>
-          </p:nvPr>
-        </p:nvSpPr>
-        <p:spPr/>
-        <p:txBody>
           <a:bodyPr/>
           <a:lstStyle/>
           <a:p>
@@ -6633,7 +5615,7 @@
           <a:p>
             <a:fld id="{64B9C3A9-27DF-40B5-9FC7-1DF96985BC5A}" type="slidenum">
               <a:rPr lang="en-US" smtClean="0"/>
-              <a:t>11</a:t>
+              <a:t>10</a:t>
             </a:fld>
             <a:endParaRPr lang="en-US"/>
           </a:p>
@@ -6842,7 +5824,7 @@
 </p:sld>
 </file>
 
-<file path=ppt/slides/slide12.xml><?xml version="1.0" encoding="utf-8"?>
+<file path=ppt/slides/slide11.xml><?xml version="1.0" encoding="utf-8"?>
 <p:sld xmlns:a="http://schemas.openxmlformats.org/drawingml/2006/main" xmlns:r="http://schemas.openxmlformats.org/officeDocument/2006/relationships" xmlns:p="http://schemas.openxmlformats.org/presentationml/2006/main">
   <p:cSld>
     <p:spTree>
@@ -6940,7 +5922,7 @@
           <a:p>
             <a:fld id="{64B9C3A9-27DF-40B5-9FC7-1DF96985BC5A}" type="slidenum">
               <a:rPr lang="en-US" smtClean="0"/>
-              <a:t>12</a:t>
+              <a:t>11</a:t>
             </a:fld>
             <a:endParaRPr lang="en-US"/>
           </a:p>
@@ -6983,7 +5965,7 @@
 </p:sld>
 </file>
 
-<file path=ppt/slides/slide13.xml><?xml version="1.0" encoding="utf-8"?>
+<file path=ppt/slides/slide12.xml><?xml version="1.0" encoding="utf-8"?>
 <p:sld xmlns:a="http://schemas.openxmlformats.org/drawingml/2006/main" xmlns:r="http://schemas.openxmlformats.org/officeDocument/2006/relationships" xmlns:p="http://schemas.openxmlformats.org/presentationml/2006/main">
   <p:cSld>
     <p:spTree>
@@ -7081,7 +6063,7 @@
           <a:p>
             <a:fld id="{64B9C3A9-27DF-40B5-9FC7-1DF96985BC5A}" type="slidenum">
               <a:rPr lang="en-US" smtClean="0"/>
-              <a:t>13</a:t>
+              <a:t>12</a:t>
             </a:fld>
             <a:endParaRPr lang="en-US"/>
           </a:p>
@@ -7243,6 +6225,147 @@
 </p:sld>
 </file>
 
+<file path=ppt/slides/slide13.xml><?xml version="1.0" encoding="utf-8"?>
+<p:sld xmlns:a="http://schemas.openxmlformats.org/drawingml/2006/main" xmlns:r="http://schemas.openxmlformats.org/officeDocument/2006/relationships" xmlns:p="http://schemas.openxmlformats.org/presentationml/2006/main">
+  <p:cSld>
+    <p:spTree>
+      <p:nvGrpSpPr>
+        <p:cNvPr id="1" name=""/>
+        <p:cNvGrpSpPr/>
+        <p:nvPr/>
+      </p:nvGrpSpPr>
+      <p:grpSpPr>
+        <a:xfrm>
+          <a:off x="0" y="0"/>
+          <a:ext cx="0" cy="0"/>
+          <a:chOff x="0" y="0"/>
+          <a:chExt cx="0" cy="0"/>
+        </a:xfrm>
+      </p:grpSpPr>
+      <p:sp>
+        <p:nvSpPr>
+          <p:cNvPr id="8" name="Title 7"/>
+          <p:cNvSpPr>
+            <a:spLocks noGrp="1"/>
+          </p:cNvSpPr>
+          <p:nvPr>
+            <p:ph type="title"/>
+          </p:nvPr>
+        </p:nvSpPr>
+        <p:spPr/>
+        <p:txBody>
+          <a:bodyPr/>
+          <a:lstStyle/>
+          <a:p>
+            <a:r>
+              <a:rPr lang="en-US" i="1" dirty="0"/>
+              <a:t>k</a:t>
+            </a:r>
+            <a:r>
+              <a:rPr lang="en-US" dirty="0"/>
+              <a:t>-means illustration</a:t>
+            </a:r>
+          </a:p>
+        </p:txBody>
+      </p:sp>
+      <p:sp>
+        <p:nvSpPr>
+          <p:cNvPr id="4" name="Date Placeholder 3"/>
+          <p:cNvSpPr>
+            <a:spLocks noGrp="1"/>
+          </p:cNvSpPr>
+          <p:nvPr>
+            <p:ph type="dt" sz="half" idx="10"/>
+          </p:nvPr>
+        </p:nvSpPr>
+        <p:spPr/>
+        <p:txBody>
+          <a:bodyPr/>
+          <a:lstStyle/>
+          <a:p>
+            <a:endParaRPr lang="en-US" dirty="0"/>
+          </a:p>
+        </p:txBody>
+      </p:sp>
+      <p:sp>
+        <p:nvSpPr>
+          <p:cNvPr id="5" name="Footer Placeholder 4"/>
+          <p:cNvSpPr>
+            <a:spLocks noGrp="1"/>
+          </p:cNvSpPr>
+          <p:nvPr>
+            <p:ph type="ftr" sz="quarter" idx="11"/>
+          </p:nvPr>
+        </p:nvSpPr>
+        <p:spPr/>
+        <p:txBody>
+          <a:bodyPr/>
+          <a:lstStyle/>
+          <a:p>
+            <a:endParaRPr lang="en-US" dirty="0"/>
+          </a:p>
+        </p:txBody>
+      </p:sp>
+      <p:sp>
+        <p:nvSpPr>
+          <p:cNvPr id="6" name="Slide Number Placeholder 5"/>
+          <p:cNvSpPr>
+            <a:spLocks noGrp="1"/>
+          </p:cNvSpPr>
+          <p:nvPr>
+            <p:ph type="sldNum" sz="quarter" idx="12"/>
+          </p:nvPr>
+        </p:nvSpPr>
+        <p:spPr/>
+        <p:txBody>
+          <a:bodyPr/>
+          <a:lstStyle/>
+          <a:p>
+            <a:fld id="{64B9C3A9-27DF-40B5-9FC7-1DF96985BC5A}" type="slidenum">
+              <a:rPr lang="en-US" smtClean="0"/>
+              <a:t>13</a:t>
+            </a:fld>
+            <a:endParaRPr lang="en-US"/>
+          </a:p>
+        </p:txBody>
+      </p:sp>
+      <p:pic>
+        <p:nvPicPr>
+          <p:cNvPr id="2" name="Picture 1"/>
+          <p:cNvPicPr>
+            <a:picLocks noChangeAspect="1"/>
+          </p:cNvPicPr>
+          <p:nvPr/>
+        </p:nvPicPr>
+        <p:blipFill>
+          <a:blip r:embed="rId2"/>
+          <a:stretch>
+            <a:fillRect/>
+          </a:stretch>
+        </p:blipFill>
+        <p:spPr>
+          <a:xfrm>
+            <a:off x="1218901" y="1417638"/>
+            <a:ext cx="6706198" cy="4910328"/>
+          </a:xfrm>
+          <a:prstGeom prst="rect">
+            <a:avLst/>
+          </a:prstGeom>
+        </p:spPr>
+      </p:pic>
+    </p:spTree>
+    <p:extLst>
+      <p:ext uri="{BB962C8B-B14F-4D97-AF65-F5344CB8AC3E}">
+        <p14:creationId xmlns:p14="http://schemas.microsoft.com/office/powerpoint/2010/main" val="2627362401"/>
+      </p:ext>
+    </p:extLst>
+  </p:cSld>
+  <p:clrMapOvr>
+    <a:masterClrMapping/>
+  </p:clrMapOvr>
+</p:sld>
+</file>
+
 <file path=ppt/slides/slide14.xml><?xml version="1.0" encoding="utf-8"?>
 <p:sld xmlns:a="http://schemas.openxmlformats.org/drawingml/2006/main" xmlns:r="http://schemas.openxmlformats.org/officeDocument/2006/relationships" xmlns:p="http://schemas.openxmlformats.org/presentationml/2006/main">
   <p:cSld>
@@ -7349,7 +6472,7 @@
       </p:sp>
       <p:pic>
         <p:nvPicPr>
-          <p:cNvPr id="2" name="Picture 1"/>
+          <p:cNvPr id="3" name="Picture 2"/>
           <p:cNvPicPr>
             <a:picLocks noChangeAspect="1"/>
           </p:cNvPicPr>
@@ -7363,8 +6486,8 @@
         </p:blipFill>
         <p:spPr>
           <a:xfrm>
-            <a:off x="1218901" y="1417638"/>
-            <a:ext cx="6706198" cy="4910328"/>
+            <a:off x="1228130" y="1409400"/>
+            <a:ext cx="6654787" cy="4910328"/>
           </a:xfrm>
           <a:prstGeom prst="rect">
             <a:avLst/>
@@ -7374,7 +6497,7 @@
     </p:spTree>
     <p:extLst>
       <p:ext uri="{BB962C8B-B14F-4D97-AF65-F5344CB8AC3E}">
-        <p14:creationId xmlns:p14="http://schemas.microsoft.com/office/powerpoint/2010/main" val="2627362401"/>
+        <p14:creationId xmlns:p14="http://schemas.microsoft.com/office/powerpoint/2010/main" val="3754079818"/>
       </p:ext>
     </p:extLst>
   </p:cSld>
@@ -7490,147 +6613,6 @@
       </p:sp>
       <p:pic>
         <p:nvPicPr>
-          <p:cNvPr id="3" name="Picture 2"/>
-          <p:cNvPicPr>
-            <a:picLocks noChangeAspect="1"/>
-          </p:cNvPicPr>
-          <p:nvPr/>
-        </p:nvPicPr>
-        <p:blipFill>
-          <a:blip r:embed="rId2"/>
-          <a:stretch>
-            <a:fillRect/>
-          </a:stretch>
-        </p:blipFill>
-        <p:spPr>
-          <a:xfrm>
-            <a:off x="1228130" y="1409400"/>
-            <a:ext cx="6654787" cy="4910328"/>
-          </a:xfrm>
-          <a:prstGeom prst="rect">
-            <a:avLst/>
-          </a:prstGeom>
-        </p:spPr>
-      </p:pic>
-    </p:spTree>
-    <p:extLst>
-      <p:ext uri="{BB962C8B-B14F-4D97-AF65-F5344CB8AC3E}">
-        <p14:creationId xmlns:p14="http://schemas.microsoft.com/office/powerpoint/2010/main" val="3754079818"/>
-      </p:ext>
-    </p:extLst>
-  </p:cSld>
-  <p:clrMapOvr>
-    <a:masterClrMapping/>
-  </p:clrMapOvr>
-</p:sld>
-</file>
-
-<file path=ppt/slides/slide16.xml><?xml version="1.0" encoding="utf-8"?>
-<p:sld xmlns:a="http://schemas.openxmlformats.org/drawingml/2006/main" xmlns:r="http://schemas.openxmlformats.org/officeDocument/2006/relationships" xmlns:p="http://schemas.openxmlformats.org/presentationml/2006/main">
-  <p:cSld>
-    <p:spTree>
-      <p:nvGrpSpPr>
-        <p:cNvPr id="1" name=""/>
-        <p:cNvGrpSpPr/>
-        <p:nvPr/>
-      </p:nvGrpSpPr>
-      <p:grpSpPr>
-        <a:xfrm>
-          <a:off x="0" y="0"/>
-          <a:ext cx="0" cy="0"/>
-          <a:chOff x="0" y="0"/>
-          <a:chExt cx="0" cy="0"/>
-        </a:xfrm>
-      </p:grpSpPr>
-      <p:sp>
-        <p:nvSpPr>
-          <p:cNvPr id="8" name="Title 7"/>
-          <p:cNvSpPr>
-            <a:spLocks noGrp="1"/>
-          </p:cNvSpPr>
-          <p:nvPr>
-            <p:ph type="title"/>
-          </p:nvPr>
-        </p:nvSpPr>
-        <p:spPr/>
-        <p:txBody>
-          <a:bodyPr/>
-          <a:lstStyle/>
-          <a:p>
-            <a:r>
-              <a:rPr lang="en-US" i="1" dirty="0"/>
-              <a:t>k</a:t>
-            </a:r>
-            <a:r>
-              <a:rPr lang="en-US" dirty="0"/>
-              <a:t>-means illustration</a:t>
-            </a:r>
-          </a:p>
-        </p:txBody>
-      </p:sp>
-      <p:sp>
-        <p:nvSpPr>
-          <p:cNvPr id="4" name="Date Placeholder 3"/>
-          <p:cNvSpPr>
-            <a:spLocks noGrp="1"/>
-          </p:cNvSpPr>
-          <p:nvPr>
-            <p:ph type="dt" sz="half" idx="10"/>
-          </p:nvPr>
-        </p:nvSpPr>
-        <p:spPr/>
-        <p:txBody>
-          <a:bodyPr/>
-          <a:lstStyle/>
-          <a:p>
-            <a:endParaRPr lang="en-US" dirty="0"/>
-          </a:p>
-        </p:txBody>
-      </p:sp>
-      <p:sp>
-        <p:nvSpPr>
-          <p:cNvPr id="5" name="Footer Placeholder 4"/>
-          <p:cNvSpPr>
-            <a:spLocks noGrp="1"/>
-          </p:cNvSpPr>
-          <p:nvPr>
-            <p:ph type="ftr" sz="quarter" idx="11"/>
-          </p:nvPr>
-        </p:nvSpPr>
-        <p:spPr/>
-        <p:txBody>
-          <a:bodyPr/>
-          <a:lstStyle/>
-          <a:p>
-            <a:endParaRPr lang="en-US" dirty="0"/>
-          </a:p>
-        </p:txBody>
-      </p:sp>
-      <p:sp>
-        <p:nvSpPr>
-          <p:cNvPr id="6" name="Slide Number Placeholder 5"/>
-          <p:cNvSpPr>
-            <a:spLocks noGrp="1"/>
-          </p:cNvSpPr>
-          <p:nvPr>
-            <p:ph type="sldNum" sz="quarter" idx="12"/>
-          </p:nvPr>
-        </p:nvSpPr>
-        <p:spPr/>
-        <p:txBody>
-          <a:bodyPr/>
-          <a:lstStyle/>
-          <a:p>
-            <a:fld id="{64B9C3A9-27DF-40B5-9FC7-1DF96985BC5A}" type="slidenum">
-              <a:rPr lang="en-US" smtClean="0"/>
-              <a:t>16</a:t>
-            </a:fld>
-            <a:endParaRPr lang="en-US"/>
-          </a:p>
-        </p:txBody>
-      </p:sp>
-      <p:pic>
-        <p:nvPicPr>
           <p:cNvPr id="2" name="Picture 1"/>
           <p:cNvPicPr>
             <a:picLocks noChangeAspect="1"/>
@@ -7666,7 +6648,7 @@
 </p:sld>
 </file>
 
-<file path=ppt/slides/slide17.xml><?xml version="1.0" encoding="utf-8"?>
+<file path=ppt/slides/slide16.xml><?xml version="1.0" encoding="utf-8"?>
 <p:sld xmlns:a="http://schemas.openxmlformats.org/drawingml/2006/main" xmlns:r="http://schemas.openxmlformats.org/officeDocument/2006/relationships" xmlns:p="http://schemas.openxmlformats.org/presentationml/2006/main">
   <p:cSld>
     <p:spTree>
@@ -7957,7 +6939,7 @@
           <a:p>
             <a:fld id="{64B9C3A9-27DF-40B5-9FC7-1DF96985BC5A}" type="slidenum">
               <a:rPr lang="en-US" smtClean="0"/>
-              <a:t>17</a:t>
+              <a:t>16</a:t>
             </a:fld>
             <a:endParaRPr lang="en-US"/>
           </a:p>
@@ -8324,7 +7306,7 @@
 </p:sld>
 </file>
 
-<file path=ppt/slides/slide18.xml><?xml version="1.0" encoding="utf-8"?>
+<file path=ppt/slides/slide17.xml><?xml version="1.0" encoding="utf-8"?>
 <p:sld xmlns:a="http://schemas.openxmlformats.org/drawingml/2006/main" xmlns:r="http://schemas.openxmlformats.org/officeDocument/2006/relationships" xmlns:p="http://schemas.openxmlformats.org/presentationml/2006/main">
   <p:cSld>
     <p:spTree>
@@ -8470,7 +7452,7 @@
           <a:p>
             <a:fld id="{64B9C3A9-27DF-40B5-9FC7-1DF96985BC5A}" type="slidenum">
               <a:rPr lang="en-US" smtClean="0"/>
-              <a:t>18</a:t>
+              <a:t>17</a:t>
             </a:fld>
             <a:endParaRPr lang="en-US"/>
           </a:p>
@@ -8617,7 +7599,7 @@
 </p:sld>
 </file>
 
-<file path=ppt/slides/slide19.xml><?xml version="1.0" encoding="utf-8"?>
+<file path=ppt/slides/slide18.xml><?xml version="1.0" encoding="utf-8"?>
 <p:sld xmlns:a="http://schemas.openxmlformats.org/drawingml/2006/main" xmlns:r="http://schemas.openxmlformats.org/officeDocument/2006/relationships" xmlns:p="http://schemas.openxmlformats.org/presentationml/2006/main">
   <p:cSld>
     <p:spTree>
@@ -8816,7 +7798,7 @@
           <a:p>
             <a:fld id="{64B9C3A9-27DF-40B5-9FC7-1DF96985BC5A}" type="slidenum">
               <a:rPr lang="en-US" smtClean="0"/>
-              <a:t>19</a:t>
+              <a:t>18</a:t>
             </a:fld>
             <a:endParaRPr lang="en-US"/>
           </a:p>
@@ -10091,6 +9073,1341 @@
 </p:sld>
 </file>
 
+<file path=ppt/slides/slide19.xml><?xml version="1.0" encoding="utf-8"?>
+<p:sld xmlns:a="http://schemas.openxmlformats.org/drawingml/2006/main" xmlns:r="http://schemas.openxmlformats.org/officeDocument/2006/relationships" xmlns:p="http://schemas.openxmlformats.org/presentationml/2006/main">
+  <p:cSld>
+    <p:spTree>
+      <p:nvGrpSpPr>
+        <p:cNvPr id="1" name=""/>
+        <p:cNvGrpSpPr/>
+        <p:nvPr/>
+      </p:nvGrpSpPr>
+      <p:grpSpPr>
+        <a:xfrm>
+          <a:off x="0" y="0"/>
+          <a:ext cx="0" cy="0"/>
+          <a:chOff x="0" y="0"/>
+          <a:chExt cx="0" cy="0"/>
+        </a:xfrm>
+      </p:grpSpPr>
+      <p:sp>
+        <p:nvSpPr>
+          <p:cNvPr id="2" name="Title 1"/>
+          <p:cNvSpPr>
+            <a:spLocks noGrp="1"/>
+          </p:cNvSpPr>
+          <p:nvPr>
+            <p:ph type="title"/>
+          </p:nvPr>
+        </p:nvSpPr>
+        <p:spPr/>
+        <p:txBody>
+          <a:bodyPr>
+            <a:normAutofit/>
+          </a:bodyPr>
+          <a:lstStyle/>
+          <a:p>
+            <a:r>
+              <a:rPr lang="en-US" sz="3800" dirty="0"/>
+              <a:t>Probabilistic interpretation of clustering</a:t>
+            </a:r>
+          </a:p>
+        </p:txBody>
+      </p:sp>
+      <mc:AlternateContent xmlns:mc="http://schemas.openxmlformats.org/markup-compatibility/2006" xmlns:a14="http://schemas.microsoft.com/office/drawing/2010/main">
+        <mc:Choice Requires="a14">
+          <p:sp>
+            <p:nvSpPr>
+              <p:cNvPr id="3" name="Content Placeholder 2"/>
+              <p:cNvSpPr>
+                <a:spLocks noGrp="1"/>
+              </p:cNvSpPr>
+              <p:nvPr>
+                <p:ph idx="1"/>
+              </p:nvPr>
+            </p:nvSpPr>
+            <p:spPr/>
+            <p:txBody>
+              <a:bodyPr/>
+              <a:lstStyle/>
+              <a:p>
+                <a:r>
+                  <a:rPr lang="en-US" dirty="0"/>
+                  <a:t>If </a:t>
+                </a:r>
+                <a14:m>
+                  <m:oMath xmlns:m="http://schemas.openxmlformats.org/officeDocument/2006/math">
+                    <m:r>
+                      <a:rPr lang="en-US" i="1" dirty="0" smtClean="0">
+                        <a:latin typeface="Cambria Math" panose="02040503050406030204" pitchFamily="18" charset="0"/>
+                      </a:rPr>
+                      <m:t>𝑧</m:t>
+                    </m:r>
+                  </m:oMath>
+                </a14:m>
+                <a:r>
+                  <a:rPr lang="en-US" dirty="0"/>
+                  <a:t> is known for every </a:t>
+                </a:r>
+                <a14:m>
+                  <m:oMath xmlns:m="http://schemas.openxmlformats.org/officeDocument/2006/math">
+                    <m:r>
+                      <a:rPr lang="en-US" i="1" dirty="0" smtClean="0">
+                        <a:latin typeface="Cambria Math" panose="02040503050406030204" pitchFamily="18" charset="0"/>
+                      </a:rPr>
+                      <m:t>𝑥</m:t>
+                    </m:r>
+                  </m:oMath>
+                </a14:m>
+                <a:endParaRPr lang="en-US" dirty="0"/>
+              </a:p>
+              <a:p>
+                <a:pPr lvl="1"/>
+                <a:r>
+                  <a:rPr lang="en-US" dirty="0"/>
+                  <a:t>Estimating </a:t>
+                </a:r>
+                <a14:m>
+                  <m:oMath xmlns:m="http://schemas.openxmlformats.org/officeDocument/2006/math">
+                    <m:r>
+                      <a:rPr lang="en-US" i="1" dirty="0" smtClean="0">
+                        <a:latin typeface="Cambria Math" panose="02040503050406030204" pitchFamily="18" charset="0"/>
+                      </a:rPr>
+                      <m:t>𝑝</m:t>
+                    </m:r>
+                    <m:r>
+                      <a:rPr lang="en-US" i="1" dirty="0" smtClean="0">
+                        <a:latin typeface="Cambria Math" panose="02040503050406030204" pitchFamily="18" charset="0"/>
+                      </a:rPr>
+                      <m:t>(</m:t>
+                    </m:r>
+                    <m:r>
+                      <a:rPr lang="en-US" i="1" dirty="0" smtClean="0">
+                        <a:latin typeface="Cambria Math" panose="02040503050406030204" pitchFamily="18" charset="0"/>
+                      </a:rPr>
+                      <m:t>𝑧</m:t>
+                    </m:r>
+                    <m:r>
+                      <a:rPr lang="en-US" i="1" dirty="0" smtClean="0">
+                        <a:latin typeface="Cambria Math" panose="02040503050406030204" pitchFamily="18" charset="0"/>
+                      </a:rPr>
+                      <m:t>)</m:t>
+                    </m:r>
+                  </m:oMath>
+                </a14:m>
+                <a:r>
+                  <a:rPr lang="en-US" dirty="0"/>
+                  <a:t> and </a:t>
+                </a:r>
+                <a14:m>
+                  <m:oMath xmlns:m="http://schemas.openxmlformats.org/officeDocument/2006/math">
+                    <m:r>
+                      <a:rPr lang="en-US" i="1" dirty="0" smtClean="0">
+                        <a:latin typeface="Cambria Math" panose="02040503050406030204" pitchFamily="18" charset="0"/>
+                      </a:rPr>
+                      <m:t>𝑝</m:t>
+                    </m:r>
+                    <m:r>
+                      <a:rPr lang="en-US" i="1" dirty="0" smtClean="0">
+                        <a:latin typeface="Cambria Math" panose="02040503050406030204" pitchFamily="18" charset="0"/>
+                      </a:rPr>
+                      <m:t>(</m:t>
+                    </m:r>
+                    <m:r>
+                      <a:rPr lang="en-US" i="1" dirty="0" err="1" smtClean="0">
+                        <a:latin typeface="Cambria Math" panose="02040503050406030204" pitchFamily="18" charset="0"/>
+                      </a:rPr>
+                      <m:t>𝑥</m:t>
+                    </m:r>
+                    <m:r>
+                      <a:rPr lang="en-US" i="1" dirty="0" err="1" smtClean="0">
+                        <a:latin typeface="Cambria Math" panose="02040503050406030204" pitchFamily="18" charset="0"/>
+                      </a:rPr>
+                      <m:t>|</m:t>
+                    </m:r>
+                    <m:r>
+                      <a:rPr lang="en-US" i="1" dirty="0" err="1" smtClean="0">
+                        <a:latin typeface="Cambria Math" panose="02040503050406030204" pitchFamily="18" charset="0"/>
+                      </a:rPr>
+                      <m:t>𝑧</m:t>
+                    </m:r>
+                    <m:r>
+                      <a:rPr lang="en-US" i="1" dirty="0" smtClean="0">
+                        <a:latin typeface="Cambria Math" panose="02040503050406030204" pitchFamily="18" charset="0"/>
+                      </a:rPr>
+                      <m:t>)</m:t>
+                    </m:r>
+                  </m:oMath>
+                </a14:m>
+                <a:r>
+                  <a:rPr lang="en-US" dirty="0"/>
+                  <a:t> is easy</a:t>
+                </a:r>
+              </a:p>
+              <a:p>
+                <a:pPr lvl="2"/>
+                <a:r>
+                  <a:rPr lang="en-US" dirty="0"/>
+                  <a:t>Maximum likelihood estimation</a:t>
+                </a:r>
+              </a:p>
+              <a:p>
+                <a:pPr lvl="2"/>
+                <a:r>
+                  <a:rPr lang="en-US" dirty="0"/>
+                  <a:t>This is Naïve Bayes</a:t>
+                </a:r>
+              </a:p>
+            </p:txBody>
+          </p:sp>
+        </mc:Choice>
+        <mc:Fallback xmlns="">
+          <p:sp>
+            <p:nvSpPr>
+              <p:cNvPr id="3" name="Content Placeholder 2"/>
+              <p:cNvSpPr>
+                <a:spLocks noGrp="1" noRot="1" noChangeAspect="1" noMove="1" noResize="1" noEditPoints="1" noAdjustHandles="1" noChangeArrowheads="1" noChangeShapeType="1" noTextEdit="1"/>
+              </p:cNvSpPr>
+              <p:nvPr>
+                <p:ph idx="1"/>
+              </p:nvPr>
+            </p:nvSpPr>
+            <p:spPr>
+              <a:blipFill rotWithShape="0">
+                <a:blip r:embed="rId2"/>
+                <a:stretch>
+                  <a:fillRect l="-1704" t="-1617"/>
+                </a:stretch>
+              </a:blipFill>
+            </p:spPr>
+            <p:txBody>
+              <a:bodyPr/>
+              <a:lstStyle/>
+              <a:p>
+                <a:r>
+                  <a:rPr lang="en-US">
+                    <a:noFill/>
+                  </a:rPr>
+                  <a:t> </a:t>
+                </a:r>
+              </a:p>
+            </p:txBody>
+          </p:sp>
+        </mc:Fallback>
+      </mc:AlternateContent>
+      <p:sp>
+        <p:nvSpPr>
+          <p:cNvPr id="4" name="Date Placeholder 3"/>
+          <p:cNvSpPr>
+            <a:spLocks noGrp="1"/>
+          </p:cNvSpPr>
+          <p:nvPr>
+            <p:ph type="dt" sz="half" idx="10"/>
+          </p:nvPr>
+        </p:nvSpPr>
+        <p:spPr/>
+        <p:txBody>
+          <a:bodyPr/>
+          <a:lstStyle/>
+          <a:p>
+            <a:endParaRPr lang="en-US" dirty="0"/>
+          </a:p>
+        </p:txBody>
+      </p:sp>
+      <p:sp>
+        <p:nvSpPr>
+          <p:cNvPr id="5" name="Footer Placeholder 4"/>
+          <p:cNvSpPr>
+            <a:spLocks noGrp="1"/>
+          </p:cNvSpPr>
+          <p:nvPr>
+            <p:ph type="ftr" sz="quarter" idx="11"/>
+          </p:nvPr>
+        </p:nvSpPr>
+        <p:spPr/>
+        <p:txBody>
+          <a:bodyPr/>
+          <a:lstStyle/>
+          <a:p>
+            <a:endParaRPr lang="en-US" dirty="0"/>
+          </a:p>
+        </p:txBody>
+      </p:sp>
+      <p:sp>
+        <p:nvSpPr>
+          <p:cNvPr id="6" name="Slide Number Placeholder 5"/>
+          <p:cNvSpPr>
+            <a:spLocks noGrp="1"/>
+          </p:cNvSpPr>
+          <p:nvPr>
+            <p:ph type="sldNum" sz="quarter" idx="12"/>
+          </p:nvPr>
+        </p:nvSpPr>
+        <p:spPr/>
+        <p:txBody>
+          <a:bodyPr/>
+          <a:lstStyle/>
+          <a:p>
+            <a:fld id="{64B9C3A9-27DF-40B5-9FC7-1DF96985BC5A}" type="slidenum">
+              <a:rPr lang="en-US" smtClean="0"/>
+              <a:t>19</a:t>
+            </a:fld>
+            <a:endParaRPr lang="en-US"/>
+          </a:p>
+        </p:txBody>
+      </p:sp>
+      <p:pic>
+        <p:nvPicPr>
+          <p:cNvPr id="7" name="Picture 6"/>
+          <p:cNvPicPr>
+            <a:picLocks noChangeAspect="1"/>
+          </p:cNvPicPr>
+          <p:nvPr/>
+        </p:nvPicPr>
+        <p:blipFill>
+          <a:blip r:embed="rId3"/>
+          <a:stretch>
+            <a:fillRect/>
+          </a:stretch>
+        </p:blipFill>
+        <p:spPr>
+          <a:xfrm>
+            <a:off x="2672078" y="3789642"/>
+            <a:ext cx="3213855" cy="2336523"/>
+          </a:xfrm>
+          <a:prstGeom prst="rect">
+            <a:avLst/>
+          </a:prstGeom>
+        </p:spPr>
+      </p:pic>
+      <p:sp>
+        <p:nvSpPr>
+          <p:cNvPr id="8" name="TextBox 7"/>
+          <p:cNvSpPr txBox="1"/>
+          <p:nvPr/>
+        </p:nvSpPr>
+        <p:spPr>
+          <a:xfrm>
+            <a:off x="6019800" y="4192570"/>
+            <a:ext cx="1598140" cy="369332"/>
+          </a:xfrm>
+          <a:prstGeom prst="rect">
+            <a:avLst/>
+          </a:prstGeom>
+          <a:noFill/>
+        </p:spPr>
+        <p:txBody>
+          <a:bodyPr wrap="square" rtlCol="0">
+            <a:spAutoFit/>
+          </a:bodyPr>
+          <a:lstStyle/>
+          <a:p>
+            <a:r>
+              <a:rPr lang="en-US" dirty="0"/>
+              <a:t>Mixture model</a:t>
+            </a:r>
+          </a:p>
+        </p:txBody>
+      </p:sp>
+      <mc:AlternateContent xmlns:mc="http://schemas.openxmlformats.org/markup-compatibility/2006" xmlns:a14="http://schemas.microsoft.com/office/drawing/2010/main">
+        <mc:Choice Requires="a14">
+          <p:sp>
+            <p:nvSpPr>
+              <p:cNvPr id="9" name="TextBox 8"/>
+              <p:cNvSpPr txBox="1"/>
+              <p:nvPr/>
+            </p:nvSpPr>
+            <p:spPr>
+              <a:xfrm>
+                <a:off x="6256638" y="4506058"/>
+                <a:ext cx="2233688" cy="670696"/>
+              </a:xfrm>
+              <a:prstGeom prst="rect">
+                <a:avLst/>
+              </a:prstGeom>
+              <a:noFill/>
+            </p:spPr>
+            <p:txBody>
+              <a:bodyPr wrap="none" lIns="0" tIns="0" rIns="0" bIns="0" rtlCol="0">
+                <a:spAutoFit/>
+              </a:bodyPr>
+              <a:lstStyle/>
+              <a:p>
+                <a:pPr/>
+                <a14:m>
+                  <m:oMathPara xmlns:m="http://schemas.openxmlformats.org/officeDocument/2006/math">
+                    <m:oMathParaPr>
+                      <m:jc m:val="centerGroup"/>
+                    </m:oMathParaPr>
+                    <m:oMath xmlns:m="http://schemas.openxmlformats.org/officeDocument/2006/math">
+                      <m:r>
+                        <a:rPr lang="en-US" b="0" i="1" smtClean="0">
+                          <a:latin typeface="Cambria Math" panose="02040503050406030204" pitchFamily="18" charset="0"/>
+                        </a:rPr>
+                        <m:t>𝑝</m:t>
+                      </m:r>
+                      <m:d>
+                        <m:dPr>
+                          <m:ctrlPr>
+                            <a:rPr lang="en-US" b="0" i="1" smtClean="0">
+                              <a:latin typeface="Cambria Math" panose="02040503050406030204" pitchFamily="18" charset="0"/>
+                            </a:rPr>
+                          </m:ctrlPr>
+                        </m:dPr>
+                        <m:e>
+                          <m:r>
+                            <a:rPr lang="en-US" b="0" i="1" smtClean="0">
+                              <a:latin typeface="Cambria Math" panose="02040503050406030204" pitchFamily="18" charset="0"/>
+                            </a:rPr>
+                            <m:t>𝑥</m:t>
+                          </m:r>
+                        </m:e>
+                      </m:d>
+                      <m:r>
+                        <a:rPr lang="en-US" b="0" i="1" smtClean="0">
+                          <a:latin typeface="Cambria Math" panose="02040503050406030204" pitchFamily="18" charset="0"/>
+                        </a:rPr>
+                        <m:t>=</m:t>
+                      </m:r>
+                      <m:nary>
+                        <m:naryPr>
+                          <m:chr m:val="∑"/>
+                          <m:supHide m:val="on"/>
+                          <m:ctrlPr>
+                            <a:rPr lang="en-US" b="0" i="1" smtClean="0">
+                              <a:latin typeface="Cambria Math" panose="02040503050406030204" pitchFamily="18" charset="0"/>
+                            </a:rPr>
+                          </m:ctrlPr>
+                        </m:naryPr>
+                        <m:sub>
+                          <m:r>
+                            <a:rPr lang="en-US" b="0" i="1" smtClean="0">
+                              <a:latin typeface="Cambria Math" panose="02040503050406030204" pitchFamily="18" charset="0"/>
+                            </a:rPr>
+                            <m:t>𝑧</m:t>
+                          </m:r>
+                        </m:sub>
+                        <m:sup/>
+                        <m:e>
+                          <m:r>
+                            <a:rPr lang="en-US" b="0" i="1" smtClean="0">
+                              <a:latin typeface="Cambria Math" panose="02040503050406030204" pitchFamily="18" charset="0"/>
+                            </a:rPr>
+                            <m:t>𝑝</m:t>
+                          </m:r>
+                          <m:d>
+                            <m:dPr>
+                              <m:ctrlPr>
+                                <a:rPr lang="en-US" b="0" i="1" smtClean="0">
+                                  <a:latin typeface="Cambria Math" panose="02040503050406030204" pitchFamily="18" charset="0"/>
+                                </a:rPr>
+                              </m:ctrlPr>
+                            </m:dPr>
+                            <m:e>
+                              <m:r>
+                                <a:rPr lang="en-US" b="0" i="1" smtClean="0">
+                                  <a:latin typeface="Cambria Math" panose="02040503050406030204" pitchFamily="18" charset="0"/>
+                                </a:rPr>
+                                <m:t>𝑥</m:t>
+                              </m:r>
+                            </m:e>
+                            <m:e>
+                              <m:r>
+                                <a:rPr lang="en-US" b="0" i="1" smtClean="0">
+                                  <a:latin typeface="Cambria Math" panose="02040503050406030204" pitchFamily="18" charset="0"/>
+                                </a:rPr>
+                                <m:t>𝑧</m:t>
+                              </m:r>
+                            </m:e>
+                          </m:d>
+                          <m:r>
+                            <a:rPr lang="en-US" b="0" i="1" smtClean="0">
+                              <a:latin typeface="Cambria Math" panose="02040503050406030204" pitchFamily="18" charset="0"/>
+                            </a:rPr>
+                            <m:t>𝑝</m:t>
+                          </m:r>
+                          <m:r>
+                            <a:rPr lang="en-US" b="0" i="1" smtClean="0">
+                              <a:latin typeface="Cambria Math" panose="02040503050406030204" pitchFamily="18" charset="0"/>
+                            </a:rPr>
+                            <m:t>(</m:t>
+                          </m:r>
+                          <m:r>
+                            <a:rPr lang="en-US" b="0" i="1" smtClean="0">
+                              <a:latin typeface="Cambria Math" panose="02040503050406030204" pitchFamily="18" charset="0"/>
+                            </a:rPr>
+                            <m:t>𝑧</m:t>
+                          </m:r>
+                          <m:r>
+                            <a:rPr lang="en-US" b="0" i="1" smtClean="0">
+                              <a:latin typeface="Cambria Math" panose="02040503050406030204" pitchFamily="18" charset="0"/>
+                            </a:rPr>
+                            <m:t>)</m:t>
+                          </m:r>
+                        </m:e>
+                      </m:nary>
+                    </m:oMath>
+                  </m:oMathPara>
+                </a14:m>
+                <a:endParaRPr lang="en-US" dirty="0"/>
+              </a:p>
+            </p:txBody>
+          </p:sp>
+        </mc:Choice>
+        <mc:Fallback xmlns="">
+          <p:sp>
+            <p:nvSpPr>
+              <p:cNvPr id="9" name="TextBox 8"/>
+              <p:cNvSpPr txBox="1">
+                <a:spLocks noRot="1" noChangeAspect="1" noMove="1" noResize="1" noEditPoints="1" noAdjustHandles="1" noChangeArrowheads="1" noChangeShapeType="1" noTextEdit="1"/>
+              </p:cNvSpPr>
+              <p:nvPr/>
+            </p:nvSpPr>
+            <p:spPr>
+              <a:xfrm>
+                <a:off x="6256638" y="4506058"/>
+                <a:ext cx="2233688" cy="670696"/>
+              </a:xfrm>
+              <a:prstGeom prst="rect">
+                <a:avLst/>
+              </a:prstGeom>
+              <a:blipFill rotWithShape="0">
+                <a:blip r:embed="rId4"/>
+                <a:stretch>
+                  <a:fillRect/>
+                </a:stretch>
+              </a:blipFill>
+            </p:spPr>
+            <p:txBody>
+              <a:bodyPr/>
+              <a:lstStyle/>
+              <a:p>
+                <a:r>
+                  <a:rPr lang="en-US">
+                    <a:noFill/>
+                  </a:rPr>
+                  <a:t> </a:t>
+                </a:r>
+              </a:p>
+            </p:txBody>
+          </p:sp>
+        </mc:Fallback>
+      </mc:AlternateContent>
+      <p:sp>
+        <p:nvSpPr>
+          <p:cNvPr id="10" name="TextBox 9"/>
+          <p:cNvSpPr txBox="1"/>
+          <p:nvPr/>
+        </p:nvSpPr>
+        <p:spPr>
+          <a:xfrm>
+            <a:off x="6019800" y="5353316"/>
+            <a:ext cx="2327189" cy="369332"/>
+          </a:xfrm>
+          <a:prstGeom prst="rect">
+            <a:avLst/>
+          </a:prstGeom>
+          <a:noFill/>
+        </p:spPr>
+        <p:txBody>
+          <a:bodyPr wrap="square" rtlCol="0">
+            <a:spAutoFit/>
+          </a:bodyPr>
+          <a:lstStyle/>
+          <a:p>
+            <a:r>
+              <a:rPr lang="en-US" dirty="0"/>
+              <a:t>Unimodal distribution</a:t>
+            </a:r>
+          </a:p>
+        </p:txBody>
+      </p:sp>
+      <p:cxnSp>
+        <p:nvCxnSpPr>
+          <p:cNvPr id="12" name="Straight Arrow Connector 11"/>
+          <p:cNvCxnSpPr>
+            <a:stCxn id="10" idx="0"/>
+          </p:cNvCxnSpPr>
+          <p:nvPr/>
+        </p:nvCxnSpPr>
+        <p:spPr>
+          <a:xfrm flipV="1">
+            <a:off x="7183395" y="4987078"/>
+            <a:ext cx="313037" cy="366238"/>
+          </a:xfrm>
+          <a:prstGeom prst="straightConnector1">
+            <a:avLst/>
+          </a:prstGeom>
+          <a:ln w="19050">
+            <a:tailEnd type="triangle"/>
+          </a:ln>
+        </p:spPr>
+        <p:style>
+          <a:lnRef idx="1">
+            <a:schemeClr val="accent1"/>
+          </a:lnRef>
+          <a:fillRef idx="0">
+            <a:schemeClr val="accent1"/>
+          </a:fillRef>
+          <a:effectRef idx="0">
+            <a:schemeClr val="accent1"/>
+          </a:effectRef>
+          <a:fontRef idx="minor">
+            <a:schemeClr val="tx1"/>
+          </a:fontRef>
+        </p:style>
+      </p:cxnSp>
+      <p:sp>
+        <p:nvSpPr>
+          <p:cNvPr id="13" name="TextBox 12"/>
+          <p:cNvSpPr txBox="1"/>
+          <p:nvPr/>
+        </p:nvSpPr>
+        <p:spPr>
+          <a:xfrm>
+            <a:off x="7286368" y="5722648"/>
+            <a:ext cx="2327189" cy="369332"/>
+          </a:xfrm>
+          <a:prstGeom prst="rect">
+            <a:avLst/>
+          </a:prstGeom>
+          <a:noFill/>
+        </p:spPr>
+        <p:txBody>
+          <a:bodyPr wrap="square" rtlCol="0">
+            <a:spAutoFit/>
+          </a:bodyPr>
+          <a:lstStyle/>
+          <a:p>
+            <a:r>
+              <a:rPr lang="en-US" dirty="0"/>
+              <a:t>Mixing proportion</a:t>
+            </a:r>
+          </a:p>
+        </p:txBody>
+      </p:sp>
+      <p:cxnSp>
+        <p:nvCxnSpPr>
+          <p:cNvPr id="14" name="Straight Arrow Connector 13"/>
+          <p:cNvCxnSpPr>
+            <a:stCxn id="13" idx="0"/>
+          </p:cNvCxnSpPr>
+          <p:nvPr/>
+        </p:nvCxnSpPr>
+        <p:spPr>
+          <a:xfrm flipH="1" flipV="1">
+            <a:off x="8262551" y="4987078"/>
+            <a:ext cx="187412" cy="735570"/>
+          </a:xfrm>
+          <a:prstGeom prst="straightConnector1">
+            <a:avLst/>
+          </a:prstGeom>
+          <a:ln w="19050">
+            <a:tailEnd type="triangle"/>
+          </a:ln>
+        </p:spPr>
+        <p:style>
+          <a:lnRef idx="1">
+            <a:schemeClr val="accent1"/>
+          </a:lnRef>
+          <a:fillRef idx="0">
+            <a:schemeClr val="accent1"/>
+          </a:fillRef>
+          <a:effectRef idx="0">
+            <a:schemeClr val="accent1"/>
+          </a:effectRef>
+          <a:fontRef idx="minor">
+            <a:schemeClr val="tx1"/>
+          </a:fontRef>
+        </p:style>
+      </p:cxnSp>
+      <p:sp>
+        <p:nvSpPr>
+          <p:cNvPr id="19" name="Oval 18"/>
+          <p:cNvSpPr/>
+          <p:nvPr/>
+        </p:nvSpPr>
+        <p:spPr>
+          <a:xfrm>
+            <a:off x="2949146" y="4100531"/>
+            <a:ext cx="716692" cy="1714744"/>
+          </a:xfrm>
+          <a:prstGeom prst="ellipse">
+            <a:avLst/>
+          </a:prstGeom>
+          <a:noFill/>
+          <a:ln>
+            <a:solidFill>
+              <a:srgbClr val="FF0000"/>
+            </a:solidFill>
+          </a:ln>
+        </p:spPr>
+        <p:style>
+          <a:lnRef idx="2">
+            <a:schemeClr val="accent1">
+              <a:shade val="50000"/>
+            </a:schemeClr>
+          </a:lnRef>
+          <a:fillRef idx="1">
+            <a:schemeClr val="accent1"/>
+          </a:fillRef>
+          <a:effectRef idx="0">
+            <a:schemeClr val="accent1"/>
+          </a:effectRef>
+          <a:fontRef idx="minor">
+            <a:schemeClr val="lt1"/>
+          </a:fontRef>
+        </p:style>
+        <p:txBody>
+          <a:bodyPr rtlCol="0" anchor="ctr"/>
+          <a:lstStyle/>
+          <a:p>
+            <a:pPr algn="ctr"/>
+            <a:endParaRPr lang="en-US"/>
+          </a:p>
+        </p:txBody>
+      </p:sp>
+      <p:sp>
+        <p:nvSpPr>
+          <p:cNvPr id="20" name="Oval 19"/>
+          <p:cNvSpPr/>
+          <p:nvPr/>
+        </p:nvSpPr>
+        <p:spPr>
+          <a:xfrm rot="17725057">
+            <a:off x="4950594" y="3611772"/>
+            <a:ext cx="580894" cy="1249861"/>
+          </a:xfrm>
+          <a:prstGeom prst="ellipse">
+            <a:avLst/>
+          </a:prstGeom>
+          <a:noFill/>
+          <a:ln>
+            <a:solidFill>
+              <a:srgbClr val="00B050"/>
+            </a:solidFill>
+          </a:ln>
+        </p:spPr>
+        <p:style>
+          <a:lnRef idx="2">
+            <a:schemeClr val="accent1">
+              <a:shade val="50000"/>
+            </a:schemeClr>
+          </a:lnRef>
+          <a:fillRef idx="1">
+            <a:schemeClr val="accent1"/>
+          </a:fillRef>
+          <a:effectRef idx="0">
+            <a:schemeClr val="accent1"/>
+          </a:effectRef>
+          <a:fontRef idx="minor">
+            <a:schemeClr val="lt1"/>
+          </a:fontRef>
+        </p:style>
+        <p:txBody>
+          <a:bodyPr rtlCol="0" anchor="ctr"/>
+          <a:lstStyle/>
+          <a:p>
+            <a:pPr algn="ctr"/>
+            <a:endParaRPr lang="en-US"/>
+          </a:p>
+        </p:txBody>
+      </p:sp>
+      <p:sp>
+        <p:nvSpPr>
+          <p:cNvPr id="21" name="Oval 20"/>
+          <p:cNvSpPr/>
+          <p:nvPr/>
+        </p:nvSpPr>
+        <p:spPr>
+          <a:xfrm rot="18244946">
+            <a:off x="4433253" y="4319187"/>
+            <a:ext cx="916862" cy="1936123"/>
+          </a:xfrm>
+          <a:prstGeom prst="ellipse">
+            <a:avLst/>
+          </a:prstGeom>
+          <a:noFill/>
+          <a:ln>
+            <a:solidFill>
+              <a:srgbClr val="0070C0"/>
+            </a:solidFill>
+          </a:ln>
+        </p:spPr>
+        <p:style>
+          <a:lnRef idx="2">
+            <a:schemeClr val="accent1">
+              <a:shade val="50000"/>
+            </a:schemeClr>
+          </a:lnRef>
+          <a:fillRef idx="1">
+            <a:schemeClr val="accent1"/>
+          </a:fillRef>
+          <a:effectRef idx="0">
+            <a:schemeClr val="accent1"/>
+          </a:effectRef>
+          <a:fontRef idx="minor">
+            <a:schemeClr val="lt1"/>
+          </a:fontRef>
+        </p:style>
+        <p:txBody>
+          <a:bodyPr rtlCol="0" anchor="ctr"/>
+          <a:lstStyle/>
+          <a:p>
+            <a:pPr algn="ctr"/>
+            <a:endParaRPr lang="en-US"/>
+          </a:p>
+        </p:txBody>
+      </p:sp>
+      <mc:AlternateContent xmlns:mc="http://schemas.openxmlformats.org/markup-compatibility/2006" xmlns:a14="http://schemas.microsoft.com/office/drawing/2010/main">
+        <mc:Choice Requires="a14">
+          <p:sp>
+            <p:nvSpPr>
+              <p:cNvPr id="22" name="TextBox 21"/>
+              <p:cNvSpPr txBox="1"/>
+              <p:nvPr/>
+            </p:nvSpPr>
+            <p:spPr>
+              <a:xfrm>
+                <a:off x="1336072" y="4561902"/>
+                <a:ext cx="1126270" cy="276999"/>
+              </a:xfrm>
+              <a:prstGeom prst="rect">
+                <a:avLst/>
+              </a:prstGeom>
+              <a:noFill/>
+            </p:spPr>
+            <p:txBody>
+              <a:bodyPr wrap="none" lIns="0" tIns="0" rIns="0" bIns="0" rtlCol="0">
+                <a:spAutoFit/>
+              </a:bodyPr>
+              <a:lstStyle/>
+              <a:p>
+                <a:pPr/>
+                <a14:m>
+                  <m:oMathPara xmlns:m="http://schemas.openxmlformats.org/officeDocument/2006/math">
+                    <m:oMathParaPr>
+                      <m:jc m:val="centerGroup"/>
+                    </m:oMathParaPr>
+                    <m:oMath xmlns:m="http://schemas.openxmlformats.org/officeDocument/2006/math">
+                      <m:r>
+                        <a:rPr lang="en-US" b="0" i="1" smtClean="0">
+                          <a:solidFill>
+                            <a:srgbClr val="FF0000"/>
+                          </a:solidFill>
+                          <a:latin typeface="Cambria Math" panose="02040503050406030204" pitchFamily="18" charset="0"/>
+                        </a:rPr>
+                        <m:t>𝑝</m:t>
+                      </m:r>
+                      <m:r>
+                        <a:rPr lang="en-US" b="0" i="1" smtClean="0">
+                          <a:solidFill>
+                            <a:srgbClr val="FF0000"/>
+                          </a:solidFill>
+                          <a:latin typeface="Cambria Math" panose="02040503050406030204" pitchFamily="18" charset="0"/>
+                        </a:rPr>
+                        <m:t>(</m:t>
+                      </m:r>
+                      <m:r>
+                        <a:rPr lang="en-US" b="0" i="1" smtClean="0">
+                          <a:solidFill>
+                            <a:srgbClr val="FF0000"/>
+                          </a:solidFill>
+                          <a:latin typeface="Cambria Math" panose="02040503050406030204" pitchFamily="18" charset="0"/>
+                        </a:rPr>
+                        <m:t>𝑥</m:t>
+                      </m:r>
+                      <m:r>
+                        <a:rPr lang="en-US" b="0" i="1" smtClean="0">
+                          <a:solidFill>
+                            <a:srgbClr val="FF0000"/>
+                          </a:solidFill>
+                          <a:latin typeface="Cambria Math" panose="02040503050406030204" pitchFamily="18" charset="0"/>
+                        </a:rPr>
+                        <m:t>|</m:t>
+                      </m:r>
+                      <m:r>
+                        <a:rPr lang="en-US" b="0" i="1" smtClean="0">
+                          <a:solidFill>
+                            <a:srgbClr val="FF0000"/>
+                          </a:solidFill>
+                          <a:latin typeface="Cambria Math" panose="02040503050406030204" pitchFamily="18" charset="0"/>
+                        </a:rPr>
+                        <m:t>𝑧</m:t>
+                      </m:r>
+                      <m:r>
+                        <a:rPr lang="en-US" b="0" i="1" smtClean="0">
+                          <a:solidFill>
+                            <a:srgbClr val="FF0000"/>
+                          </a:solidFill>
+                          <a:latin typeface="Cambria Math" panose="02040503050406030204" pitchFamily="18" charset="0"/>
+                        </a:rPr>
+                        <m:t>=1)</m:t>
+                      </m:r>
+                    </m:oMath>
+                  </m:oMathPara>
+                </a14:m>
+                <a:endParaRPr lang="en-US" dirty="0">
+                  <a:solidFill>
+                    <a:srgbClr val="FF0000"/>
+                  </a:solidFill>
+                </a:endParaRPr>
+              </a:p>
+            </p:txBody>
+          </p:sp>
+        </mc:Choice>
+        <mc:Fallback xmlns="">
+          <p:sp>
+            <p:nvSpPr>
+              <p:cNvPr id="22" name="TextBox 21"/>
+              <p:cNvSpPr txBox="1">
+                <a:spLocks noRot="1" noChangeAspect="1" noMove="1" noResize="1" noEditPoints="1" noAdjustHandles="1" noChangeArrowheads="1" noChangeShapeType="1" noTextEdit="1"/>
+              </p:cNvSpPr>
+              <p:nvPr/>
+            </p:nvSpPr>
+            <p:spPr>
+              <a:xfrm>
+                <a:off x="1336072" y="4561902"/>
+                <a:ext cx="1126270" cy="276999"/>
+              </a:xfrm>
+              <a:prstGeom prst="rect">
+                <a:avLst/>
+              </a:prstGeom>
+              <a:blipFill rotWithShape="0">
+                <a:blip r:embed="rId5"/>
+                <a:stretch>
+                  <a:fillRect l="-4865" t="-2174" r="-7027" b="-32609"/>
+                </a:stretch>
+              </a:blipFill>
+            </p:spPr>
+            <p:txBody>
+              <a:bodyPr/>
+              <a:lstStyle/>
+              <a:p>
+                <a:r>
+                  <a:rPr lang="en-US">
+                    <a:noFill/>
+                  </a:rPr>
+                  <a:t> </a:t>
+                </a:r>
+              </a:p>
+            </p:txBody>
+          </p:sp>
+        </mc:Fallback>
+      </mc:AlternateContent>
+      <mc:AlternateContent xmlns:mc="http://schemas.openxmlformats.org/markup-compatibility/2006" xmlns:a14="http://schemas.microsoft.com/office/drawing/2010/main">
+        <mc:Choice Requires="a14">
+          <p:sp>
+            <p:nvSpPr>
+              <p:cNvPr id="23" name="TextBox 22"/>
+              <p:cNvSpPr txBox="1"/>
+              <p:nvPr/>
+            </p:nvSpPr>
+            <p:spPr>
+              <a:xfrm>
+                <a:off x="5930144" y="3706141"/>
+                <a:ext cx="1126270" cy="276999"/>
+              </a:xfrm>
+              <a:prstGeom prst="rect">
+                <a:avLst/>
+              </a:prstGeom>
+              <a:noFill/>
+            </p:spPr>
+            <p:txBody>
+              <a:bodyPr wrap="none" lIns="0" tIns="0" rIns="0" bIns="0" rtlCol="0">
+                <a:spAutoFit/>
+              </a:bodyPr>
+              <a:lstStyle/>
+              <a:p>
+                <a:pPr/>
+                <a14:m>
+                  <m:oMathPara xmlns:m="http://schemas.openxmlformats.org/officeDocument/2006/math">
+                    <m:oMathParaPr>
+                      <m:jc m:val="centerGroup"/>
+                    </m:oMathParaPr>
+                    <m:oMath xmlns:m="http://schemas.openxmlformats.org/officeDocument/2006/math">
+                      <m:r>
+                        <a:rPr lang="en-US" b="0" i="1" smtClean="0">
+                          <a:solidFill>
+                            <a:srgbClr val="00B050"/>
+                          </a:solidFill>
+                          <a:latin typeface="Cambria Math" panose="02040503050406030204" pitchFamily="18" charset="0"/>
+                        </a:rPr>
+                        <m:t>𝑝</m:t>
+                      </m:r>
+                      <m:r>
+                        <a:rPr lang="en-US" b="0" i="1" smtClean="0">
+                          <a:solidFill>
+                            <a:srgbClr val="00B050"/>
+                          </a:solidFill>
+                          <a:latin typeface="Cambria Math" panose="02040503050406030204" pitchFamily="18" charset="0"/>
+                        </a:rPr>
+                        <m:t>(</m:t>
+                      </m:r>
+                      <m:r>
+                        <a:rPr lang="en-US" b="0" i="1" smtClean="0">
+                          <a:solidFill>
+                            <a:srgbClr val="00B050"/>
+                          </a:solidFill>
+                          <a:latin typeface="Cambria Math" panose="02040503050406030204" pitchFamily="18" charset="0"/>
+                        </a:rPr>
+                        <m:t>𝑥</m:t>
+                      </m:r>
+                      <m:r>
+                        <a:rPr lang="en-US" b="0" i="1" smtClean="0">
+                          <a:solidFill>
+                            <a:srgbClr val="00B050"/>
+                          </a:solidFill>
+                          <a:latin typeface="Cambria Math" panose="02040503050406030204" pitchFamily="18" charset="0"/>
+                        </a:rPr>
+                        <m:t>|</m:t>
+                      </m:r>
+                      <m:r>
+                        <a:rPr lang="en-US" b="0" i="1" smtClean="0">
+                          <a:solidFill>
+                            <a:srgbClr val="00B050"/>
+                          </a:solidFill>
+                          <a:latin typeface="Cambria Math" panose="02040503050406030204" pitchFamily="18" charset="0"/>
+                        </a:rPr>
+                        <m:t>𝑧</m:t>
+                      </m:r>
+                      <m:r>
+                        <a:rPr lang="en-US" b="0" i="1" smtClean="0">
+                          <a:solidFill>
+                            <a:srgbClr val="00B050"/>
+                          </a:solidFill>
+                          <a:latin typeface="Cambria Math" panose="02040503050406030204" pitchFamily="18" charset="0"/>
+                        </a:rPr>
+                        <m:t>=2)</m:t>
+                      </m:r>
+                    </m:oMath>
+                  </m:oMathPara>
+                </a14:m>
+                <a:endParaRPr lang="en-US" dirty="0">
+                  <a:solidFill>
+                    <a:srgbClr val="00B050"/>
+                  </a:solidFill>
+                </a:endParaRPr>
+              </a:p>
+            </p:txBody>
+          </p:sp>
+        </mc:Choice>
+        <mc:Fallback xmlns="">
+          <p:sp>
+            <p:nvSpPr>
+              <p:cNvPr id="23" name="TextBox 22"/>
+              <p:cNvSpPr txBox="1">
+                <a:spLocks noRot="1" noChangeAspect="1" noMove="1" noResize="1" noEditPoints="1" noAdjustHandles="1" noChangeArrowheads="1" noChangeShapeType="1" noTextEdit="1"/>
+              </p:cNvSpPr>
+              <p:nvPr/>
+            </p:nvSpPr>
+            <p:spPr>
+              <a:xfrm>
+                <a:off x="5930144" y="3706141"/>
+                <a:ext cx="1126270" cy="276999"/>
+              </a:xfrm>
+              <a:prstGeom prst="rect">
+                <a:avLst/>
+              </a:prstGeom>
+              <a:blipFill rotWithShape="0">
+                <a:blip r:embed="rId6"/>
+                <a:stretch>
+                  <a:fillRect l="-4865" t="-2222" r="-7027" b="-35556"/>
+                </a:stretch>
+              </a:blipFill>
+            </p:spPr>
+            <p:txBody>
+              <a:bodyPr/>
+              <a:lstStyle/>
+              <a:p>
+                <a:r>
+                  <a:rPr lang="en-US">
+                    <a:noFill/>
+                  </a:rPr>
+                  <a:t> </a:t>
+                </a:r>
+              </a:p>
+            </p:txBody>
+          </p:sp>
+        </mc:Fallback>
+      </mc:AlternateContent>
+      <mc:AlternateContent xmlns:mc="http://schemas.openxmlformats.org/markup-compatibility/2006" xmlns:a14="http://schemas.microsoft.com/office/drawing/2010/main">
+        <mc:Choice Requires="a14">
+          <p:sp>
+            <p:nvSpPr>
+              <p:cNvPr id="24" name="TextBox 23"/>
+              <p:cNvSpPr txBox="1"/>
+              <p:nvPr/>
+            </p:nvSpPr>
+            <p:spPr>
+              <a:xfrm>
+                <a:off x="5486698" y="6156591"/>
+                <a:ext cx="1126270" cy="276999"/>
+              </a:xfrm>
+              <a:prstGeom prst="rect">
+                <a:avLst/>
+              </a:prstGeom>
+              <a:noFill/>
+            </p:spPr>
+            <p:txBody>
+              <a:bodyPr wrap="none" lIns="0" tIns="0" rIns="0" bIns="0" rtlCol="0">
+                <a:spAutoFit/>
+              </a:bodyPr>
+              <a:lstStyle/>
+              <a:p>
+                <a:pPr/>
+                <a14:m>
+                  <m:oMathPara xmlns:m="http://schemas.openxmlformats.org/officeDocument/2006/math">
+                    <m:oMathParaPr>
+                      <m:jc m:val="centerGroup"/>
+                    </m:oMathParaPr>
+                    <m:oMath xmlns:m="http://schemas.openxmlformats.org/officeDocument/2006/math">
+                      <m:r>
+                        <a:rPr lang="en-US" b="0" i="1" smtClean="0">
+                          <a:solidFill>
+                            <a:srgbClr val="0070C0"/>
+                          </a:solidFill>
+                          <a:latin typeface="Cambria Math" panose="02040503050406030204" pitchFamily="18" charset="0"/>
+                        </a:rPr>
+                        <m:t>𝑝</m:t>
+                      </m:r>
+                      <m:r>
+                        <a:rPr lang="en-US" b="0" i="1" smtClean="0">
+                          <a:solidFill>
+                            <a:srgbClr val="0070C0"/>
+                          </a:solidFill>
+                          <a:latin typeface="Cambria Math" panose="02040503050406030204" pitchFamily="18" charset="0"/>
+                        </a:rPr>
+                        <m:t>(</m:t>
+                      </m:r>
+                      <m:r>
+                        <a:rPr lang="en-US" b="0" i="1" smtClean="0">
+                          <a:solidFill>
+                            <a:srgbClr val="0070C0"/>
+                          </a:solidFill>
+                          <a:latin typeface="Cambria Math" panose="02040503050406030204" pitchFamily="18" charset="0"/>
+                        </a:rPr>
+                        <m:t>𝑥</m:t>
+                      </m:r>
+                      <m:r>
+                        <a:rPr lang="en-US" b="0" i="1" smtClean="0">
+                          <a:solidFill>
+                            <a:srgbClr val="0070C0"/>
+                          </a:solidFill>
+                          <a:latin typeface="Cambria Math" panose="02040503050406030204" pitchFamily="18" charset="0"/>
+                        </a:rPr>
+                        <m:t>|</m:t>
+                      </m:r>
+                      <m:r>
+                        <a:rPr lang="en-US" b="0" i="1" smtClean="0">
+                          <a:solidFill>
+                            <a:srgbClr val="0070C0"/>
+                          </a:solidFill>
+                          <a:latin typeface="Cambria Math" panose="02040503050406030204" pitchFamily="18" charset="0"/>
+                        </a:rPr>
+                        <m:t>𝑧</m:t>
+                      </m:r>
+                      <m:r>
+                        <a:rPr lang="en-US" b="0" i="1" smtClean="0">
+                          <a:solidFill>
+                            <a:srgbClr val="0070C0"/>
+                          </a:solidFill>
+                          <a:latin typeface="Cambria Math" panose="02040503050406030204" pitchFamily="18" charset="0"/>
+                        </a:rPr>
+                        <m:t>=3)</m:t>
+                      </m:r>
+                    </m:oMath>
+                  </m:oMathPara>
+                </a14:m>
+                <a:endParaRPr lang="en-US" dirty="0">
+                  <a:solidFill>
+                    <a:srgbClr val="0070C0"/>
+                  </a:solidFill>
+                </a:endParaRPr>
+              </a:p>
+            </p:txBody>
+          </p:sp>
+        </mc:Choice>
+        <mc:Fallback xmlns="">
+          <p:sp>
+            <p:nvSpPr>
+              <p:cNvPr id="24" name="TextBox 23"/>
+              <p:cNvSpPr txBox="1">
+                <a:spLocks noRot="1" noChangeAspect="1" noMove="1" noResize="1" noEditPoints="1" noAdjustHandles="1" noChangeArrowheads="1" noChangeShapeType="1" noTextEdit="1"/>
+              </p:cNvSpPr>
+              <p:nvPr/>
+            </p:nvSpPr>
+            <p:spPr>
+              <a:xfrm>
+                <a:off x="5486698" y="6156591"/>
+                <a:ext cx="1126270" cy="276999"/>
+              </a:xfrm>
+              <a:prstGeom prst="rect">
+                <a:avLst/>
+              </a:prstGeom>
+              <a:blipFill rotWithShape="0">
+                <a:blip r:embed="rId7"/>
+                <a:stretch>
+                  <a:fillRect l="-4865" t="-2222" r="-7027" b="-35556"/>
+                </a:stretch>
+              </a:blipFill>
+            </p:spPr>
+            <p:txBody>
+              <a:bodyPr/>
+              <a:lstStyle/>
+              <a:p>
+                <a:r>
+                  <a:rPr lang="en-US">
+                    <a:noFill/>
+                  </a:rPr>
+                  <a:t> </a:t>
+                </a:r>
+              </a:p>
+            </p:txBody>
+          </p:sp>
+        </mc:Fallback>
+      </mc:AlternateContent>
+    </p:spTree>
+    <p:extLst>
+      <p:ext uri="{BB962C8B-B14F-4D97-AF65-F5344CB8AC3E}">
+        <p14:creationId xmlns:p14="http://schemas.microsoft.com/office/powerpoint/2010/main" val="313799616"/>
+      </p:ext>
+    </p:extLst>
+  </p:cSld>
+  <p:clrMapOvr>
+    <a:masterClrMapping/>
+  </p:clrMapOvr>
+  <p:timing>
+    <p:tnLst>
+      <p:par>
+        <p:cTn id="1" dur="indefinite" restart="never" nodeType="tmRoot">
+          <p:childTnLst>
+            <p:seq concurrent="1" nextAc="seek">
+              <p:cTn id="2" dur="indefinite" nodeType="mainSeq">
+                <p:childTnLst>
+                  <p:par>
+                    <p:cTn id="3" fill="hold">
+                      <p:stCondLst>
+                        <p:cond delay="indefinite"/>
+                      </p:stCondLst>
+                      <p:childTnLst>
+                        <p:par>
+                          <p:cTn id="4" fill="hold">
+                            <p:stCondLst>
+                              <p:cond delay="0"/>
+                            </p:stCondLst>
+                            <p:childTnLst>
+                              <p:par>
+                                <p:cTn id="5" presetID="1" presetClass="entr" presetSubtype="0" fill="hold" nodeType="clickEffect">
+                                  <p:stCondLst>
+                                    <p:cond delay="0"/>
+                                  </p:stCondLst>
+                                  <p:childTnLst>
+                                    <p:set>
+                                      <p:cBhvr>
+                                        <p:cTn id="6" dur="1" fill="hold">
+                                          <p:stCondLst>
+                                            <p:cond delay="0"/>
+                                          </p:stCondLst>
+                                        </p:cTn>
+                                        <p:tgtEl>
+                                          <p:spTgt spid="3">
+                                            <p:txEl>
+                                              <p:pRg st="2" end="2"/>
+                                            </p:txEl>
+                                          </p:spTgt>
+                                        </p:tgtEl>
+                                        <p:attrNameLst>
+                                          <p:attrName>style.visibility</p:attrName>
+                                        </p:attrNameLst>
+                                      </p:cBhvr>
+                                      <p:to>
+                                        <p:strVal val="visible"/>
+                                      </p:to>
+                                    </p:set>
+                                  </p:childTnLst>
+                                </p:cTn>
+                              </p:par>
+                            </p:childTnLst>
+                          </p:cTn>
+                        </p:par>
+                      </p:childTnLst>
+                    </p:cTn>
+                  </p:par>
+                  <p:par>
+                    <p:cTn id="7" fill="hold">
+                      <p:stCondLst>
+                        <p:cond delay="indefinite"/>
+                      </p:stCondLst>
+                      <p:childTnLst>
+                        <p:par>
+                          <p:cTn id="8" fill="hold">
+                            <p:stCondLst>
+                              <p:cond delay="0"/>
+                            </p:stCondLst>
+                            <p:childTnLst>
+                              <p:par>
+                                <p:cTn id="9" presetID="1" presetClass="entr" presetSubtype="0" fill="hold" nodeType="clickEffect">
+                                  <p:stCondLst>
+                                    <p:cond delay="0"/>
+                                  </p:stCondLst>
+                                  <p:childTnLst>
+                                    <p:set>
+                                      <p:cBhvr>
+                                        <p:cTn id="10" dur="1" fill="hold">
+                                          <p:stCondLst>
+                                            <p:cond delay="0"/>
+                                          </p:stCondLst>
+                                        </p:cTn>
+                                        <p:tgtEl>
+                                          <p:spTgt spid="3">
+                                            <p:txEl>
+                                              <p:pRg st="3" end="3"/>
+                                            </p:txEl>
+                                          </p:spTgt>
+                                        </p:tgtEl>
+                                        <p:attrNameLst>
+                                          <p:attrName>style.visibility</p:attrName>
+                                        </p:attrNameLst>
+                                      </p:cBhvr>
+                                      <p:to>
+                                        <p:strVal val="visible"/>
+                                      </p:to>
+                                    </p:set>
+                                  </p:childTnLst>
+                                </p:cTn>
+                              </p:par>
+                            </p:childTnLst>
+                          </p:cTn>
+                        </p:par>
+                      </p:childTnLst>
+                    </p:cTn>
+                  </p:par>
+                </p:childTnLst>
+              </p:cTn>
+              <p:prevCondLst>
+                <p:cond evt="onPrev" delay="0">
+                  <p:tgtEl>
+                    <p:sldTgt/>
+                  </p:tgtEl>
+                </p:cond>
+              </p:prevCondLst>
+              <p:nextCondLst>
+                <p:cond evt="onNext" delay="0">
+                  <p:tgtEl>
+                    <p:sldTgt/>
+                  </p:tgtEl>
+                </p:cond>
+              </p:nextCondLst>
+            </p:seq>
+          </p:childTnLst>
+        </p:cTn>
+      </p:par>
+    </p:tnLst>
+  </p:timing>
+</p:sld>
+</file>
+
 <file path=ppt/slides/slide2.xml><?xml version="1.0" encoding="utf-8"?>
 <p:sld xmlns:a="http://schemas.openxmlformats.org/drawingml/2006/main" xmlns:r="http://schemas.openxmlformats.org/officeDocument/2006/relationships" xmlns:p="http://schemas.openxmlformats.org/presentationml/2006/main">
   <p:cSld>
@@ -11303,1341 +11620,6 @@
           <a:chExt cx="0" cy="0"/>
         </a:xfrm>
       </p:grpSpPr>
-      <p:sp>
-        <p:nvSpPr>
-          <p:cNvPr id="2" name="Title 1"/>
-          <p:cNvSpPr>
-            <a:spLocks noGrp="1"/>
-          </p:cNvSpPr>
-          <p:nvPr>
-            <p:ph type="title"/>
-          </p:nvPr>
-        </p:nvSpPr>
-        <p:spPr/>
-        <p:txBody>
-          <a:bodyPr>
-            <a:normAutofit/>
-          </a:bodyPr>
-          <a:lstStyle/>
-          <a:p>
-            <a:r>
-              <a:rPr lang="en-US" sz="3800" dirty="0"/>
-              <a:t>Probabilistic interpretation of clustering</a:t>
-            </a:r>
-          </a:p>
-        </p:txBody>
-      </p:sp>
-      <mc:AlternateContent xmlns:mc="http://schemas.openxmlformats.org/markup-compatibility/2006" xmlns:a14="http://schemas.microsoft.com/office/drawing/2010/main">
-        <mc:Choice Requires="a14">
-          <p:sp>
-            <p:nvSpPr>
-              <p:cNvPr id="3" name="Content Placeholder 2"/>
-              <p:cNvSpPr>
-                <a:spLocks noGrp="1"/>
-              </p:cNvSpPr>
-              <p:nvPr>
-                <p:ph idx="1"/>
-              </p:nvPr>
-            </p:nvSpPr>
-            <p:spPr/>
-            <p:txBody>
-              <a:bodyPr/>
-              <a:lstStyle/>
-              <a:p>
-                <a:r>
-                  <a:rPr lang="en-US" dirty="0"/>
-                  <a:t>If </a:t>
-                </a:r>
-                <a14:m>
-                  <m:oMath xmlns:m="http://schemas.openxmlformats.org/officeDocument/2006/math">
-                    <m:r>
-                      <a:rPr lang="en-US" i="1" dirty="0" smtClean="0">
-                        <a:latin typeface="Cambria Math" panose="02040503050406030204" pitchFamily="18" charset="0"/>
-                      </a:rPr>
-                      <m:t>𝑧</m:t>
-                    </m:r>
-                  </m:oMath>
-                </a14:m>
-                <a:r>
-                  <a:rPr lang="en-US" dirty="0"/>
-                  <a:t> is known for every </a:t>
-                </a:r>
-                <a14:m>
-                  <m:oMath xmlns:m="http://schemas.openxmlformats.org/officeDocument/2006/math">
-                    <m:r>
-                      <a:rPr lang="en-US" i="1" dirty="0" smtClean="0">
-                        <a:latin typeface="Cambria Math" panose="02040503050406030204" pitchFamily="18" charset="0"/>
-                      </a:rPr>
-                      <m:t>𝑥</m:t>
-                    </m:r>
-                  </m:oMath>
-                </a14:m>
-                <a:endParaRPr lang="en-US" dirty="0"/>
-              </a:p>
-              <a:p>
-                <a:pPr lvl="1"/>
-                <a:r>
-                  <a:rPr lang="en-US" dirty="0"/>
-                  <a:t>Estimating </a:t>
-                </a:r>
-                <a14:m>
-                  <m:oMath xmlns:m="http://schemas.openxmlformats.org/officeDocument/2006/math">
-                    <m:r>
-                      <a:rPr lang="en-US" i="1" dirty="0" smtClean="0">
-                        <a:latin typeface="Cambria Math" panose="02040503050406030204" pitchFamily="18" charset="0"/>
-                      </a:rPr>
-                      <m:t>𝑝</m:t>
-                    </m:r>
-                    <m:r>
-                      <a:rPr lang="en-US" i="1" dirty="0" smtClean="0">
-                        <a:latin typeface="Cambria Math" panose="02040503050406030204" pitchFamily="18" charset="0"/>
-                      </a:rPr>
-                      <m:t>(</m:t>
-                    </m:r>
-                    <m:r>
-                      <a:rPr lang="en-US" i="1" dirty="0" smtClean="0">
-                        <a:latin typeface="Cambria Math" panose="02040503050406030204" pitchFamily="18" charset="0"/>
-                      </a:rPr>
-                      <m:t>𝑧</m:t>
-                    </m:r>
-                    <m:r>
-                      <a:rPr lang="en-US" i="1" dirty="0" smtClean="0">
-                        <a:latin typeface="Cambria Math" panose="02040503050406030204" pitchFamily="18" charset="0"/>
-                      </a:rPr>
-                      <m:t>)</m:t>
-                    </m:r>
-                  </m:oMath>
-                </a14:m>
-                <a:r>
-                  <a:rPr lang="en-US" dirty="0"/>
-                  <a:t> and </a:t>
-                </a:r>
-                <a14:m>
-                  <m:oMath xmlns:m="http://schemas.openxmlformats.org/officeDocument/2006/math">
-                    <m:r>
-                      <a:rPr lang="en-US" i="1" dirty="0" smtClean="0">
-                        <a:latin typeface="Cambria Math" panose="02040503050406030204" pitchFamily="18" charset="0"/>
-                      </a:rPr>
-                      <m:t>𝑝</m:t>
-                    </m:r>
-                    <m:r>
-                      <a:rPr lang="en-US" i="1" dirty="0" smtClean="0">
-                        <a:latin typeface="Cambria Math" panose="02040503050406030204" pitchFamily="18" charset="0"/>
-                      </a:rPr>
-                      <m:t>(</m:t>
-                    </m:r>
-                    <m:r>
-                      <a:rPr lang="en-US" i="1" dirty="0" err="1" smtClean="0">
-                        <a:latin typeface="Cambria Math" panose="02040503050406030204" pitchFamily="18" charset="0"/>
-                      </a:rPr>
-                      <m:t>𝑥</m:t>
-                    </m:r>
-                    <m:r>
-                      <a:rPr lang="en-US" i="1" dirty="0" err="1" smtClean="0">
-                        <a:latin typeface="Cambria Math" panose="02040503050406030204" pitchFamily="18" charset="0"/>
-                      </a:rPr>
-                      <m:t>|</m:t>
-                    </m:r>
-                    <m:r>
-                      <a:rPr lang="en-US" i="1" dirty="0" err="1" smtClean="0">
-                        <a:latin typeface="Cambria Math" panose="02040503050406030204" pitchFamily="18" charset="0"/>
-                      </a:rPr>
-                      <m:t>𝑧</m:t>
-                    </m:r>
-                    <m:r>
-                      <a:rPr lang="en-US" i="1" dirty="0" smtClean="0">
-                        <a:latin typeface="Cambria Math" panose="02040503050406030204" pitchFamily="18" charset="0"/>
-                      </a:rPr>
-                      <m:t>)</m:t>
-                    </m:r>
-                  </m:oMath>
-                </a14:m>
-                <a:r>
-                  <a:rPr lang="en-US" dirty="0"/>
-                  <a:t> is easy</a:t>
-                </a:r>
-              </a:p>
-              <a:p>
-                <a:pPr lvl="2"/>
-                <a:r>
-                  <a:rPr lang="en-US" dirty="0"/>
-                  <a:t>Maximum likelihood estimation</a:t>
-                </a:r>
-              </a:p>
-              <a:p>
-                <a:pPr lvl="2"/>
-                <a:r>
-                  <a:rPr lang="en-US" dirty="0"/>
-                  <a:t>This is Naïve Bayes</a:t>
-                </a:r>
-              </a:p>
-            </p:txBody>
-          </p:sp>
-        </mc:Choice>
-        <mc:Fallback xmlns="">
-          <p:sp>
-            <p:nvSpPr>
-              <p:cNvPr id="3" name="Content Placeholder 2"/>
-              <p:cNvSpPr>
-                <a:spLocks noGrp="1" noRot="1" noChangeAspect="1" noMove="1" noResize="1" noEditPoints="1" noAdjustHandles="1" noChangeArrowheads="1" noChangeShapeType="1" noTextEdit="1"/>
-              </p:cNvSpPr>
-              <p:nvPr>
-                <p:ph idx="1"/>
-              </p:nvPr>
-            </p:nvSpPr>
-            <p:spPr>
-              <a:blipFill rotWithShape="0">
-                <a:blip r:embed="rId2"/>
-                <a:stretch>
-                  <a:fillRect l="-1704" t="-1617"/>
-                </a:stretch>
-              </a:blipFill>
-            </p:spPr>
-            <p:txBody>
-              <a:bodyPr/>
-              <a:lstStyle/>
-              <a:p>
-                <a:r>
-                  <a:rPr lang="en-US">
-                    <a:noFill/>
-                  </a:rPr>
-                  <a:t> </a:t>
-                </a:r>
-              </a:p>
-            </p:txBody>
-          </p:sp>
-        </mc:Fallback>
-      </mc:AlternateContent>
-      <p:sp>
-        <p:nvSpPr>
-          <p:cNvPr id="4" name="Date Placeholder 3"/>
-          <p:cNvSpPr>
-            <a:spLocks noGrp="1"/>
-          </p:cNvSpPr>
-          <p:nvPr>
-            <p:ph type="dt" sz="half" idx="10"/>
-          </p:nvPr>
-        </p:nvSpPr>
-        <p:spPr/>
-        <p:txBody>
-          <a:bodyPr/>
-          <a:lstStyle/>
-          <a:p>
-            <a:endParaRPr lang="en-US" dirty="0"/>
-          </a:p>
-        </p:txBody>
-      </p:sp>
-      <p:sp>
-        <p:nvSpPr>
-          <p:cNvPr id="5" name="Footer Placeholder 4"/>
-          <p:cNvSpPr>
-            <a:spLocks noGrp="1"/>
-          </p:cNvSpPr>
-          <p:nvPr>
-            <p:ph type="ftr" sz="quarter" idx="11"/>
-          </p:nvPr>
-        </p:nvSpPr>
-        <p:spPr/>
-        <p:txBody>
-          <a:bodyPr/>
-          <a:lstStyle/>
-          <a:p>
-            <a:endParaRPr lang="en-US" dirty="0"/>
-          </a:p>
-        </p:txBody>
-      </p:sp>
-      <p:sp>
-        <p:nvSpPr>
-          <p:cNvPr id="6" name="Slide Number Placeholder 5"/>
-          <p:cNvSpPr>
-            <a:spLocks noGrp="1"/>
-          </p:cNvSpPr>
-          <p:nvPr>
-            <p:ph type="sldNum" sz="quarter" idx="12"/>
-          </p:nvPr>
-        </p:nvSpPr>
-        <p:spPr/>
-        <p:txBody>
-          <a:bodyPr/>
-          <a:lstStyle/>
-          <a:p>
-            <a:fld id="{64B9C3A9-27DF-40B5-9FC7-1DF96985BC5A}" type="slidenum">
-              <a:rPr lang="en-US" smtClean="0"/>
-              <a:t>20</a:t>
-            </a:fld>
-            <a:endParaRPr lang="en-US"/>
-          </a:p>
-        </p:txBody>
-      </p:sp>
-      <p:pic>
-        <p:nvPicPr>
-          <p:cNvPr id="7" name="Picture 6"/>
-          <p:cNvPicPr>
-            <a:picLocks noChangeAspect="1"/>
-          </p:cNvPicPr>
-          <p:nvPr/>
-        </p:nvPicPr>
-        <p:blipFill>
-          <a:blip r:embed="rId3"/>
-          <a:stretch>
-            <a:fillRect/>
-          </a:stretch>
-        </p:blipFill>
-        <p:spPr>
-          <a:xfrm>
-            <a:off x="2672078" y="3789642"/>
-            <a:ext cx="3213855" cy="2336523"/>
-          </a:xfrm>
-          <a:prstGeom prst="rect">
-            <a:avLst/>
-          </a:prstGeom>
-        </p:spPr>
-      </p:pic>
-      <p:sp>
-        <p:nvSpPr>
-          <p:cNvPr id="8" name="TextBox 7"/>
-          <p:cNvSpPr txBox="1"/>
-          <p:nvPr/>
-        </p:nvSpPr>
-        <p:spPr>
-          <a:xfrm>
-            <a:off x="6019800" y="4192570"/>
-            <a:ext cx="1598140" cy="369332"/>
-          </a:xfrm>
-          <a:prstGeom prst="rect">
-            <a:avLst/>
-          </a:prstGeom>
-          <a:noFill/>
-        </p:spPr>
-        <p:txBody>
-          <a:bodyPr wrap="square" rtlCol="0">
-            <a:spAutoFit/>
-          </a:bodyPr>
-          <a:lstStyle/>
-          <a:p>
-            <a:r>
-              <a:rPr lang="en-US" dirty="0"/>
-              <a:t>Mixture model</a:t>
-            </a:r>
-          </a:p>
-        </p:txBody>
-      </p:sp>
-      <mc:AlternateContent xmlns:mc="http://schemas.openxmlformats.org/markup-compatibility/2006" xmlns:a14="http://schemas.microsoft.com/office/drawing/2010/main">
-        <mc:Choice Requires="a14">
-          <p:sp>
-            <p:nvSpPr>
-              <p:cNvPr id="9" name="TextBox 8"/>
-              <p:cNvSpPr txBox="1"/>
-              <p:nvPr/>
-            </p:nvSpPr>
-            <p:spPr>
-              <a:xfrm>
-                <a:off x="6256638" y="4506058"/>
-                <a:ext cx="2233688" cy="670696"/>
-              </a:xfrm>
-              <a:prstGeom prst="rect">
-                <a:avLst/>
-              </a:prstGeom>
-              <a:noFill/>
-            </p:spPr>
-            <p:txBody>
-              <a:bodyPr wrap="none" lIns="0" tIns="0" rIns="0" bIns="0" rtlCol="0">
-                <a:spAutoFit/>
-              </a:bodyPr>
-              <a:lstStyle/>
-              <a:p>
-                <a:pPr/>
-                <a14:m>
-                  <m:oMathPara xmlns:m="http://schemas.openxmlformats.org/officeDocument/2006/math">
-                    <m:oMathParaPr>
-                      <m:jc m:val="centerGroup"/>
-                    </m:oMathParaPr>
-                    <m:oMath xmlns:m="http://schemas.openxmlformats.org/officeDocument/2006/math">
-                      <m:r>
-                        <a:rPr lang="en-US" b="0" i="1" smtClean="0">
-                          <a:latin typeface="Cambria Math" panose="02040503050406030204" pitchFamily="18" charset="0"/>
-                        </a:rPr>
-                        <m:t>𝑝</m:t>
-                      </m:r>
-                      <m:d>
-                        <m:dPr>
-                          <m:ctrlPr>
-                            <a:rPr lang="en-US" b="0" i="1" smtClean="0">
-                              <a:latin typeface="Cambria Math" panose="02040503050406030204" pitchFamily="18" charset="0"/>
-                            </a:rPr>
-                          </m:ctrlPr>
-                        </m:dPr>
-                        <m:e>
-                          <m:r>
-                            <a:rPr lang="en-US" b="0" i="1" smtClean="0">
-                              <a:latin typeface="Cambria Math" panose="02040503050406030204" pitchFamily="18" charset="0"/>
-                            </a:rPr>
-                            <m:t>𝑥</m:t>
-                          </m:r>
-                        </m:e>
-                      </m:d>
-                      <m:r>
-                        <a:rPr lang="en-US" b="0" i="1" smtClean="0">
-                          <a:latin typeface="Cambria Math" panose="02040503050406030204" pitchFamily="18" charset="0"/>
-                        </a:rPr>
-                        <m:t>=</m:t>
-                      </m:r>
-                      <m:nary>
-                        <m:naryPr>
-                          <m:chr m:val="∑"/>
-                          <m:supHide m:val="on"/>
-                          <m:ctrlPr>
-                            <a:rPr lang="en-US" b="0" i="1" smtClean="0">
-                              <a:latin typeface="Cambria Math" panose="02040503050406030204" pitchFamily="18" charset="0"/>
-                            </a:rPr>
-                          </m:ctrlPr>
-                        </m:naryPr>
-                        <m:sub>
-                          <m:r>
-                            <a:rPr lang="en-US" b="0" i="1" smtClean="0">
-                              <a:latin typeface="Cambria Math" panose="02040503050406030204" pitchFamily="18" charset="0"/>
-                            </a:rPr>
-                            <m:t>𝑧</m:t>
-                          </m:r>
-                        </m:sub>
-                        <m:sup/>
-                        <m:e>
-                          <m:r>
-                            <a:rPr lang="en-US" b="0" i="1" smtClean="0">
-                              <a:latin typeface="Cambria Math" panose="02040503050406030204" pitchFamily="18" charset="0"/>
-                            </a:rPr>
-                            <m:t>𝑝</m:t>
-                          </m:r>
-                          <m:d>
-                            <m:dPr>
-                              <m:ctrlPr>
-                                <a:rPr lang="en-US" b="0" i="1" smtClean="0">
-                                  <a:latin typeface="Cambria Math" panose="02040503050406030204" pitchFamily="18" charset="0"/>
-                                </a:rPr>
-                              </m:ctrlPr>
-                            </m:dPr>
-                            <m:e>
-                              <m:r>
-                                <a:rPr lang="en-US" b="0" i="1" smtClean="0">
-                                  <a:latin typeface="Cambria Math" panose="02040503050406030204" pitchFamily="18" charset="0"/>
-                                </a:rPr>
-                                <m:t>𝑥</m:t>
-                              </m:r>
-                            </m:e>
-                            <m:e>
-                              <m:r>
-                                <a:rPr lang="en-US" b="0" i="1" smtClean="0">
-                                  <a:latin typeface="Cambria Math" panose="02040503050406030204" pitchFamily="18" charset="0"/>
-                                </a:rPr>
-                                <m:t>𝑧</m:t>
-                              </m:r>
-                            </m:e>
-                          </m:d>
-                          <m:r>
-                            <a:rPr lang="en-US" b="0" i="1" smtClean="0">
-                              <a:latin typeface="Cambria Math" panose="02040503050406030204" pitchFamily="18" charset="0"/>
-                            </a:rPr>
-                            <m:t>𝑝</m:t>
-                          </m:r>
-                          <m:r>
-                            <a:rPr lang="en-US" b="0" i="1" smtClean="0">
-                              <a:latin typeface="Cambria Math" panose="02040503050406030204" pitchFamily="18" charset="0"/>
-                            </a:rPr>
-                            <m:t>(</m:t>
-                          </m:r>
-                          <m:r>
-                            <a:rPr lang="en-US" b="0" i="1" smtClean="0">
-                              <a:latin typeface="Cambria Math" panose="02040503050406030204" pitchFamily="18" charset="0"/>
-                            </a:rPr>
-                            <m:t>𝑧</m:t>
-                          </m:r>
-                          <m:r>
-                            <a:rPr lang="en-US" b="0" i="1" smtClean="0">
-                              <a:latin typeface="Cambria Math" panose="02040503050406030204" pitchFamily="18" charset="0"/>
-                            </a:rPr>
-                            <m:t>)</m:t>
-                          </m:r>
-                        </m:e>
-                      </m:nary>
-                    </m:oMath>
-                  </m:oMathPara>
-                </a14:m>
-                <a:endParaRPr lang="en-US" dirty="0"/>
-              </a:p>
-            </p:txBody>
-          </p:sp>
-        </mc:Choice>
-        <mc:Fallback xmlns="">
-          <p:sp>
-            <p:nvSpPr>
-              <p:cNvPr id="9" name="TextBox 8"/>
-              <p:cNvSpPr txBox="1">
-                <a:spLocks noRot="1" noChangeAspect="1" noMove="1" noResize="1" noEditPoints="1" noAdjustHandles="1" noChangeArrowheads="1" noChangeShapeType="1" noTextEdit="1"/>
-              </p:cNvSpPr>
-              <p:nvPr/>
-            </p:nvSpPr>
-            <p:spPr>
-              <a:xfrm>
-                <a:off x="6256638" y="4506058"/>
-                <a:ext cx="2233688" cy="670696"/>
-              </a:xfrm>
-              <a:prstGeom prst="rect">
-                <a:avLst/>
-              </a:prstGeom>
-              <a:blipFill rotWithShape="0">
-                <a:blip r:embed="rId4"/>
-                <a:stretch>
-                  <a:fillRect/>
-                </a:stretch>
-              </a:blipFill>
-            </p:spPr>
-            <p:txBody>
-              <a:bodyPr/>
-              <a:lstStyle/>
-              <a:p>
-                <a:r>
-                  <a:rPr lang="en-US">
-                    <a:noFill/>
-                  </a:rPr>
-                  <a:t> </a:t>
-                </a:r>
-              </a:p>
-            </p:txBody>
-          </p:sp>
-        </mc:Fallback>
-      </mc:AlternateContent>
-      <p:sp>
-        <p:nvSpPr>
-          <p:cNvPr id="10" name="TextBox 9"/>
-          <p:cNvSpPr txBox="1"/>
-          <p:nvPr/>
-        </p:nvSpPr>
-        <p:spPr>
-          <a:xfrm>
-            <a:off x="6019800" y="5353316"/>
-            <a:ext cx="2327189" cy="369332"/>
-          </a:xfrm>
-          <a:prstGeom prst="rect">
-            <a:avLst/>
-          </a:prstGeom>
-          <a:noFill/>
-        </p:spPr>
-        <p:txBody>
-          <a:bodyPr wrap="square" rtlCol="0">
-            <a:spAutoFit/>
-          </a:bodyPr>
-          <a:lstStyle/>
-          <a:p>
-            <a:r>
-              <a:rPr lang="en-US" dirty="0"/>
-              <a:t>Unimodal distribution</a:t>
-            </a:r>
-          </a:p>
-        </p:txBody>
-      </p:sp>
-      <p:cxnSp>
-        <p:nvCxnSpPr>
-          <p:cNvPr id="12" name="Straight Arrow Connector 11"/>
-          <p:cNvCxnSpPr>
-            <a:stCxn id="10" idx="0"/>
-          </p:cNvCxnSpPr>
-          <p:nvPr/>
-        </p:nvCxnSpPr>
-        <p:spPr>
-          <a:xfrm flipV="1">
-            <a:off x="7183395" y="4987078"/>
-            <a:ext cx="313037" cy="366238"/>
-          </a:xfrm>
-          <a:prstGeom prst="straightConnector1">
-            <a:avLst/>
-          </a:prstGeom>
-          <a:ln w="19050">
-            <a:tailEnd type="triangle"/>
-          </a:ln>
-        </p:spPr>
-        <p:style>
-          <a:lnRef idx="1">
-            <a:schemeClr val="accent1"/>
-          </a:lnRef>
-          <a:fillRef idx="0">
-            <a:schemeClr val="accent1"/>
-          </a:fillRef>
-          <a:effectRef idx="0">
-            <a:schemeClr val="accent1"/>
-          </a:effectRef>
-          <a:fontRef idx="minor">
-            <a:schemeClr val="tx1"/>
-          </a:fontRef>
-        </p:style>
-      </p:cxnSp>
-      <p:sp>
-        <p:nvSpPr>
-          <p:cNvPr id="13" name="TextBox 12"/>
-          <p:cNvSpPr txBox="1"/>
-          <p:nvPr/>
-        </p:nvSpPr>
-        <p:spPr>
-          <a:xfrm>
-            <a:off x="7286368" y="5722648"/>
-            <a:ext cx="2327189" cy="369332"/>
-          </a:xfrm>
-          <a:prstGeom prst="rect">
-            <a:avLst/>
-          </a:prstGeom>
-          <a:noFill/>
-        </p:spPr>
-        <p:txBody>
-          <a:bodyPr wrap="square" rtlCol="0">
-            <a:spAutoFit/>
-          </a:bodyPr>
-          <a:lstStyle/>
-          <a:p>
-            <a:r>
-              <a:rPr lang="en-US" dirty="0"/>
-              <a:t>Mixing proportion</a:t>
-            </a:r>
-          </a:p>
-        </p:txBody>
-      </p:sp>
-      <p:cxnSp>
-        <p:nvCxnSpPr>
-          <p:cNvPr id="14" name="Straight Arrow Connector 13"/>
-          <p:cNvCxnSpPr>
-            <a:stCxn id="13" idx="0"/>
-          </p:cNvCxnSpPr>
-          <p:nvPr/>
-        </p:nvCxnSpPr>
-        <p:spPr>
-          <a:xfrm flipH="1" flipV="1">
-            <a:off x="8262551" y="4987078"/>
-            <a:ext cx="187412" cy="735570"/>
-          </a:xfrm>
-          <a:prstGeom prst="straightConnector1">
-            <a:avLst/>
-          </a:prstGeom>
-          <a:ln w="19050">
-            <a:tailEnd type="triangle"/>
-          </a:ln>
-        </p:spPr>
-        <p:style>
-          <a:lnRef idx="1">
-            <a:schemeClr val="accent1"/>
-          </a:lnRef>
-          <a:fillRef idx="0">
-            <a:schemeClr val="accent1"/>
-          </a:fillRef>
-          <a:effectRef idx="0">
-            <a:schemeClr val="accent1"/>
-          </a:effectRef>
-          <a:fontRef idx="minor">
-            <a:schemeClr val="tx1"/>
-          </a:fontRef>
-        </p:style>
-      </p:cxnSp>
-      <p:sp>
-        <p:nvSpPr>
-          <p:cNvPr id="19" name="Oval 18"/>
-          <p:cNvSpPr/>
-          <p:nvPr/>
-        </p:nvSpPr>
-        <p:spPr>
-          <a:xfrm>
-            <a:off x="2949146" y="4100531"/>
-            <a:ext cx="716692" cy="1714744"/>
-          </a:xfrm>
-          <a:prstGeom prst="ellipse">
-            <a:avLst/>
-          </a:prstGeom>
-          <a:noFill/>
-          <a:ln>
-            <a:solidFill>
-              <a:srgbClr val="FF0000"/>
-            </a:solidFill>
-          </a:ln>
-        </p:spPr>
-        <p:style>
-          <a:lnRef idx="2">
-            <a:schemeClr val="accent1">
-              <a:shade val="50000"/>
-            </a:schemeClr>
-          </a:lnRef>
-          <a:fillRef idx="1">
-            <a:schemeClr val="accent1"/>
-          </a:fillRef>
-          <a:effectRef idx="0">
-            <a:schemeClr val="accent1"/>
-          </a:effectRef>
-          <a:fontRef idx="minor">
-            <a:schemeClr val="lt1"/>
-          </a:fontRef>
-        </p:style>
-        <p:txBody>
-          <a:bodyPr rtlCol="0" anchor="ctr"/>
-          <a:lstStyle/>
-          <a:p>
-            <a:pPr algn="ctr"/>
-            <a:endParaRPr lang="en-US"/>
-          </a:p>
-        </p:txBody>
-      </p:sp>
-      <p:sp>
-        <p:nvSpPr>
-          <p:cNvPr id="20" name="Oval 19"/>
-          <p:cNvSpPr/>
-          <p:nvPr/>
-        </p:nvSpPr>
-        <p:spPr>
-          <a:xfrm rot="17725057">
-            <a:off x="4950594" y="3611772"/>
-            <a:ext cx="580894" cy="1249861"/>
-          </a:xfrm>
-          <a:prstGeom prst="ellipse">
-            <a:avLst/>
-          </a:prstGeom>
-          <a:noFill/>
-          <a:ln>
-            <a:solidFill>
-              <a:srgbClr val="00B050"/>
-            </a:solidFill>
-          </a:ln>
-        </p:spPr>
-        <p:style>
-          <a:lnRef idx="2">
-            <a:schemeClr val="accent1">
-              <a:shade val="50000"/>
-            </a:schemeClr>
-          </a:lnRef>
-          <a:fillRef idx="1">
-            <a:schemeClr val="accent1"/>
-          </a:fillRef>
-          <a:effectRef idx="0">
-            <a:schemeClr val="accent1"/>
-          </a:effectRef>
-          <a:fontRef idx="minor">
-            <a:schemeClr val="lt1"/>
-          </a:fontRef>
-        </p:style>
-        <p:txBody>
-          <a:bodyPr rtlCol="0" anchor="ctr"/>
-          <a:lstStyle/>
-          <a:p>
-            <a:pPr algn="ctr"/>
-            <a:endParaRPr lang="en-US"/>
-          </a:p>
-        </p:txBody>
-      </p:sp>
-      <p:sp>
-        <p:nvSpPr>
-          <p:cNvPr id="21" name="Oval 20"/>
-          <p:cNvSpPr/>
-          <p:nvPr/>
-        </p:nvSpPr>
-        <p:spPr>
-          <a:xfrm rot="18244946">
-            <a:off x="4433253" y="4319187"/>
-            <a:ext cx="916862" cy="1936123"/>
-          </a:xfrm>
-          <a:prstGeom prst="ellipse">
-            <a:avLst/>
-          </a:prstGeom>
-          <a:noFill/>
-          <a:ln>
-            <a:solidFill>
-              <a:srgbClr val="0070C0"/>
-            </a:solidFill>
-          </a:ln>
-        </p:spPr>
-        <p:style>
-          <a:lnRef idx="2">
-            <a:schemeClr val="accent1">
-              <a:shade val="50000"/>
-            </a:schemeClr>
-          </a:lnRef>
-          <a:fillRef idx="1">
-            <a:schemeClr val="accent1"/>
-          </a:fillRef>
-          <a:effectRef idx="0">
-            <a:schemeClr val="accent1"/>
-          </a:effectRef>
-          <a:fontRef idx="minor">
-            <a:schemeClr val="lt1"/>
-          </a:fontRef>
-        </p:style>
-        <p:txBody>
-          <a:bodyPr rtlCol="0" anchor="ctr"/>
-          <a:lstStyle/>
-          <a:p>
-            <a:pPr algn="ctr"/>
-            <a:endParaRPr lang="en-US"/>
-          </a:p>
-        </p:txBody>
-      </p:sp>
-      <mc:AlternateContent xmlns:mc="http://schemas.openxmlformats.org/markup-compatibility/2006" xmlns:a14="http://schemas.microsoft.com/office/drawing/2010/main">
-        <mc:Choice Requires="a14">
-          <p:sp>
-            <p:nvSpPr>
-              <p:cNvPr id="22" name="TextBox 21"/>
-              <p:cNvSpPr txBox="1"/>
-              <p:nvPr/>
-            </p:nvSpPr>
-            <p:spPr>
-              <a:xfrm>
-                <a:off x="1336072" y="4561902"/>
-                <a:ext cx="1126270" cy="276999"/>
-              </a:xfrm>
-              <a:prstGeom prst="rect">
-                <a:avLst/>
-              </a:prstGeom>
-              <a:noFill/>
-            </p:spPr>
-            <p:txBody>
-              <a:bodyPr wrap="none" lIns="0" tIns="0" rIns="0" bIns="0" rtlCol="0">
-                <a:spAutoFit/>
-              </a:bodyPr>
-              <a:lstStyle/>
-              <a:p>
-                <a:pPr/>
-                <a14:m>
-                  <m:oMathPara xmlns:m="http://schemas.openxmlformats.org/officeDocument/2006/math">
-                    <m:oMathParaPr>
-                      <m:jc m:val="centerGroup"/>
-                    </m:oMathParaPr>
-                    <m:oMath xmlns:m="http://schemas.openxmlformats.org/officeDocument/2006/math">
-                      <m:r>
-                        <a:rPr lang="en-US" b="0" i="1" smtClean="0">
-                          <a:solidFill>
-                            <a:srgbClr val="FF0000"/>
-                          </a:solidFill>
-                          <a:latin typeface="Cambria Math" panose="02040503050406030204" pitchFamily="18" charset="0"/>
-                        </a:rPr>
-                        <m:t>𝑝</m:t>
-                      </m:r>
-                      <m:r>
-                        <a:rPr lang="en-US" b="0" i="1" smtClean="0">
-                          <a:solidFill>
-                            <a:srgbClr val="FF0000"/>
-                          </a:solidFill>
-                          <a:latin typeface="Cambria Math" panose="02040503050406030204" pitchFamily="18" charset="0"/>
-                        </a:rPr>
-                        <m:t>(</m:t>
-                      </m:r>
-                      <m:r>
-                        <a:rPr lang="en-US" b="0" i="1" smtClean="0">
-                          <a:solidFill>
-                            <a:srgbClr val="FF0000"/>
-                          </a:solidFill>
-                          <a:latin typeface="Cambria Math" panose="02040503050406030204" pitchFamily="18" charset="0"/>
-                        </a:rPr>
-                        <m:t>𝑥</m:t>
-                      </m:r>
-                      <m:r>
-                        <a:rPr lang="en-US" b="0" i="1" smtClean="0">
-                          <a:solidFill>
-                            <a:srgbClr val="FF0000"/>
-                          </a:solidFill>
-                          <a:latin typeface="Cambria Math" panose="02040503050406030204" pitchFamily="18" charset="0"/>
-                        </a:rPr>
-                        <m:t>|</m:t>
-                      </m:r>
-                      <m:r>
-                        <a:rPr lang="en-US" b="0" i="1" smtClean="0">
-                          <a:solidFill>
-                            <a:srgbClr val="FF0000"/>
-                          </a:solidFill>
-                          <a:latin typeface="Cambria Math" panose="02040503050406030204" pitchFamily="18" charset="0"/>
-                        </a:rPr>
-                        <m:t>𝑧</m:t>
-                      </m:r>
-                      <m:r>
-                        <a:rPr lang="en-US" b="0" i="1" smtClean="0">
-                          <a:solidFill>
-                            <a:srgbClr val="FF0000"/>
-                          </a:solidFill>
-                          <a:latin typeface="Cambria Math" panose="02040503050406030204" pitchFamily="18" charset="0"/>
-                        </a:rPr>
-                        <m:t>=1)</m:t>
-                      </m:r>
-                    </m:oMath>
-                  </m:oMathPara>
-                </a14:m>
-                <a:endParaRPr lang="en-US" dirty="0">
-                  <a:solidFill>
-                    <a:srgbClr val="FF0000"/>
-                  </a:solidFill>
-                </a:endParaRPr>
-              </a:p>
-            </p:txBody>
-          </p:sp>
-        </mc:Choice>
-        <mc:Fallback xmlns="">
-          <p:sp>
-            <p:nvSpPr>
-              <p:cNvPr id="22" name="TextBox 21"/>
-              <p:cNvSpPr txBox="1">
-                <a:spLocks noRot="1" noChangeAspect="1" noMove="1" noResize="1" noEditPoints="1" noAdjustHandles="1" noChangeArrowheads="1" noChangeShapeType="1" noTextEdit="1"/>
-              </p:cNvSpPr>
-              <p:nvPr/>
-            </p:nvSpPr>
-            <p:spPr>
-              <a:xfrm>
-                <a:off x="1336072" y="4561902"/>
-                <a:ext cx="1126270" cy="276999"/>
-              </a:xfrm>
-              <a:prstGeom prst="rect">
-                <a:avLst/>
-              </a:prstGeom>
-              <a:blipFill rotWithShape="0">
-                <a:blip r:embed="rId5"/>
-                <a:stretch>
-                  <a:fillRect l="-4865" t="-2174" r="-7027" b="-32609"/>
-                </a:stretch>
-              </a:blipFill>
-            </p:spPr>
-            <p:txBody>
-              <a:bodyPr/>
-              <a:lstStyle/>
-              <a:p>
-                <a:r>
-                  <a:rPr lang="en-US">
-                    <a:noFill/>
-                  </a:rPr>
-                  <a:t> </a:t>
-                </a:r>
-              </a:p>
-            </p:txBody>
-          </p:sp>
-        </mc:Fallback>
-      </mc:AlternateContent>
-      <mc:AlternateContent xmlns:mc="http://schemas.openxmlformats.org/markup-compatibility/2006" xmlns:a14="http://schemas.microsoft.com/office/drawing/2010/main">
-        <mc:Choice Requires="a14">
-          <p:sp>
-            <p:nvSpPr>
-              <p:cNvPr id="23" name="TextBox 22"/>
-              <p:cNvSpPr txBox="1"/>
-              <p:nvPr/>
-            </p:nvSpPr>
-            <p:spPr>
-              <a:xfrm>
-                <a:off x="5930144" y="3706141"/>
-                <a:ext cx="1126270" cy="276999"/>
-              </a:xfrm>
-              <a:prstGeom prst="rect">
-                <a:avLst/>
-              </a:prstGeom>
-              <a:noFill/>
-            </p:spPr>
-            <p:txBody>
-              <a:bodyPr wrap="none" lIns="0" tIns="0" rIns="0" bIns="0" rtlCol="0">
-                <a:spAutoFit/>
-              </a:bodyPr>
-              <a:lstStyle/>
-              <a:p>
-                <a:pPr/>
-                <a14:m>
-                  <m:oMathPara xmlns:m="http://schemas.openxmlformats.org/officeDocument/2006/math">
-                    <m:oMathParaPr>
-                      <m:jc m:val="centerGroup"/>
-                    </m:oMathParaPr>
-                    <m:oMath xmlns:m="http://schemas.openxmlformats.org/officeDocument/2006/math">
-                      <m:r>
-                        <a:rPr lang="en-US" b="0" i="1" smtClean="0">
-                          <a:solidFill>
-                            <a:srgbClr val="00B050"/>
-                          </a:solidFill>
-                          <a:latin typeface="Cambria Math" panose="02040503050406030204" pitchFamily="18" charset="0"/>
-                        </a:rPr>
-                        <m:t>𝑝</m:t>
-                      </m:r>
-                      <m:r>
-                        <a:rPr lang="en-US" b="0" i="1" smtClean="0">
-                          <a:solidFill>
-                            <a:srgbClr val="00B050"/>
-                          </a:solidFill>
-                          <a:latin typeface="Cambria Math" panose="02040503050406030204" pitchFamily="18" charset="0"/>
-                        </a:rPr>
-                        <m:t>(</m:t>
-                      </m:r>
-                      <m:r>
-                        <a:rPr lang="en-US" b="0" i="1" smtClean="0">
-                          <a:solidFill>
-                            <a:srgbClr val="00B050"/>
-                          </a:solidFill>
-                          <a:latin typeface="Cambria Math" panose="02040503050406030204" pitchFamily="18" charset="0"/>
-                        </a:rPr>
-                        <m:t>𝑥</m:t>
-                      </m:r>
-                      <m:r>
-                        <a:rPr lang="en-US" b="0" i="1" smtClean="0">
-                          <a:solidFill>
-                            <a:srgbClr val="00B050"/>
-                          </a:solidFill>
-                          <a:latin typeface="Cambria Math" panose="02040503050406030204" pitchFamily="18" charset="0"/>
-                        </a:rPr>
-                        <m:t>|</m:t>
-                      </m:r>
-                      <m:r>
-                        <a:rPr lang="en-US" b="0" i="1" smtClean="0">
-                          <a:solidFill>
-                            <a:srgbClr val="00B050"/>
-                          </a:solidFill>
-                          <a:latin typeface="Cambria Math" panose="02040503050406030204" pitchFamily="18" charset="0"/>
-                        </a:rPr>
-                        <m:t>𝑧</m:t>
-                      </m:r>
-                      <m:r>
-                        <a:rPr lang="en-US" b="0" i="1" smtClean="0">
-                          <a:solidFill>
-                            <a:srgbClr val="00B050"/>
-                          </a:solidFill>
-                          <a:latin typeface="Cambria Math" panose="02040503050406030204" pitchFamily="18" charset="0"/>
-                        </a:rPr>
-                        <m:t>=2)</m:t>
-                      </m:r>
-                    </m:oMath>
-                  </m:oMathPara>
-                </a14:m>
-                <a:endParaRPr lang="en-US" dirty="0">
-                  <a:solidFill>
-                    <a:srgbClr val="00B050"/>
-                  </a:solidFill>
-                </a:endParaRPr>
-              </a:p>
-            </p:txBody>
-          </p:sp>
-        </mc:Choice>
-        <mc:Fallback xmlns="">
-          <p:sp>
-            <p:nvSpPr>
-              <p:cNvPr id="23" name="TextBox 22"/>
-              <p:cNvSpPr txBox="1">
-                <a:spLocks noRot="1" noChangeAspect="1" noMove="1" noResize="1" noEditPoints="1" noAdjustHandles="1" noChangeArrowheads="1" noChangeShapeType="1" noTextEdit="1"/>
-              </p:cNvSpPr>
-              <p:nvPr/>
-            </p:nvSpPr>
-            <p:spPr>
-              <a:xfrm>
-                <a:off x="5930144" y="3706141"/>
-                <a:ext cx="1126270" cy="276999"/>
-              </a:xfrm>
-              <a:prstGeom prst="rect">
-                <a:avLst/>
-              </a:prstGeom>
-              <a:blipFill rotWithShape="0">
-                <a:blip r:embed="rId6"/>
-                <a:stretch>
-                  <a:fillRect l="-4865" t="-2222" r="-7027" b="-35556"/>
-                </a:stretch>
-              </a:blipFill>
-            </p:spPr>
-            <p:txBody>
-              <a:bodyPr/>
-              <a:lstStyle/>
-              <a:p>
-                <a:r>
-                  <a:rPr lang="en-US">
-                    <a:noFill/>
-                  </a:rPr>
-                  <a:t> </a:t>
-                </a:r>
-              </a:p>
-            </p:txBody>
-          </p:sp>
-        </mc:Fallback>
-      </mc:AlternateContent>
-      <mc:AlternateContent xmlns:mc="http://schemas.openxmlformats.org/markup-compatibility/2006" xmlns:a14="http://schemas.microsoft.com/office/drawing/2010/main">
-        <mc:Choice Requires="a14">
-          <p:sp>
-            <p:nvSpPr>
-              <p:cNvPr id="24" name="TextBox 23"/>
-              <p:cNvSpPr txBox="1"/>
-              <p:nvPr/>
-            </p:nvSpPr>
-            <p:spPr>
-              <a:xfrm>
-                <a:off x="5486698" y="6156591"/>
-                <a:ext cx="1126270" cy="276999"/>
-              </a:xfrm>
-              <a:prstGeom prst="rect">
-                <a:avLst/>
-              </a:prstGeom>
-              <a:noFill/>
-            </p:spPr>
-            <p:txBody>
-              <a:bodyPr wrap="none" lIns="0" tIns="0" rIns="0" bIns="0" rtlCol="0">
-                <a:spAutoFit/>
-              </a:bodyPr>
-              <a:lstStyle/>
-              <a:p>
-                <a:pPr/>
-                <a14:m>
-                  <m:oMathPara xmlns:m="http://schemas.openxmlformats.org/officeDocument/2006/math">
-                    <m:oMathParaPr>
-                      <m:jc m:val="centerGroup"/>
-                    </m:oMathParaPr>
-                    <m:oMath xmlns:m="http://schemas.openxmlformats.org/officeDocument/2006/math">
-                      <m:r>
-                        <a:rPr lang="en-US" b="0" i="1" smtClean="0">
-                          <a:solidFill>
-                            <a:srgbClr val="0070C0"/>
-                          </a:solidFill>
-                          <a:latin typeface="Cambria Math" panose="02040503050406030204" pitchFamily="18" charset="0"/>
-                        </a:rPr>
-                        <m:t>𝑝</m:t>
-                      </m:r>
-                      <m:r>
-                        <a:rPr lang="en-US" b="0" i="1" smtClean="0">
-                          <a:solidFill>
-                            <a:srgbClr val="0070C0"/>
-                          </a:solidFill>
-                          <a:latin typeface="Cambria Math" panose="02040503050406030204" pitchFamily="18" charset="0"/>
-                        </a:rPr>
-                        <m:t>(</m:t>
-                      </m:r>
-                      <m:r>
-                        <a:rPr lang="en-US" b="0" i="1" smtClean="0">
-                          <a:solidFill>
-                            <a:srgbClr val="0070C0"/>
-                          </a:solidFill>
-                          <a:latin typeface="Cambria Math" panose="02040503050406030204" pitchFamily="18" charset="0"/>
-                        </a:rPr>
-                        <m:t>𝑥</m:t>
-                      </m:r>
-                      <m:r>
-                        <a:rPr lang="en-US" b="0" i="1" smtClean="0">
-                          <a:solidFill>
-                            <a:srgbClr val="0070C0"/>
-                          </a:solidFill>
-                          <a:latin typeface="Cambria Math" panose="02040503050406030204" pitchFamily="18" charset="0"/>
-                        </a:rPr>
-                        <m:t>|</m:t>
-                      </m:r>
-                      <m:r>
-                        <a:rPr lang="en-US" b="0" i="1" smtClean="0">
-                          <a:solidFill>
-                            <a:srgbClr val="0070C0"/>
-                          </a:solidFill>
-                          <a:latin typeface="Cambria Math" panose="02040503050406030204" pitchFamily="18" charset="0"/>
-                        </a:rPr>
-                        <m:t>𝑧</m:t>
-                      </m:r>
-                      <m:r>
-                        <a:rPr lang="en-US" b="0" i="1" smtClean="0">
-                          <a:solidFill>
-                            <a:srgbClr val="0070C0"/>
-                          </a:solidFill>
-                          <a:latin typeface="Cambria Math" panose="02040503050406030204" pitchFamily="18" charset="0"/>
-                        </a:rPr>
-                        <m:t>=3)</m:t>
-                      </m:r>
-                    </m:oMath>
-                  </m:oMathPara>
-                </a14:m>
-                <a:endParaRPr lang="en-US" dirty="0">
-                  <a:solidFill>
-                    <a:srgbClr val="0070C0"/>
-                  </a:solidFill>
-                </a:endParaRPr>
-              </a:p>
-            </p:txBody>
-          </p:sp>
-        </mc:Choice>
-        <mc:Fallback xmlns="">
-          <p:sp>
-            <p:nvSpPr>
-              <p:cNvPr id="24" name="TextBox 23"/>
-              <p:cNvSpPr txBox="1">
-                <a:spLocks noRot="1" noChangeAspect="1" noMove="1" noResize="1" noEditPoints="1" noAdjustHandles="1" noChangeArrowheads="1" noChangeShapeType="1" noTextEdit="1"/>
-              </p:cNvSpPr>
-              <p:nvPr/>
-            </p:nvSpPr>
-            <p:spPr>
-              <a:xfrm>
-                <a:off x="5486698" y="6156591"/>
-                <a:ext cx="1126270" cy="276999"/>
-              </a:xfrm>
-              <a:prstGeom prst="rect">
-                <a:avLst/>
-              </a:prstGeom>
-              <a:blipFill rotWithShape="0">
-                <a:blip r:embed="rId7"/>
-                <a:stretch>
-                  <a:fillRect l="-4865" t="-2222" r="-7027" b="-35556"/>
-                </a:stretch>
-              </a:blipFill>
-            </p:spPr>
-            <p:txBody>
-              <a:bodyPr/>
-              <a:lstStyle/>
-              <a:p>
-                <a:r>
-                  <a:rPr lang="en-US">
-                    <a:noFill/>
-                  </a:rPr>
-                  <a:t> </a:t>
-                </a:r>
-              </a:p>
-            </p:txBody>
-          </p:sp>
-        </mc:Fallback>
-      </mc:AlternateContent>
-    </p:spTree>
-    <p:extLst>
-      <p:ext uri="{BB962C8B-B14F-4D97-AF65-F5344CB8AC3E}">
-        <p14:creationId xmlns:p14="http://schemas.microsoft.com/office/powerpoint/2010/main" val="313799616"/>
-      </p:ext>
-    </p:extLst>
-  </p:cSld>
-  <p:clrMapOvr>
-    <a:masterClrMapping/>
-  </p:clrMapOvr>
-  <p:timing>
-    <p:tnLst>
-      <p:par>
-        <p:cTn id="1" dur="indefinite" restart="never" nodeType="tmRoot">
-          <p:childTnLst>
-            <p:seq concurrent="1" nextAc="seek">
-              <p:cTn id="2" dur="indefinite" nodeType="mainSeq">
-                <p:childTnLst>
-                  <p:par>
-                    <p:cTn id="3" fill="hold">
-                      <p:stCondLst>
-                        <p:cond delay="indefinite"/>
-                      </p:stCondLst>
-                      <p:childTnLst>
-                        <p:par>
-                          <p:cTn id="4" fill="hold">
-                            <p:stCondLst>
-                              <p:cond delay="0"/>
-                            </p:stCondLst>
-                            <p:childTnLst>
-                              <p:par>
-                                <p:cTn id="5" presetID="1" presetClass="entr" presetSubtype="0" fill="hold" nodeType="clickEffect">
-                                  <p:stCondLst>
-                                    <p:cond delay="0"/>
-                                  </p:stCondLst>
-                                  <p:childTnLst>
-                                    <p:set>
-                                      <p:cBhvr>
-                                        <p:cTn id="6" dur="1" fill="hold">
-                                          <p:stCondLst>
-                                            <p:cond delay="0"/>
-                                          </p:stCondLst>
-                                        </p:cTn>
-                                        <p:tgtEl>
-                                          <p:spTgt spid="3">
-                                            <p:txEl>
-                                              <p:pRg st="2" end="2"/>
-                                            </p:txEl>
-                                          </p:spTgt>
-                                        </p:tgtEl>
-                                        <p:attrNameLst>
-                                          <p:attrName>style.visibility</p:attrName>
-                                        </p:attrNameLst>
-                                      </p:cBhvr>
-                                      <p:to>
-                                        <p:strVal val="visible"/>
-                                      </p:to>
-                                    </p:set>
-                                  </p:childTnLst>
-                                </p:cTn>
-                              </p:par>
-                            </p:childTnLst>
-                          </p:cTn>
-                        </p:par>
-                      </p:childTnLst>
-                    </p:cTn>
-                  </p:par>
-                  <p:par>
-                    <p:cTn id="7" fill="hold">
-                      <p:stCondLst>
-                        <p:cond delay="indefinite"/>
-                      </p:stCondLst>
-                      <p:childTnLst>
-                        <p:par>
-                          <p:cTn id="8" fill="hold">
-                            <p:stCondLst>
-                              <p:cond delay="0"/>
-                            </p:stCondLst>
-                            <p:childTnLst>
-                              <p:par>
-                                <p:cTn id="9" presetID="1" presetClass="entr" presetSubtype="0" fill="hold" nodeType="clickEffect">
-                                  <p:stCondLst>
-                                    <p:cond delay="0"/>
-                                  </p:stCondLst>
-                                  <p:childTnLst>
-                                    <p:set>
-                                      <p:cBhvr>
-                                        <p:cTn id="10" dur="1" fill="hold">
-                                          <p:stCondLst>
-                                            <p:cond delay="0"/>
-                                          </p:stCondLst>
-                                        </p:cTn>
-                                        <p:tgtEl>
-                                          <p:spTgt spid="3">
-                                            <p:txEl>
-                                              <p:pRg st="3" end="3"/>
-                                            </p:txEl>
-                                          </p:spTgt>
-                                        </p:tgtEl>
-                                        <p:attrNameLst>
-                                          <p:attrName>style.visibility</p:attrName>
-                                        </p:attrNameLst>
-                                      </p:cBhvr>
-                                      <p:to>
-                                        <p:strVal val="visible"/>
-                                      </p:to>
-                                    </p:set>
-                                  </p:childTnLst>
-                                </p:cTn>
-                              </p:par>
-                            </p:childTnLst>
-                          </p:cTn>
-                        </p:par>
-                      </p:childTnLst>
-                    </p:cTn>
-                  </p:par>
-                </p:childTnLst>
-              </p:cTn>
-              <p:prevCondLst>
-                <p:cond evt="onPrev" delay="0">
-                  <p:tgtEl>
-                    <p:sldTgt/>
-                  </p:tgtEl>
-                </p:cond>
-              </p:prevCondLst>
-              <p:nextCondLst>
-                <p:cond evt="onNext" delay="0">
-                  <p:tgtEl>
-                    <p:sldTgt/>
-                  </p:tgtEl>
-                </p:cond>
-              </p:nextCondLst>
-            </p:seq>
-          </p:childTnLst>
-        </p:cTn>
-      </p:par>
-    </p:tnLst>
-  </p:timing>
-</p:sld>
-</file>
-
-<file path=ppt/slides/slide21.xml><?xml version="1.0" encoding="utf-8"?>
-<p:sld xmlns:a="http://schemas.openxmlformats.org/drawingml/2006/main" xmlns:r="http://schemas.openxmlformats.org/officeDocument/2006/relationships" xmlns:p="http://schemas.openxmlformats.org/presentationml/2006/main">
-  <p:cSld>
-    <p:spTree>
-      <p:nvGrpSpPr>
-        <p:cNvPr id="1" name=""/>
-        <p:cNvGrpSpPr/>
-        <p:nvPr/>
-      </p:nvGrpSpPr>
-      <p:grpSpPr>
-        <a:xfrm>
-          <a:off x="0" y="0"/>
-          <a:ext cx="0" cy="0"/>
-          <a:chOff x="0" y="0"/>
-          <a:chExt cx="0" cy="0"/>
-        </a:xfrm>
-      </p:grpSpPr>
       <p:pic>
         <p:nvPicPr>
           <p:cNvPr id="11" name="Picture 10"/>
@@ -13197,7 +12179,7 @@
           <a:p>
             <a:fld id="{64B9C3A9-27DF-40B5-9FC7-1DF96985BC5A}" type="slidenum">
               <a:rPr lang="en-US" smtClean="0"/>
-              <a:t>21</a:t>
+              <a:t>20</a:t>
             </a:fld>
             <a:endParaRPr lang="en-US"/>
           </a:p>
@@ -14439,7 +13421,7 @@
 </p:sld>
 </file>
 
-<file path=ppt/slides/slide22.xml><?xml version="1.0" encoding="utf-8"?>
+<file path=ppt/slides/slide21.xml><?xml version="1.0" encoding="utf-8"?>
 <p:sld xmlns:a="http://schemas.openxmlformats.org/drawingml/2006/main" xmlns:r="http://schemas.openxmlformats.org/officeDocument/2006/relationships" xmlns:p="http://schemas.openxmlformats.org/presentationml/2006/main">
   <p:cSld>
     <p:spTree>
@@ -14855,7 +13837,7 @@
           <a:p>
             <a:fld id="{D4438207-9E20-42FC-82B6-02A8A94D7FE7}" type="slidenum">
               <a:rPr lang="en-US" smtClean="0"/>
-              <a:t>22</a:t>
+              <a:t>21</a:t>
             </a:fld>
             <a:endParaRPr lang="en-US" dirty="0"/>
           </a:p>
@@ -15156,7 +14138,7 @@
 </p:sld>
 </file>
 
-<file path=ppt/slides/slide23.xml><?xml version="1.0" encoding="utf-8"?>
+<file path=ppt/slides/slide22.xml><?xml version="1.0" encoding="utf-8"?>
 <p:sld xmlns:a="http://schemas.openxmlformats.org/drawingml/2006/main" xmlns:r="http://schemas.openxmlformats.org/officeDocument/2006/relationships" xmlns:p="http://schemas.openxmlformats.org/presentationml/2006/main">
   <p:cSld>
     <p:spTree>
@@ -15365,7 +14347,7 @@
           <a:p>
             <a:fld id="{D4438207-9E20-42FC-82B6-02A8A94D7FE7}" type="slidenum">
               <a:rPr lang="en-US" smtClean="0"/>
-              <a:t>23</a:t>
+              <a:t>22</a:t>
             </a:fld>
             <a:endParaRPr lang="en-US"/>
           </a:p>
@@ -15819,7 +14801,7 @@
 </p:sld>
 </file>
 
-<file path=ppt/slides/slide24.xml><?xml version="1.0" encoding="utf-8"?>
+<file path=ppt/slides/slide23.xml><?xml version="1.0" encoding="utf-8"?>
 <p:sld xmlns:a="http://schemas.openxmlformats.org/drawingml/2006/main" xmlns:r="http://schemas.openxmlformats.org/officeDocument/2006/relationships" xmlns:p="http://schemas.openxmlformats.org/presentationml/2006/main">
   <p:cSld>
     <p:spTree>
@@ -16255,7 +15237,7 @@
           <a:p>
             <a:fld id="{D4438207-9E20-42FC-82B6-02A8A94D7FE7}" type="slidenum">
               <a:rPr lang="en-US" smtClean="0"/>
-              <a:t>24</a:t>
+              <a:t>23</a:t>
             </a:fld>
             <a:endParaRPr lang="en-US"/>
           </a:p>
@@ -17584,7 +16566,7 @@
 </p:sld>
 </file>
 
-<file path=ppt/slides/slide25.xml><?xml version="1.0" encoding="utf-8"?>
+<file path=ppt/slides/slide24.xml><?xml version="1.0" encoding="utf-8"?>
 <p:sld xmlns:a="http://schemas.openxmlformats.org/drawingml/2006/main" xmlns:r="http://schemas.openxmlformats.org/officeDocument/2006/relationships" xmlns:p="http://schemas.openxmlformats.org/presentationml/2006/main">
   <p:cSld>
     <p:spTree>
@@ -18275,7 +17257,7 @@
           <a:p>
             <a:fld id="{D4438207-9E20-42FC-82B6-02A8A94D7FE7}" type="slidenum">
               <a:rPr lang="en-US" smtClean="0"/>
-              <a:t>25</a:t>
+              <a:t>24</a:t>
             </a:fld>
             <a:endParaRPr lang="en-US"/>
           </a:p>
@@ -18814,7 +17796,7 @@
 </p:sld>
 </file>
 
-<file path=ppt/slides/slide26.xml><?xml version="1.0" encoding="utf-8"?>
+<file path=ppt/slides/slide25.xml><?xml version="1.0" encoding="utf-8"?>
 <p:sld xmlns:a="http://schemas.openxmlformats.org/drawingml/2006/main" xmlns:r="http://schemas.openxmlformats.org/officeDocument/2006/relationships" xmlns:p="http://schemas.openxmlformats.org/presentationml/2006/main">
   <p:cSld>
     <p:spTree>
@@ -19257,7 +18239,7 @@
           <a:p>
             <a:fld id="{D4438207-9E20-42FC-82B6-02A8A94D7FE7}" type="slidenum">
               <a:rPr lang="en-US" smtClean="0"/>
-              <a:t>26</a:t>
+              <a:t>25</a:t>
             </a:fld>
             <a:endParaRPr lang="en-US"/>
           </a:p>
@@ -21227,7 +20209,7 @@
 </p:sld>
 </file>
 
-<file path=ppt/slides/slide27.xml><?xml version="1.0" encoding="utf-8"?>
+<file path=ppt/slides/slide26.xml><?xml version="1.0" encoding="utf-8"?>
 <p:sld xmlns:a="http://schemas.openxmlformats.org/drawingml/2006/main" xmlns:r="http://schemas.openxmlformats.org/officeDocument/2006/relationships" xmlns:p="http://schemas.openxmlformats.org/presentationml/2006/main">
   <p:cSld>
     <p:spTree>
@@ -21942,7 +20924,7 @@
           <a:p>
             <a:fld id="{D4438207-9E20-42FC-82B6-02A8A94D7FE7}" type="slidenum">
               <a:rPr lang="en-US" smtClean="0"/>
-              <a:t>27</a:t>
+              <a:t>26</a:t>
             </a:fld>
             <a:endParaRPr lang="en-US"/>
           </a:p>
@@ -22187,7 +21169,7 @@
 </p:sld>
 </file>
 
-<file path=ppt/slides/slide28.xml><?xml version="1.0" encoding="utf-8"?>
+<file path=ppt/slides/slide27.xml><?xml version="1.0" encoding="utf-8"?>
 <p:sld xmlns:a="http://schemas.openxmlformats.org/drawingml/2006/main" xmlns:r="http://schemas.openxmlformats.org/officeDocument/2006/relationships" xmlns:p="http://schemas.openxmlformats.org/presentationml/2006/main">
   <p:cSld>
     <p:spTree>
@@ -22487,7 +21469,7 @@
           <a:p>
             <a:fld id="{D4438207-9E20-42FC-82B6-02A8A94D7FE7}" type="slidenum">
               <a:rPr lang="en-US" smtClean="0"/>
-              <a:t>28</a:t>
+              <a:t>27</a:t>
             </a:fld>
             <a:endParaRPr lang="en-US"/>
           </a:p>
@@ -23182,7 +22164,7 @@
 </p:sld>
 </file>
 
-<file path=ppt/slides/slide29.xml><?xml version="1.0" encoding="utf-8"?>
+<file path=ppt/slides/slide28.xml><?xml version="1.0" encoding="utf-8"?>
 <p:sld xmlns:a="http://schemas.openxmlformats.org/drawingml/2006/main" xmlns:r="http://schemas.openxmlformats.org/officeDocument/2006/relationships" xmlns:p="http://schemas.openxmlformats.org/presentationml/2006/main">
   <p:cSld>
     <p:spTree>
@@ -23984,7 +22966,7 @@
           <a:p>
             <a:fld id="{D4438207-9E20-42FC-82B6-02A8A94D7FE7}" type="slidenum">
               <a:rPr lang="en-US" smtClean="0"/>
-              <a:t>29</a:t>
+              <a:t>28</a:t>
             </a:fld>
             <a:endParaRPr lang="en-US"/>
           </a:p>
@@ -25183,6 +24165,1226 @@
 </p:sld>
 </file>
 
+<file path=ppt/slides/slide29.xml><?xml version="1.0" encoding="utf-8"?>
+<p:sld xmlns:a="http://schemas.openxmlformats.org/drawingml/2006/main" xmlns:r="http://schemas.openxmlformats.org/officeDocument/2006/relationships" xmlns:p="http://schemas.openxmlformats.org/presentationml/2006/main">
+  <p:cSld>
+    <p:spTree>
+      <p:nvGrpSpPr>
+        <p:cNvPr id="1" name=""/>
+        <p:cNvGrpSpPr/>
+        <p:nvPr/>
+      </p:nvGrpSpPr>
+      <p:grpSpPr>
+        <a:xfrm>
+          <a:off x="0" y="0"/>
+          <a:ext cx="0" cy="0"/>
+          <a:chOff x="0" y="0"/>
+          <a:chExt cx="0" cy="0"/>
+        </a:xfrm>
+      </p:grpSpPr>
+      <p:sp>
+        <p:nvSpPr>
+          <p:cNvPr id="89091" name="Rectangle 2"/>
+          <p:cNvSpPr>
+            <a:spLocks noGrp="1" noChangeArrowheads="1"/>
+          </p:cNvSpPr>
+          <p:nvPr>
+            <p:ph type="title"/>
+          </p:nvPr>
+        </p:nvSpPr>
+        <p:spPr/>
+        <p:txBody>
+          <a:bodyPr/>
+          <a:lstStyle/>
+          <a:p>
+            <a:r>
+              <a:rPr lang="en-US" altLang="en-US" dirty="0"/>
+              <a:t>Expectation Maximization</a:t>
+            </a:r>
+          </a:p>
+        </p:txBody>
+      </p:sp>
+      <mc:AlternateContent xmlns:mc="http://schemas.openxmlformats.org/markup-compatibility/2006" xmlns:a14="http://schemas.microsoft.com/office/drawing/2010/main">
+        <mc:Choice Requires="a14">
+          <p:sp>
+            <p:nvSpPr>
+              <p:cNvPr id="13" name="Content Placeholder 12"/>
+              <p:cNvSpPr>
+                <a:spLocks noGrp="1"/>
+              </p:cNvSpPr>
+              <p:nvPr>
+                <p:ph idx="1"/>
+              </p:nvPr>
+            </p:nvSpPr>
+            <p:spPr/>
+            <p:txBody>
+              <a:bodyPr/>
+              <a:lstStyle/>
+              <a:p>
+                <a:r>
+                  <a:rPr lang="en-US" altLang="en-US" dirty="0"/>
+                  <a:t>EM tries to iteratively maximize likelihood</a:t>
+                </a:r>
+              </a:p>
+              <a:p>
+                <a:pPr lvl="1"/>
+                <a:r>
+                  <a:rPr lang="en-US" altLang="en-US" dirty="0"/>
+                  <a:t>“Complete” data likelihood: </a:t>
+                </a:r>
+                <a14:m>
+                  <m:oMath xmlns:m="http://schemas.openxmlformats.org/officeDocument/2006/math">
+                    <m:sSup>
+                      <m:sSupPr>
+                        <m:ctrlPr>
+                          <a:rPr lang="en-US" altLang="en-US" i="1" dirty="0">
+                            <a:latin typeface="Cambria Math" panose="02040503050406030204" pitchFamily="18" charset="0"/>
+                          </a:rPr>
+                        </m:ctrlPr>
+                      </m:sSupPr>
+                      <m:e>
+                        <m:r>
+                          <a:rPr lang="en-US" altLang="en-US" i="1" dirty="0">
+                            <a:latin typeface="Cambria Math"/>
+                          </a:rPr>
+                          <m:t>𝐿</m:t>
+                        </m:r>
+                      </m:e>
+                      <m:sup>
+                        <m:r>
+                          <a:rPr lang="en-US" altLang="en-US" i="1" dirty="0">
+                            <a:latin typeface="Cambria Math"/>
+                          </a:rPr>
+                          <m:t>𝑐</m:t>
+                        </m:r>
+                      </m:sup>
+                    </m:sSup>
+                    <m:d>
+                      <m:dPr>
+                        <m:ctrlPr>
+                          <a:rPr lang="en-US" altLang="en-US" i="1" dirty="0">
+                            <a:latin typeface="Cambria Math" panose="02040503050406030204" pitchFamily="18" charset="0"/>
+                          </a:rPr>
+                        </m:ctrlPr>
+                      </m:dPr>
+                      <m:e>
+                        <m:r>
+                          <a:rPr lang="en-US" altLang="en-US" i="1" dirty="0">
+                            <a:latin typeface="Cambria Math"/>
+                            <a:sym typeface="Symbol" panose="05050102010706020507" pitchFamily="18" charset="2"/>
+                          </a:rPr>
+                          <m:t>𝜃</m:t>
+                        </m:r>
+                      </m:e>
+                    </m:d>
+                    <m:r>
+                      <a:rPr lang="en-US" altLang="en-US" i="1" dirty="0">
+                        <a:latin typeface="Cambria Math"/>
+                      </a:rPr>
+                      <m:t>= </m:t>
+                    </m:r>
+                    <m:r>
+                      <m:rPr>
+                        <m:sty m:val="p"/>
+                      </m:rPr>
+                      <a:rPr lang="en-US" altLang="en-US" i="1" dirty="0">
+                        <a:latin typeface="Cambria Math"/>
+                      </a:rPr>
+                      <m:t>log</m:t>
+                    </m:r>
+                    <m:r>
+                      <a:rPr lang="en-US" altLang="en-US" dirty="0">
+                        <a:latin typeface="Cambria Math"/>
+                      </a:rPr>
+                      <m:t>𝑝</m:t>
+                    </m:r>
+                    <m:r>
+                      <a:rPr lang="en-US" altLang="en-US" dirty="0">
+                        <a:latin typeface="Cambria Math"/>
+                      </a:rPr>
+                      <m:t>(</m:t>
+                    </m:r>
+                    <m:r>
+                      <a:rPr lang="en-US" altLang="en-US" dirty="0">
+                        <a:latin typeface="Cambria Math"/>
+                      </a:rPr>
+                      <m:t>𝑋</m:t>
+                    </m:r>
+                    <m:r>
+                      <a:rPr lang="en-US" altLang="en-US" dirty="0">
+                        <a:latin typeface="Cambria Math"/>
+                      </a:rPr>
+                      <m:t>,</m:t>
+                    </m:r>
+                    <m:r>
+                      <m:rPr>
+                        <m:sty m:val="p"/>
+                      </m:rPr>
+                      <a:rPr lang="en-US" altLang="en-US" b="0" i="0" dirty="0" smtClean="0">
+                        <a:latin typeface="Cambria Math" panose="02040503050406030204" pitchFamily="18" charset="0"/>
+                      </a:rPr>
+                      <m:t>Z</m:t>
+                    </m:r>
+                    <m:r>
+                      <a:rPr lang="en-US" altLang="en-US" dirty="0">
+                        <a:latin typeface="Cambria Math"/>
+                      </a:rPr>
+                      <m:t>|</m:t>
+                    </m:r>
+                    <m:r>
+                      <a:rPr lang="en-US" altLang="en-US" dirty="0">
+                        <a:latin typeface="Cambria Math"/>
+                      </a:rPr>
+                      <m:t>𝜃</m:t>
+                    </m:r>
+                    <m:r>
+                      <a:rPr lang="en-US" altLang="en-US" dirty="0">
+                        <a:latin typeface="Cambria Math"/>
+                      </a:rPr>
+                      <m:t>)</m:t>
+                    </m:r>
+                  </m:oMath>
+                </a14:m>
+                <a:endParaRPr lang="en-US" altLang="en-US" dirty="0">
+                  <a:sym typeface="Symbol" panose="05050102010706020507" pitchFamily="18" charset="2"/>
+                </a:endParaRPr>
+              </a:p>
+              <a:p>
+                <a:pPr lvl="1"/>
+                <a:r>
+                  <a:rPr lang="en-US" altLang="en-US" dirty="0"/>
+                  <a:t>Starting from an initial guess </a:t>
+                </a:r>
+                <a:r>
+                  <a:rPr lang="en-US" altLang="en-US" dirty="0">
+                    <a:sym typeface="Symbol" panose="05050102010706020507" pitchFamily="18" charset="2"/>
+                  </a:rPr>
+                  <a:t></a:t>
+                </a:r>
+                <a:r>
+                  <a:rPr lang="en-US" altLang="en-US" baseline="30000" dirty="0"/>
+                  <a:t>(0)</a:t>
+                </a:r>
+                <a:r>
+                  <a:rPr lang="en-US" altLang="en-US" dirty="0"/>
+                  <a:t>,</a:t>
+                </a:r>
+              </a:p>
+              <a:p>
+                <a:pPr marL="1257300" lvl="2" indent="-342900">
+                  <a:buFont typeface="+mj-lt"/>
+                  <a:buAutoNum type="arabicPeriod"/>
+                </a:pPr>
+                <a:r>
+                  <a:rPr lang="en-US" altLang="en-US" b="1" dirty="0"/>
+                  <a:t>E-step</a:t>
+                </a:r>
+                <a:r>
+                  <a:rPr lang="en-US" altLang="en-US" dirty="0"/>
+                  <a:t>: compute the </a:t>
+                </a:r>
+                <a:r>
+                  <a:rPr lang="en-US" altLang="en-US" u="sng" dirty="0">
+                    <a:solidFill>
+                      <a:srgbClr val="CC0000"/>
+                    </a:solidFill>
+                  </a:rPr>
+                  <a:t>expectation</a:t>
+                </a:r>
+                <a:r>
+                  <a:rPr lang="en-US" altLang="en-US" dirty="0"/>
+                  <a:t> of the complete data likelihood</a:t>
+                </a:r>
+              </a:p>
+              <a:p>
+                <a:pPr marL="1257300" lvl="2" indent="-342900">
+                  <a:buFont typeface="+mj-lt"/>
+                  <a:buAutoNum type="arabicPeriod"/>
+                </a:pPr>
+                <a:endParaRPr lang="en-US" altLang="en-US" sz="1800" dirty="0"/>
+              </a:p>
+              <a:p>
+                <a:pPr marL="1257300" lvl="2" indent="-342900">
+                  <a:buFont typeface="+mj-lt"/>
+                  <a:buAutoNum type="arabicPeriod"/>
+                </a:pPr>
+                <a:endParaRPr lang="en-US" altLang="en-US" sz="1800" dirty="0"/>
+              </a:p>
+              <a:p>
+                <a:pPr marL="1257300" lvl="2" indent="-342900">
+                  <a:buFont typeface="+mj-lt"/>
+                  <a:buAutoNum type="arabicPeriod"/>
+                </a:pPr>
+                <a:r>
+                  <a:rPr lang="en-US" altLang="en-US" b="1" dirty="0"/>
+                  <a:t>M-step</a:t>
+                </a:r>
+                <a:r>
+                  <a:rPr lang="en-US" altLang="en-US" dirty="0"/>
+                  <a:t>: compute </a:t>
+                </a:r>
+                <a:r>
+                  <a:rPr lang="en-US" altLang="en-US" dirty="0">
+                    <a:sym typeface="Symbol" panose="05050102010706020507" pitchFamily="18" charset="2"/>
+                  </a:rPr>
+                  <a:t></a:t>
+                </a:r>
+                <a:r>
+                  <a:rPr lang="en-US" altLang="en-US" baseline="30000" dirty="0"/>
+                  <a:t>(t+1) </a:t>
+                </a:r>
+                <a:r>
+                  <a:rPr lang="en-US" altLang="en-US" dirty="0"/>
+                  <a:t>by </a:t>
+                </a:r>
+                <a:r>
+                  <a:rPr lang="en-US" altLang="en-US" u="sng" dirty="0">
+                    <a:solidFill>
+                      <a:srgbClr val="CC0000"/>
+                    </a:solidFill>
+                  </a:rPr>
+                  <a:t>maximizing</a:t>
+                </a:r>
+                <a:r>
+                  <a:rPr lang="en-US" altLang="en-US" dirty="0"/>
+                  <a:t> the Q-function</a:t>
+                </a:r>
+              </a:p>
+              <a:p>
+                <a:pPr lvl="2"/>
+                <a:endParaRPr lang="en-US" altLang="en-US" dirty="0"/>
+              </a:p>
+              <a:p>
+                <a:pPr lvl="1"/>
+                <a:endParaRPr lang="en-US" dirty="0"/>
+              </a:p>
+            </p:txBody>
+          </p:sp>
+        </mc:Choice>
+        <mc:Fallback xmlns="">
+          <p:sp>
+            <p:nvSpPr>
+              <p:cNvPr id="13" name="Content Placeholder 12"/>
+              <p:cNvSpPr>
+                <a:spLocks noGrp="1" noRot="1" noChangeAspect="1" noMove="1" noResize="1" noEditPoints="1" noAdjustHandles="1" noChangeArrowheads="1" noChangeShapeType="1" noTextEdit="1"/>
+              </p:cNvSpPr>
+              <p:nvPr>
+                <p:ph idx="1"/>
+              </p:nvPr>
+            </p:nvSpPr>
+            <p:spPr>
+              <a:blipFill>
+                <a:blip r:embed="rId2"/>
+                <a:stretch>
+                  <a:fillRect l="-1704" t="-1752" r="-667"/>
+                </a:stretch>
+              </a:blipFill>
+            </p:spPr>
+            <p:txBody>
+              <a:bodyPr/>
+              <a:lstStyle/>
+              <a:p>
+                <a:r>
+                  <a:rPr lang="en-US">
+                    <a:noFill/>
+                  </a:rPr>
+                  <a:t> </a:t>
+                </a:r>
+              </a:p>
+            </p:txBody>
+          </p:sp>
+        </mc:Fallback>
+      </mc:AlternateContent>
+      <p:sp>
+        <p:nvSpPr>
+          <p:cNvPr id="5" name="Date Placeholder 4"/>
+          <p:cNvSpPr>
+            <a:spLocks noGrp="1"/>
+          </p:cNvSpPr>
+          <p:nvPr>
+            <p:ph type="dt" sz="half" idx="10"/>
+          </p:nvPr>
+        </p:nvSpPr>
+        <p:spPr/>
+        <p:txBody>
+          <a:bodyPr/>
+          <a:lstStyle/>
+          <a:p>
+            <a:endParaRPr lang="en-US" dirty="0"/>
+          </a:p>
+        </p:txBody>
+      </p:sp>
+      <p:sp>
+        <p:nvSpPr>
+          <p:cNvPr id="6" name="Footer Placeholder 5"/>
+          <p:cNvSpPr>
+            <a:spLocks noGrp="1"/>
+          </p:cNvSpPr>
+          <p:nvPr>
+            <p:ph type="ftr" sz="quarter" idx="11"/>
+          </p:nvPr>
+        </p:nvSpPr>
+        <p:spPr/>
+        <p:txBody>
+          <a:bodyPr/>
+          <a:lstStyle/>
+          <a:p>
+            <a:endParaRPr lang="en-US" dirty="0"/>
+          </a:p>
+        </p:txBody>
+      </p:sp>
+      <p:sp>
+        <p:nvSpPr>
+          <p:cNvPr id="7" name="Slide Number Placeholder 6"/>
+          <p:cNvSpPr>
+            <a:spLocks noGrp="1"/>
+          </p:cNvSpPr>
+          <p:nvPr>
+            <p:ph type="sldNum" sz="quarter" idx="12"/>
+          </p:nvPr>
+        </p:nvSpPr>
+        <p:spPr/>
+        <p:txBody>
+          <a:bodyPr/>
+          <a:lstStyle/>
+          <a:p>
+            <a:fld id="{D4438207-9E20-42FC-82B6-02A8A94D7FE7}" type="slidenum">
+              <a:rPr lang="en-US" smtClean="0"/>
+              <a:t>29</a:t>
+            </a:fld>
+            <a:endParaRPr lang="en-US"/>
+          </a:p>
+        </p:txBody>
+      </p:sp>
+      <mc:AlternateContent xmlns:mc="http://schemas.openxmlformats.org/markup-compatibility/2006" xmlns:a14="http://schemas.microsoft.com/office/drawing/2010/main">
+        <mc:Choice Requires="a14">
+          <p:sp>
+            <p:nvSpPr>
+              <p:cNvPr id="2" name="TextBox 1"/>
+              <p:cNvSpPr txBox="1"/>
+              <p:nvPr/>
+            </p:nvSpPr>
+            <p:spPr>
+              <a:xfrm>
+                <a:off x="1101710" y="3934770"/>
+                <a:ext cx="7460889" cy="773097"/>
+              </a:xfrm>
+              <a:prstGeom prst="rect">
+                <a:avLst/>
+              </a:prstGeom>
+              <a:noFill/>
+            </p:spPr>
+            <p:txBody>
+              <a:bodyPr wrap="none" rtlCol="0">
+                <a:spAutoFit/>
+              </a:bodyPr>
+              <a:lstStyle/>
+              <a:p>
+                <a:pPr/>
+                <a14:m>
+                  <m:oMathPara xmlns:m="http://schemas.openxmlformats.org/officeDocument/2006/math">
+                    <m:oMathParaPr>
+                      <m:jc m:val="centerGroup"/>
+                    </m:oMathParaPr>
+                    <m:oMath xmlns:m="http://schemas.openxmlformats.org/officeDocument/2006/math">
+                      <m:r>
+                        <a:rPr lang="en-US" sz="2400" b="0" i="1" smtClean="0">
+                          <a:latin typeface="Cambria Math"/>
+                        </a:rPr>
+                        <m:t>𝑄</m:t>
+                      </m:r>
+                      <m:d>
+                        <m:dPr>
+                          <m:ctrlPr>
+                            <a:rPr lang="en-US" sz="2400" b="0" i="1" smtClean="0">
+                              <a:latin typeface="Cambria Math" panose="02040503050406030204" pitchFamily="18" charset="0"/>
+                            </a:rPr>
+                          </m:ctrlPr>
+                        </m:dPr>
+                        <m:e>
+                          <m:r>
+                            <a:rPr lang="en-US" sz="2400" b="0" i="1" smtClean="0">
+                              <a:latin typeface="Cambria Math"/>
+                            </a:rPr>
+                            <m:t>𝜃</m:t>
+                          </m:r>
+                          <m:r>
+                            <a:rPr lang="en-US" sz="2400" b="0" i="1" smtClean="0">
+                              <a:latin typeface="Cambria Math"/>
+                            </a:rPr>
+                            <m:t>;</m:t>
+                          </m:r>
+                          <m:sSup>
+                            <m:sSupPr>
+                              <m:ctrlPr>
+                                <a:rPr lang="en-US" sz="2400" b="0" i="1" smtClean="0">
+                                  <a:latin typeface="Cambria Math" panose="02040503050406030204" pitchFamily="18" charset="0"/>
+                                </a:rPr>
+                              </m:ctrlPr>
+                            </m:sSupPr>
+                            <m:e>
+                              <m:r>
+                                <a:rPr lang="en-US" sz="2400" b="0" i="1" smtClean="0">
+                                  <a:latin typeface="Cambria Math"/>
+                                </a:rPr>
+                                <m:t>𝜃</m:t>
+                              </m:r>
+                            </m:e>
+                            <m:sup>
+                              <m:r>
+                                <a:rPr lang="en-US" sz="2400" b="0" i="1" smtClean="0">
+                                  <a:latin typeface="Cambria Math"/>
+                                </a:rPr>
+                                <m:t>𝑡</m:t>
+                              </m:r>
+                            </m:sup>
+                          </m:sSup>
+                        </m:e>
+                      </m:d>
+                      <m:r>
+                        <a:rPr lang="en-US" sz="2400" b="0" i="0" smtClean="0">
+                          <a:latin typeface="Cambria Math"/>
+                        </a:rPr>
+                        <m:t>=</m:t>
+                      </m:r>
+                      <m:sSub>
+                        <m:sSubPr>
+                          <m:ctrlPr>
+                            <a:rPr lang="en-US" sz="2400" b="0" i="1" smtClean="0">
+                              <a:latin typeface="Cambria Math" panose="02040503050406030204" pitchFamily="18" charset="0"/>
+                            </a:rPr>
+                          </m:ctrlPr>
+                        </m:sSubPr>
+                        <m:e>
+                          <m:r>
+                            <m:rPr>
+                              <m:sty m:val="p"/>
+                            </m:rPr>
+                            <a:rPr lang="en-US" sz="2400" b="0" i="0" smtClean="0">
+                              <a:latin typeface="Cambria Math"/>
+                            </a:rPr>
+                            <m:t>E</m:t>
+                          </m:r>
+                        </m:e>
+                        <m:sub>
+                          <m:sSup>
+                            <m:sSupPr>
+                              <m:ctrlPr>
+                                <a:rPr lang="en-US" sz="2400" b="0" i="1" smtClean="0">
+                                  <a:latin typeface="Cambria Math" panose="02040503050406030204" pitchFamily="18" charset="0"/>
+                                </a:rPr>
+                              </m:ctrlPr>
+                            </m:sSupPr>
+                            <m:e>
+                              <m:r>
+                                <a:rPr lang="en-US" sz="2400" b="0" i="1" smtClean="0">
+                                  <a:latin typeface="Cambria Math" panose="02040503050406030204" pitchFamily="18" charset="0"/>
+                                </a:rPr>
+                                <m:t>𝑍</m:t>
+                              </m:r>
+                              <m:r>
+                                <a:rPr lang="en-US" sz="2400" b="0" i="1" smtClean="0">
+                                  <a:latin typeface="Cambria Math"/>
+                                </a:rPr>
+                                <m:t>|</m:t>
+                              </m:r>
+                              <m:r>
+                                <a:rPr lang="en-US" sz="2400" b="0" i="1" smtClean="0">
+                                  <a:latin typeface="Cambria Math"/>
+                                </a:rPr>
+                                <m:t>𝑋</m:t>
+                              </m:r>
+                              <m:r>
+                                <a:rPr lang="en-US" sz="2400" b="0" i="1" smtClean="0">
+                                  <a:latin typeface="Cambria Math"/>
+                                </a:rPr>
+                                <m:t>,</m:t>
+                              </m:r>
+                              <m:r>
+                                <a:rPr lang="en-US" sz="2400" b="0" i="1" smtClean="0">
+                                  <a:latin typeface="Cambria Math"/>
+                                </a:rPr>
+                                <m:t>𝜃</m:t>
+                              </m:r>
+                            </m:e>
+                            <m:sup>
+                              <m:r>
+                                <a:rPr lang="en-US" sz="2400" b="0" i="1" smtClean="0">
+                                  <a:latin typeface="Cambria Math"/>
+                                </a:rPr>
+                                <m:t>𝑡</m:t>
+                              </m:r>
+                            </m:sup>
+                          </m:sSup>
+                        </m:sub>
+                      </m:sSub>
+                      <m:d>
+                        <m:dPr>
+                          <m:begChr m:val="["/>
+                          <m:endChr m:val="]"/>
+                          <m:ctrlPr>
+                            <a:rPr lang="en-US" sz="2400" b="0" i="1" smtClean="0">
+                              <a:latin typeface="Cambria Math" panose="02040503050406030204" pitchFamily="18" charset="0"/>
+                            </a:rPr>
+                          </m:ctrlPr>
+                        </m:dPr>
+                        <m:e>
+                          <m:sSup>
+                            <m:sSupPr>
+                              <m:ctrlPr>
+                                <a:rPr lang="en-US" sz="2400" b="0" i="1" smtClean="0">
+                                  <a:latin typeface="Cambria Math" panose="02040503050406030204" pitchFamily="18" charset="0"/>
+                                </a:rPr>
+                              </m:ctrlPr>
+                            </m:sSupPr>
+                            <m:e>
+                              <m:r>
+                                <a:rPr lang="en-US" sz="2400" b="0" i="1" smtClean="0">
+                                  <a:latin typeface="Cambria Math"/>
+                                </a:rPr>
+                                <m:t>𝐿</m:t>
+                              </m:r>
+                            </m:e>
+                            <m:sup>
+                              <m:r>
+                                <a:rPr lang="en-US" sz="2400" b="0" i="1" smtClean="0">
+                                  <a:latin typeface="Cambria Math"/>
+                                </a:rPr>
+                                <m:t>𝑐</m:t>
+                              </m:r>
+                            </m:sup>
+                          </m:sSup>
+                          <m:d>
+                            <m:dPr>
+                              <m:ctrlPr>
+                                <a:rPr lang="en-US" sz="2400" b="0" i="1" smtClean="0">
+                                  <a:latin typeface="Cambria Math" panose="02040503050406030204" pitchFamily="18" charset="0"/>
+                                </a:rPr>
+                              </m:ctrlPr>
+                            </m:dPr>
+                            <m:e>
+                              <m:r>
+                                <a:rPr lang="en-US" sz="2400" b="0" i="1" smtClean="0">
+                                  <a:latin typeface="Cambria Math"/>
+                                </a:rPr>
+                                <m:t>𝜃</m:t>
+                              </m:r>
+                            </m:e>
+                          </m:d>
+                        </m:e>
+                      </m:d>
+                      <m:r>
+                        <a:rPr lang="en-US" sz="2400" b="0" i="1" smtClean="0">
+                          <a:latin typeface="Cambria Math"/>
+                        </a:rPr>
+                        <m:t>=</m:t>
+                      </m:r>
+                      <m:nary>
+                        <m:naryPr>
+                          <m:chr m:val="∑"/>
+                          <m:limLoc m:val="subSup"/>
+                          <m:supHide m:val="on"/>
+                          <m:ctrlPr>
+                            <a:rPr lang="en-US" sz="2400" b="0" i="1" smtClean="0">
+                              <a:latin typeface="Cambria Math" panose="02040503050406030204" pitchFamily="18" charset="0"/>
+                            </a:rPr>
+                          </m:ctrlPr>
+                        </m:naryPr>
+                        <m:sub>
+                          <m:r>
+                            <m:rPr>
+                              <m:brk m:alnAt="9"/>
+                            </m:rPr>
+                            <a:rPr lang="en-US" sz="2400" b="0" i="1" smtClean="0">
+                              <a:latin typeface="Cambria Math" panose="02040503050406030204" pitchFamily="18" charset="0"/>
+                            </a:rPr>
+                            <m:t>𝑍</m:t>
+                          </m:r>
+                        </m:sub>
+                        <m:sup/>
+                        <m:e>
+                          <m:r>
+                            <a:rPr lang="en-US" sz="2400" i="1" smtClean="0">
+                              <a:latin typeface="Cambria Math"/>
+                            </a:rPr>
+                            <m:t>𝑝</m:t>
+                          </m:r>
+                          <m:d>
+                            <m:dPr>
+                              <m:ctrlPr>
+                                <a:rPr lang="en-US" sz="2400" i="1">
+                                  <a:latin typeface="Cambria Math" panose="02040503050406030204" pitchFamily="18" charset="0"/>
+                                </a:rPr>
+                              </m:ctrlPr>
+                            </m:dPr>
+                            <m:e>
+                              <m:r>
+                                <a:rPr lang="en-US" sz="2400" b="0" i="1" smtClean="0">
+                                  <a:latin typeface="Cambria Math" panose="02040503050406030204" pitchFamily="18" charset="0"/>
+                                </a:rPr>
+                                <m:t>𝑍</m:t>
+                              </m:r>
+                            </m:e>
+                            <m:e>
+                              <m:r>
+                                <a:rPr lang="en-US" sz="2400" i="1">
+                                  <a:latin typeface="Cambria Math"/>
+                                </a:rPr>
+                                <m:t>𝑋</m:t>
+                              </m:r>
+                              <m:r>
+                                <a:rPr lang="en-US" sz="2400" i="1">
+                                  <a:latin typeface="Cambria Math"/>
+                                </a:rPr>
+                                <m:t>,</m:t>
+                              </m:r>
+                              <m:sSup>
+                                <m:sSupPr>
+                                  <m:ctrlPr>
+                                    <a:rPr lang="en-US" sz="2400" i="1">
+                                      <a:latin typeface="Cambria Math" panose="02040503050406030204" pitchFamily="18" charset="0"/>
+                                    </a:rPr>
+                                  </m:ctrlPr>
+                                </m:sSupPr>
+                                <m:e>
+                                  <m:r>
+                                    <a:rPr lang="en-US" sz="2400" i="1">
+                                      <a:latin typeface="Cambria Math"/>
+                                    </a:rPr>
+                                    <m:t>𝜃</m:t>
+                                  </m:r>
+                                </m:e>
+                                <m:sup>
+                                  <m:r>
+                                    <a:rPr lang="en-US" sz="2400" b="0" i="1" smtClean="0">
+                                      <a:latin typeface="Cambria Math"/>
+                                    </a:rPr>
+                                    <m:t>𝑡</m:t>
+                                  </m:r>
+                                </m:sup>
+                              </m:sSup>
+                            </m:e>
+                          </m:d>
+                          <m:r>
+                            <m:rPr>
+                              <m:sty m:val="p"/>
+                            </m:rPr>
+                            <a:rPr lang="en-US" sz="2400">
+                              <a:latin typeface="Cambria Math"/>
+                            </a:rPr>
+                            <m:t>log</m:t>
+                          </m:r>
+                          <m:r>
+                            <a:rPr lang="en-US" sz="2400" b="0" i="0" smtClean="0">
+                              <a:latin typeface="Cambria Math"/>
+                            </a:rPr>
+                            <m:t> </m:t>
+                          </m:r>
+                          <m:r>
+                            <m:rPr>
+                              <m:sty m:val="p"/>
+                            </m:rPr>
+                            <a:rPr lang="en-US" sz="2400" b="0" i="0" smtClean="0">
+                              <a:latin typeface="Cambria Math"/>
+                            </a:rPr>
+                            <m:t>p</m:t>
+                          </m:r>
+                          <m:d>
+                            <m:dPr>
+                              <m:ctrlPr>
+                                <a:rPr lang="en-US" sz="2400" b="0" i="1" smtClean="0">
+                                  <a:latin typeface="Cambria Math" panose="02040503050406030204" pitchFamily="18" charset="0"/>
+                                </a:rPr>
+                              </m:ctrlPr>
+                            </m:dPr>
+                            <m:e>
+                              <m:r>
+                                <m:rPr>
+                                  <m:sty m:val="p"/>
+                                </m:rPr>
+                                <a:rPr lang="en-US" sz="2400" b="0" i="0" smtClean="0">
+                                  <a:latin typeface="Cambria Math"/>
+                                </a:rPr>
+                                <m:t>X</m:t>
+                              </m:r>
+                              <m:r>
+                                <a:rPr lang="en-US" sz="2400" b="0" i="0" smtClean="0">
+                                  <a:latin typeface="Cambria Math"/>
+                                </a:rPr>
+                                <m:t>,</m:t>
+                              </m:r>
+                              <m:r>
+                                <m:rPr>
+                                  <m:sty m:val="p"/>
+                                </m:rPr>
+                                <a:rPr lang="en-US" sz="2400" b="0" i="0" smtClean="0">
+                                  <a:latin typeface="Cambria Math" panose="02040503050406030204" pitchFamily="18" charset="0"/>
+                                </a:rPr>
+                                <m:t>Z</m:t>
+                              </m:r>
+                            </m:e>
+                            <m:e>
+                              <m:r>
+                                <a:rPr lang="en-US" sz="2400" b="0" i="1" smtClean="0">
+                                  <a:latin typeface="Cambria Math" panose="02040503050406030204" pitchFamily="18" charset="0"/>
+                                </a:rPr>
+                                <m:t>𝜃</m:t>
+                              </m:r>
+                            </m:e>
+                          </m:d>
+                        </m:e>
+                      </m:nary>
+                    </m:oMath>
+                  </m:oMathPara>
+                </a14:m>
+                <a:endParaRPr lang="en-US" sz="2400" dirty="0"/>
+              </a:p>
+            </p:txBody>
+          </p:sp>
+        </mc:Choice>
+        <mc:Fallback xmlns="">
+          <p:sp>
+            <p:nvSpPr>
+              <p:cNvPr id="2" name="TextBox 1"/>
+              <p:cNvSpPr txBox="1">
+                <a:spLocks noRot="1" noChangeAspect="1" noMove="1" noResize="1" noEditPoints="1" noAdjustHandles="1" noChangeArrowheads="1" noChangeShapeType="1" noTextEdit="1"/>
+              </p:cNvSpPr>
+              <p:nvPr/>
+            </p:nvSpPr>
+            <p:spPr>
+              <a:xfrm>
+                <a:off x="1101710" y="3934770"/>
+                <a:ext cx="7460889" cy="773097"/>
+              </a:xfrm>
+              <a:prstGeom prst="rect">
+                <a:avLst/>
+              </a:prstGeom>
+              <a:blipFill rotWithShape="0">
+                <a:blip r:embed="rId3"/>
+                <a:stretch>
+                  <a:fillRect/>
+                </a:stretch>
+              </a:blipFill>
+            </p:spPr>
+            <p:txBody>
+              <a:bodyPr/>
+              <a:lstStyle/>
+              <a:p>
+                <a:r>
+                  <a:rPr lang="en-US">
+                    <a:noFill/>
+                  </a:rPr>
+                  <a:t> </a:t>
+                </a:r>
+              </a:p>
+            </p:txBody>
+          </p:sp>
+        </mc:Fallback>
+      </mc:AlternateContent>
+      <mc:AlternateContent xmlns:mc="http://schemas.openxmlformats.org/markup-compatibility/2006" xmlns:a14="http://schemas.microsoft.com/office/drawing/2010/main">
+        <mc:Choice Requires="a14">
+          <p:sp>
+            <p:nvSpPr>
+              <p:cNvPr id="12" name="TextBox 11"/>
+              <p:cNvSpPr txBox="1"/>
+              <p:nvPr/>
+            </p:nvSpPr>
+            <p:spPr>
+              <a:xfrm>
+                <a:off x="1524000" y="5186183"/>
+                <a:ext cx="3612527" cy="461665"/>
+              </a:xfrm>
+              <a:prstGeom prst="rect">
+                <a:avLst/>
+              </a:prstGeom>
+              <a:noFill/>
+            </p:spPr>
+            <p:txBody>
+              <a:bodyPr wrap="none" rtlCol="0">
+                <a:spAutoFit/>
+              </a:bodyPr>
+              <a:lstStyle/>
+              <a:p>
+                <a:pPr/>
+                <a14:m>
+                  <m:oMathPara xmlns:m="http://schemas.openxmlformats.org/officeDocument/2006/math">
+                    <m:oMathParaPr>
+                      <m:jc m:val="centerGroup"/>
+                    </m:oMathParaPr>
+                    <m:oMath xmlns:m="http://schemas.openxmlformats.org/officeDocument/2006/math">
+                      <m:sSup>
+                        <m:sSupPr>
+                          <m:ctrlPr>
+                            <a:rPr lang="en-US" sz="2400" b="0" i="1" smtClean="0">
+                              <a:latin typeface="Cambria Math" panose="02040503050406030204" pitchFamily="18" charset="0"/>
+                            </a:rPr>
+                          </m:ctrlPr>
+                        </m:sSupPr>
+                        <m:e>
+                          <m:r>
+                            <a:rPr lang="en-US" sz="2400" b="0" i="1" smtClean="0">
+                              <a:latin typeface="Cambria Math"/>
+                            </a:rPr>
+                            <m:t>𝜃</m:t>
+                          </m:r>
+                        </m:e>
+                        <m:sup>
+                          <m:r>
+                            <a:rPr lang="en-US" sz="2400" b="0" i="1" smtClean="0">
+                              <a:latin typeface="Cambria Math"/>
+                            </a:rPr>
+                            <m:t>𝑡</m:t>
+                          </m:r>
+                          <m:r>
+                            <a:rPr lang="en-US" sz="2400" b="0" i="1" smtClean="0">
+                              <a:latin typeface="Cambria Math"/>
+                            </a:rPr>
+                            <m:t>+1</m:t>
+                          </m:r>
+                        </m:sup>
+                      </m:sSup>
+                      <m:r>
+                        <a:rPr lang="en-US" sz="2400" b="0" i="1" smtClean="0">
+                          <a:latin typeface="Cambria Math"/>
+                        </a:rPr>
+                        <m:t>=</m:t>
+                      </m:r>
+                      <m:r>
+                        <a:rPr lang="en-US" sz="2400" b="0" i="1" smtClean="0">
+                          <a:latin typeface="Cambria Math"/>
+                        </a:rPr>
+                        <m:t>𝑎𝑟𝑔𝑚𝑎</m:t>
+                      </m:r>
+                      <m:sSub>
+                        <m:sSubPr>
+                          <m:ctrlPr>
+                            <a:rPr lang="en-US" sz="2400" b="0" i="1" smtClean="0">
+                              <a:latin typeface="Cambria Math" panose="02040503050406030204" pitchFamily="18" charset="0"/>
+                            </a:rPr>
+                          </m:ctrlPr>
+                        </m:sSubPr>
+                        <m:e>
+                          <m:r>
+                            <a:rPr lang="en-US" sz="2400" b="0" i="1" smtClean="0">
+                              <a:latin typeface="Cambria Math"/>
+                            </a:rPr>
+                            <m:t>𝑥</m:t>
+                          </m:r>
+                        </m:e>
+                        <m:sub>
+                          <m:r>
+                            <a:rPr lang="en-US" sz="2400" b="0" i="1" smtClean="0">
+                              <a:latin typeface="Cambria Math"/>
+                            </a:rPr>
+                            <m:t>𝜃</m:t>
+                          </m:r>
+                        </m:sub>
+                      </m:sSub>
+                      <m:r>
+                        <a:rPr lang="en-US" sz="2400" b="0" i="1" smtClean="0">
+                          <a:latin typeface="Cambria Math"/>
+                        </a:rPr>
+                        <m:t>𝑄</m:t>
+                      </m:r>
+                      <m:d>
+                        <m:dPr>
+                          <m:ctrlPr>
+                            <a:rPr lang="en-US" sz="2400" b="0" i="1" smtClean="0">
+                              <a:latin typeface="Cambria Math" panose="02040503050406030204" pitchFamily="18" charset="0"/>
+                            </a:rPr>
+                          </m:ctrlPr>
+                        </m:dPr>
+                        <m:e>
+                          <m:r>
+                            <a:rPr lang="en-US" sz="2400" b="0" i="1" smtClean="0">
+                              <a:latin typeface="Cambria Math"/>
+                            </a:rPr>
+                            <m:t>𝜃</m:t>
+                          </m:r>
+                          <m:r>
+                            <a:rPr lang="en-US" sz="2400" b="0" i="1" smtClean="0">
+                              <a:latin typeface="Cambria Math"/>
+                            </a:rPr>
+                            <m:t>;</m:t>
+                          </m:r>
+                          <m:sSup>
+                            <m:sSupPr>
+                              <m:ctrlPr>
+                                <a:rPr lang="en-US" sz="2400" b="0" i="1" smtClean="0">
+                                  <a:latin typeface="Cambria Math" panose="02040503050406030204" pitchFamily="18" charset="0"/>
+                                </a:rPr>
+                              </m:ctrlPr>
+                            </m:sSupPr>
+                            <m:e>
+                              <m:r>
+                                <a:rPr lang="en-US" sz="2400" b="0" i="1" smtClean="0">
+                                  <a:latin typeface="Cambria Math"/>
+                                </a:rPr>
+                                <m:t>𝜃</m:t>
+                              </m:r>
+                            </m:e>
+                            <m:sup>
+                              <m:r>
+                                <a:rPr lang="en-US" sz="2400" b="0" i="1" smtClean="0">
+                                  <a:latin typeface="Cambria Math"/>
+                                </a:rPr>
+                                <m:t>𝑡</m:t>
+                              </m:r>
+                            </m:sup>
+                          </m:sSup>
+                        </m:e>
+                      </m:d>
+                    </m:oMath>
+                  </m:oMathPara>
+                </a14:m>
+                <a:endParaRPr lang="en-US" sz="2400" dirty="0"/>
+              </a:p>
+            </p:txBody>
+          </p:sp>
+        </mc:Choice>
+        <mc:Fallback xmlns="">
+          <p:sp>
+            <p:nvSpPr>
+              <p:cNvPr id="12" name="TextBox 11"/>
+              <p:cNvSpPr txBox="1">
+                <a:spLocks noRot="1" noChangeAspect="1" noMove="1" noResize="1" noEditPoints="1" noAdjustHandles="1" noChangeArrowheads="1" noChangeShapeType="1" noTextEdit="1"/>
+              </p:cNvSpPr>
+              <p:nvPr/>
+            </p:nvSpPr>
+            <p:spPr>
+              <a:xfrm>
+                <a:off x="1524000" y="5186183"/>
+                <a:ext cx="3612527" cy="461665"/>
+              </a:xfrm>
+              <a:prstGeom prst="rect">
+                <a:avLst/>
+              </a:prstGeom>
+              <a:blipFill rotWithShape="0">
+                <a:blip r:embed="rId4"/>
+                <a:stretch>
+                  <a:fillRect b="-13333"/>
+                </a:stretch>
+              </a:blipFill>
+            </p:spPr>
+            <p:txBody>
+              <a:bodyPr/>
+              <a:lstStyle/>
+              <a:p>
+                <a:r>
+                  <a:rPr lang="en-US">
+                    <a:noFill/>
+                  </a:rPr>
+                  <a:t> </a:t>
+                </a:r>
+              </a:p>
+            </p:txBody>
+          </p:sp>
+        </mc:Fallback>
+      </mc:AlternateContent>
+      <p:grpSp>
+        <p:nvGrpSpPr>
+          <p:cNvPr id="3" name="Group 2"/>
+          <p:cNvGrpSpPr/>
+          <p:nvPr/>
+        </p:nvGrpSpPr>
+        <p:grpSpPr>
+          <a:xfrm>
+            <a:off x="5322432" y="4484109"/>
+            <a:ext cx="2667000" cy="1066800"/>
+            <a:chOff x="4724400" y="4419600"/>
+            <a:chExt cx="2667000" cy="1066800"/>
+          </a:xfrm>
+        </p:grpSpPr>
+        <p:cxnSp>
+          <p:nvCxnSpPr>
+            <p:cNvPr id="8" name="Straight Connector 7"/>
+            <p:cNvCxnSpPr/>
+            <p:nvPr/>
+          </p:nvCxnSpPr>
+          <p:spPr>
+            <a:xfrm>
+              <a:off x="4724400" y="4419600"/>
+              <a:ext cx="1610300" cy="0"/>
+            </a:xfrm>
+            <a:prstGeom prst="line">
+              <a:avLst/>
+            </a:prstGeom>
+            <a:ln w="28575">
+              <a:solidFill>
+                <a:srgbClr val="FF0000"/>
+              </a:solidFill>
+              <a:prstDash val="dash"/>
+            </a:ln>
+          </p:spPr>
+          <p:style>
+            <a:lnRef idx="1">
+              <a:schemeClr val="accent1"/>
+            </a:lnRef>
+            <a:fillRef idx="0">
+              <a:schemeClr val="accent1"/>
+            </a:fillRef>
+            <a:effectRef idx="0">
+              <a:schemeClr val="accent1"/>
+            </a:effectRef>
+            <a:fontRef idx="minor">
+              <a:schemeClr val="tx1"/>
+            </a:fontRef>
+          </p:style>
+        </p:cxnSp>
+        <p:sp>
+          <p:nvSpPr>
+            <p:cNvPr id="9" name="TextBox 8"/>
+            <p:cNvSpPr txBox="1"/>
+            <p:nvPr/>
+          </p:nvSpPr>
+          <p:spPr>
+            <a:xfrm>
+              <a:off x="6096000" y="5117068"/>
+              <a:ext cx="1295400" cy="369332"/>
+            </a:xfrm>
+            <a:prstGeom prst="rect">
+              <a:avLst/>
+            </a:prstGeom>
+            <a:noFill/>
+          </p:spPr>
+          <p:txBody>
+            <a:bodyPr wrap="square" rtlCol="0">
+              <a:spAutoFit/>
+            </a:bodyPr>
+            <a:lstStyle/>
+            <a:p>
+              <a:r>
+                <a:rPr lang="en-US" b="1" i="1" dirty="0"/>
+                <a:t>Key step!</a:t>
+              </a:r>
+            </a:p>
+          </p:txBody>
+        </p:sp>
+        <p:cxnSp>
+          <p:nvCxnSpPr>
+            <p:cNvPr id="11" name="Straight Arrow Connector 10"/>
+            <p:cNvCxnSpPr/>
+            <p:nvPr/>
+          </p:nvCxnSpPr>
+          <p:spPr>
+            <a:xfrm flipH="1" flipV="1">
+              <a:off x="6255400" y="4419600"/>
+              <a:ext cx="347950" cy="736342"/>
+            </a:xfrm>
+            <a:prstGeom prst="straightConnector1">
+              <a:avLst/>
+            </a:prstGeom>
+            <a:ln w="19050">
+              <a:solidFill>
+                <a:srgbClr val="FF0000"/>
+              </a:solidFill>
+              <a:tailEnd type="arrow"/>
+            </a:ln>
+          </p:spPr>
+          <p:style>
+            <a:lnRef idx="1">
+              <a:schemeClr val="accent1"/>
+            </a:lnRef>
+            <a:fillRef idx="0">
+              <a:schemeClr val="accent1"/>
+            </a:fillRef>
+            <a:effectRef idx="0">
+              <a:schemeClr val="accent1"/>
+            </a:effectRef>
+            <a:fontRef idx="minor">
+              <a:schemeClr val="tx1"/>
+            </a:fontRef>
+          </p:style>
+        </p:cxnSp>
+      </p:grpSp>
+    </p:spTree>
+    <p:extLst>
+      <p:ext uri="{BB962C8B-B14F-4D97-AF65-F5344CB8AC3E}">
+        <p14:creationId xmlns:p14="http://schemas.microsoft.com/office/powerpoint/2010/main" val="532591288"/>
+      </p:ext>
+    </p:extLst>
+  </p:cSld>
+  <p:clrMapOvr>
+    <a:masterClrMapping/>
+  </p:clrMapOvr>
+  <p:timing>
+    <p:tnLst>
+      <p:par>
+        <p:cTn id="1" dur="indefinite" restart="never" nodeType="tmRoot">
+          <p:childTnLst>
+            <p:seq concurrent="1" nextAc="seek">
+              <p:cTn id="2" dur="indefinite" nodeType="mainSeq">
+                <p:childTnLst>
+                  <p:par>
+                    <p:cTn id="3" fill="hold">
+                      <p:stCondLst>
+                        <p:cond delay="indefinite"/>
+                      </p:stCondLst>
+                      <p:childTnLst>
+                        <p:par>
+                          <p:cTn id="4" fill="hold">
+                            <p:stCondLst>
+                              <p:cond delay="0"/>
+                            </p:stCondLst>
+                            <p:childTnLst>
+                              <p:par>
+                                <p:cTn id="5" presetID="1" presetClass="entr" presetSubtype="0" fill="hold" nodeType="clickEffect">
+                                  <p:stCondLst>
+                                    <p:cond delay="0"/>
+                                  </p:stCondLst>
+                                  <p:childTnLst>
+                                    <p:set>
+                                      <p:cBhvr>
+                                        <p:cTn id="6" dur="1" fill="hold">
+                                          <p:stCondLst>
+                                            <p:cond delay="0"/>
+                                          </p:stCondLst>
+                                        </p:cTn>
+                                        <p:tgtEl>
+                                          <p:spTgt spid="3"/>
+                                        </p:tgtEl>
+                                        <p:attrNameLst>
+                                          <p:attrName>style.visibility</p:attrName>
+                                        </p:attrNameLst>
+                                      </p:cBhvr>
+                                      <p:to>
+                                        <p:strVal val="visible"/>
+                                      </p:to>
+                                    </p:set>
+                                  </p:childTnLst>
+                                </p:cTn>
+                              </p:par>
+                            </p:childTnLst>
+                          </p:cTn>
+                        </p:par>
+                      </p:childTnLst>
+                    </p:cTn>
+                  </p:par>
+                </p:childTnLst>
+              </p:cTn>
+              <p:prevCondLst>
+                <p:cond evt="onPrev" delay="0">
+                  <p:tgtEl>
+                    <p:sldTgt/>
+                  </p:tgtEl>
+                </p:cond>
+              </p:prevCondLst>
+              <p:nextCondLst>
+                <p:cond evt="onNext" delay="0">
+                  <p:tgtEl>
+                    <p:sldTgt/>
+                  </p:tgtEl>
+                </p:cond>
+              </p:nextCondLst>
+            </p:seq>
+          </p:childTnLst>
+        </p:cTn>
+      </p:par>
+    </p:tnLst>
+  </p:timing>
+</p:sld>
+</file>
+
 <file path=ppt/slides/slide3.xml><?xml version="1.0" encoding="utf-8"?>
 <p:sld xmlns:a="http://schemas.openxmlformats.org/drawingml/2006/main" xmlns:r="http://schemas.openxmlformats.org/officeDocument/2006/relationships" xmlns:p="http://schemas.openxmlformats.org/presentationml/2006/main">
   <p:cSld>
@@ -26293,1226 +26495,6 @@
       </p:grpSpPr>
       <p:sp>
         <p:nvSpPr>
-          <p:cNvPr id="89091" name="Rectangle 2"/>
-          <p:cNvSpPr>
-            <a:spLocks noGrp="1" noChangeArrowheads="1"/>
-          </p:cNvSpPr>
-          <p:nvPr>
-            <p:ph type="title"/>
-          </p:nvPr>
-        </p:nvSpPr>
-        <p:spPr/>
-        <p:txBody>
-          <a:bodyPr/>
-          <a:lstStyle/>
-          <a:p>
-            <a:r>
-              <a:rPr lang="en-US" altLang="en-US" dirty="0"/>
-              <a:t>Expectation Maximization</a:t>
-            </a:r>
-          </a:p>
-        </p:txBody>
-      </p:sp>
-      <mc:AlternateContent xmlns:mc="http://schemas.openxmlformats.org/markup-compatibility/2006" xmlns:a14="http://schemas.microsoft.com/office/drawing/2010/main">
-        <mc:Choice Requires="a14">
-          <p:sp>
-            <p:nvSpPr>
-              <p:cNvPr id="13" name="Content Placeholder 12"/>
-              <p:cNvSpPr>
-                <a:spLocks noGrp="1"/>
-              </p:cNvSpPr>
-              <p:nvPr>
-                <p:ph idx="1"/>
-              </p:nvPr>
-            </p:nvSpPr>
-            <p:spPr/>
-            <p:txBody>
-              <a:bodyPr/>
-              <a:lstStyle/>
-              <a:p>
-                <a:r>
-                  <a:rPr lang="en-US" altLang="en-US" dirty="0"/>
-                  <a:t>EM tries to iteratively maximize likelihood</a:t>
-                </a:r>
-              </a:p>
-              <a:p>
-                <a:pPr lvl="1"/>
-                <a:r>
-                  <a:rPr lang="en-US" altLang="en-US" dirty="0"/>
-                  <a:t>“Complete” data likelihood: </a:t>
-                </a:r>
-                <a14:m>
-                  <m:oMath xmlns:m="http://schemas.openxmlformats.org/officeDocument/2006/math">
-                    <m:sSup>
-                      <m:sSupPr>
-                        <m:ctrlPr>
-                          <a:rPr lang="en-US" altLang="en-US" i="1" dirty="0">
-                            <a:latin typeface="Cambria Math" panose="02040503050406030204" pitchFamily="18" charset="0"/>
-                          </a:rPr>
-                        </m:ctrlPr>
-                      </m:sSupPr>
-                      <m:e>
-                        <m:r>
-                          <a:rPr lang="en-US" altLang="en-US" i="1" dirty="0">
-                            <a:latin typeface="Cambria Math"/>
-                          </a:rPr>
-                          <m:t>𝐿</m:t>
-                        </m:r>
-                      </m:e>
-                      <m:sup>
-                        <m:r>
-                          <a:rPr lang="en-US" altLang="en-US" i="1" dirty="0">
-                            <a:latin typeface="Cambria Math"/>
-                          </a:rPr>
-                          <m:t>𝑐</m:t>
-                        </m:r>
-                      </m:sup>
-                    </m:sSup>
-                    <m:d>
-                      <m:dPr>
-                        <m:ctrlPr>
-                          <a:rPr lang="en-US" altLang="en-US" i="1" dirty="0">
-                            <a:latin typeface="Cambria Math" panose="02040503050406030204" pitchFamily="18" charset="0"/>
-                          </a:rPr>
-                        </m:ctrlPr>
-                      </m:dPr>
-                      <m:e>
-                        <m:r>
-                          <a:rPr lang="en-US" altLang="en-US" i="1" dirty="0">
-                            <a:latin typeface="Cambria Math"/>
-                            <a:sym typeface="Symbol" panose="05050102010706020507" pitchFamily="18" charset="2"/>
-                          </a:rPr>
-                          <m:t>𝜃</m:t>
-                        </m:r>
-                      </m:e>
-                    </m:d>
-                    <m:r>
-                      <a:rPr lang="en-US" altLang="en-US" i="1" dirty="0">
-                        <a:latin typeface="Cambria Math"/>
-                      </a:rPr>
-                      <m:t>= </m:t>
-                    </m:r>
-                    <m:r>
-                      <m:rPr>
-                        <m:sty m:val="p"/>
-                      </m:rPr>
-                      <a:rPr lang="en-US" altLang="en-US" i="1" dirty="0">
-                        <a:latin typeface="Cambria Math"/>
-                      </a:rPr>
-                      <m:t>log</m:t>
-                    </m:r>
-                    <m:r>
-                      <a:rPr lang="en-US" altLang="en-US" dirty="0">
-                        <a:latin typeface="Cambria Math"/>
-                      </a:rPr>
-                      <m:t>𝑝</m:t>
-                    </m:r>
-                    <m:r>
-                      <a:rPr lang="en-US" altLang="en-US" dirty="0">
-                        <a:latin typeface="Cambria Math"/>
-                      </a:rPr>
-                      <m:t>(</m:t>
-                    </m:r>
-                    <m:r>
-                      <a:rPr lang="en-US" altLang="en-US" dirty="0">
-                        <a:latin typeface="Cambria Math"/>
-                      </a:rPr>
-                      <m:t>𝑋</m:t>
-                    </m:r>
-                    <m:r>
-                      <a:rPr lang="en-US" altLang="en-US" dirty="0">
-                        <a:latin typeface="Cambria Math"/>
-                      </a:rPr>
-                      <m:t>,</m:t>
-                    </m:r>
-                    <m:r>
-                      <m:rPr>
-                        <m:sty m:val="p"/>
-                      </m:rPr>
-                      <a:rPr lang="en-US" altLang="en-US" b="0" i="0" dirty="0" smtClean="0">
-                        <a:latin typeface="Cambria Math" panose="02040503050406030204" pitchFamily="18" charset="0"/>
-                      </a:rPr>
-                      <m:t>Z</m:t>
-                    </m:r>
-                    <m:r>
-                      <a:rPr lang="en-US" altLang="en-US" dirty="0">
-                        <a:latin typeface="Cambria Math"/>
-                      </a:rPr>
-                      <m:t>|</m:t>
-                    </m:r>
-                    <m:r>
-                      <a:rPr lang="en-US" altLang="en-US" dirty="0">
-                        <a:latin typeface="Cambria Math"/>
-                      </a:rPr>
-                      <m:t>𝜃</m:t>
-                    </m:r>
-                    <m:r>
-                      <a:rPr lang="en-US" altLang="en-US" dirty="0">
-                        <a:latin typeface="Cambria Math"/>
-                      </a:rPr>
-                      <m:t>)</m:t>
-                    </m:r>
-                  </m:oMath>
-                </a14:m>
-                <a:endParaRPr lang="en-US" altLang="en-US" dirty="0">
-                  <a:sym typeface="Symbol" panose="05050102010706020507" pitchFamily="18" charset="2"/>
-                </a:endParaRPr>
-              </a:p>
-              <a:p>
-                <a:pPr lvl="1"/>
-                <a:r>
-                  <a:rPr lang="en-US" altLang="en-US" dirty="0"/>
-                  <a:t>Starting from an initial guess </a:t>
-                </a:r>
-                <a:r>
-                  <a:rPr lang="en-US" altLang="en-US" dirty="0">
-                    <a:sym typeface="Symbol" panose="05050102010706020507" pitchFamily="18" charset="2"/>
-                  </a:rPr>
-                  <a:t></a:t>
-                </a:r>
-                <a:r>
-                  <a:rPr lang="en-US" altLang="en-US" baseline="30000" dirty="0"/>
-                  <a:t>(0)</a:t>
-                </a:r>
-                <a:r>
-                  <a:rPr lang="en-US" altLang="en-US" dirty="0"/>
-                  <a:t>,</a:t>
-                </a:r>
-              </a:p>
-              <a:p>
-                <a:pPr marL="1257300" lvl="2" indent="-342900">
-                  <a:buFont typeface="+mj-lt"/>
-                  <a:buAutoNum type="arabicPeriod"/>
-                </a:pPr>
-                <a:r>
-                  <a:rPr lang="en-US" altLang="en-US" b="1" dirty="0"/>
-                  <a:t>E-step</a:t>
-                </a:r>
-                <a:r>
-                  <a:rPr lang="en-US" altLang="en-US" dirty="0"/>
-                  <a:t>: compute the </a:t>
-                </a:r>
-                <a:r>
-                  <a:rPr lang="en-US" altLang="en-US" u="sng" dirty="0">
-                    <a:solidFill>
-                      <a:srgbClr val="CC0000"/>
-                    </a:solidFill>
-                  </a:rPr>
-                  <a:t>expectation</a:t>
-                </a:r>
-                <a:r>
-                  <a:rPr lang="en-US" altLang="en-US" dirty="0"/>
-                  <a:t> of the complete data likelihood</a:t>
-                </a:r>
-              </a:p>
-              <a:p>
-                <a:pPr marL="1257300" lvl="2" indent="-342900">
-                  <a:buFont typeface="+mj-lt"/>
-                  <a:buAutoNum type="arabicPeriod"/>
-                </a:pPr>
-                <a:endParaRPr lang="en-US" altLang="en-US" sz="1800" dirty="0"/>
-              </a:p>
-              <a:p>
-                <a:pPr marL="1257300" lvl="2" indent="-342900">
-                  <a:buFont typeface="+mj-lt"/>
-                  <a:buAutoNum type="arabicPeriod"/>
-                </a:pPr>
-                <a:endParaRPr lang="en-US" altLang="en-US" sz="1800" dirty="0"/>
-              </a:p>
-              <a:p>
-                <a:pPr marL="1257300" lvl="2" indent="-342900">
-                  <a:buFont typeface="+mj-lt"/>
-                  <a:buAutoNum type="arabicPeriod"/>
-                </a:pPr>
-                <a:r>
-                  <a:rPr lang="en-US" altLang="en-US" b="1" dirty="0"/>
-                  <a:t>M-step</a:t>
-                </a:r>
-                <a:r>
-                  <a:rPr lang="en-US" altLang="en-US" dirty="0"/>
-                  <a:t>: compute </a:t>
-                </a:r>
-                <a:r>
-                  <a:rPr lang="en-US" altLang="en-US" dirty="0">
-                    <a:sym typeface="Symbol" panose="05050102010706020507" pitchFamily="18" charset="2"/>
-                  </a:rPr>
-                  <a:t></a:t>
-                </a:r>
-                <a:r>
-                  <a:rPr lang="en-US" altLang="en-US" baseline="30000" dirty="0"/>
-                  <a:t>(t+1) </a:t>
-                </a:r>
-                <a:r>
-                  <a:rPr lang="en-US" altLang="en-US" dirty="0"/>
-                  <a:t>by </a:t>
-                </a:r>
-                <a:r>
-                  <a:rPr lang="en-US" altLang="en-US" u="sng" dirty="0">
-                    <a:solidFill>
-                      <a:srgbClr val="CC0000"/>
-                    </a:solidFill>
-                  </a:rPr>
-                  <a:t>maximizing</a:t>
-                </a:r>
-                <a:r>
-                  <a:rPr lang="en-US" altLang="en-US" dirty="0"/>
-                  <a:t> the Q-function</a:t>
-                </a:r>
-              </a:p>
-              <a:p>
-                <a:pPr lvl="2"/>
-                <a:endParaRPr lang="en-US" altLang="en-US" dirty="0"/>
-              </a:p>
-              <a:p>
-                <a:pPr lvl="1"/>
-                <a:endParaRPr lang="en-US" dirty="0"/>
-              </a:p>
-            </p:txBody>
-          </p:sp>
-        </mc:Choice>
-        <mc:Fallback xmlns="">
-          <p:sp>
-            <p:nvSpPr>
-              <p:cNvPr id="13" name="Content Placeholder 12"/>
-              <p:cNvSpPr>
-                <a:spLocks noGrp="1" noRot="1" noChangeAspect="1" noMove="1" noResize="1" noEditPoints="1" noAdjustHandles="1" noChangeArrowheads="1" noChangeShapeType="1" noTextEdit="1"/>
-              </p:cNvSpPr>
-              <p:nvPr>
-                <p:ph idx="1"/>
-              </p:nvPr>
-            </p:nvSpPr>
-            <p:spPr>
-              <a:blipFill>
-                <a:blip r:embed="rId2"/>
-                <a:stretch>
-                  <a:fillRect l="-1704" t="-1752" r="-667"/>
-                </a:stretch>
-              </a:blipFill>
-            </p:spPr>
-            <p:txBody>
-              <a:bodyPr/>
-              <a:lstStyle/>
-              <a:p>
-                <a:r>
-                  <a:rPr lang="en-US">
-                    <a:noFill/>
-                  </a:rPr>
-                  <a:t> </a:t>
-                </a:r>
-              </a:p>
-            </p:txBody>
-          </p:sp>
-        </mc:Fallback>
-      </mc:AlternateContent>
-      <p:sp>
-        <p:nvSpPr>
-          <p:cNvPr id="5" name="Date Placeholder 4"/>
-          <p:cNvSpPr>
-            <a:spLocks noGrp="1"/>
-          </p:cNvSpPr>
-          <p:nvPr>
-            <p:ph type="dt" sz="half" idx="10"/>
-          </p:nvPr>
-        </p:nvSpPr>
-        <p:spPr/>
-        <p:txBody>
-          <a:bodyPr/>
-          <a:lstStyle/>
-          <a:p>
-            <a:endParaRPr lang="en-US" dirty="0"/>
-          </a:p>
-        </p:txBody>
-      </p:sp>
-      <p:sp>
-        <p:nvSpPr>
-          <p:cNvPr id="6" name="Footer Placeholder 5"/>
-          <p:cNvSpPr>
-            <a:spLocks noGrp="1"/>
-          </p:cNvSpPr>
-          <p:nvPr>
-            <p:ph type="ftr" sz="quarter" idx="11"/>
-          </p:nvPr>
-        </p:nvSpPr>
-        <p:spPr/>
-        <p:txBody>
-          <a:bodyPr/>
-          <a:lstStyle/>
-          <a:p>
-            <a:endParaRPr lang="en-US" dirty="0"/>
-          </a:p>
-        </p:txBody>
-      </p:sp>
-      <p:sp>
-        <p:nvSpPr>
-          <p:cNvPr id="7" name="Slide Number Placeholder 6"/>
-          <p:cNvSpPr>
-            <a:spLocks noGrp="1"/>
-          </p:cNvSpPr>
-          <p:nvPr>
-            <p:ph type="sldNum" sz="quarter" idx="12"/>
-          </p:nvPr>
-        </p:nvSpPr>
-        <p:spPr/>
-        <p:txBody>
-          <a:bodyPr/>
-          <a:lstStyle/>
-          <a:p>
-            <a:fld id="{D4438207-9E20-42FC-82B6-02A8A94D7FE7}" type="slidenum">
-              <a:rPr lang="en-US" smtClean="0"/>
-              <a:t>30</a:t>
-            </a:fld>
-            <a:endParaRPr lang="en-US"/>
-          </a:p>
-        </p:txBody>
-      </p:sp>
-      <mc:AlternateContent xmlns:mc="http://schemas.openxmlformats.org/markup-compatibility/2006" xmlns:a14="http://schemas.microsoft.com/office/drawing/2010/main">
-        <mc:Choice Requires="a14">
-          <p:sp>
-            <p:nvSpPr>
-              <p:cNvPr id="2" name="TextBox 1"/>
-              <p:cNvSpPr txBox="1"/>
-              <p:nvPr/>
-            </p:nvSpPr>
-            <p:spPr>
-              <a:xfrm>
-                <a:off x="1101710" y="3934770"/>
-                <a:ext cx="7460889" cy="773097"/>
-              </a:xfrm>
-              <a:prstGeom prst="rect">
-                <a:avLst/>
-              </a:prstGeom>
-              <a:noFill/>
-            </p:spPr>
-            <p:txBody>
-              <a:bodyPr wrap="none" rtlCol="0">
-                <a:spAutoFit/>
-              </a:bodyPr>
-              <a:lstStyle/>
-              <a:p>
-                <a:pPr/>
-                <a14:m>
-                  <m:oMathPara xmlns:m="http://schemas.openxmlformats.org/officeDocument/2006/math">
-                    <m:oMathParaPr>
-                      <m:jc m:val="centerGroup"/>
-                    </m:oMathParaPr>
-                    <m:oMath xmlns:m="http://schemas.openxmlformats.org/officeDocument/2006/math">
-                      <m:r>
-                        <a:rPr lang="en-US" sz="2400" b="0" i="1" smtClean="0">
-                          <a:latin typeface="Cambria Math"/>
-                        </a:rPr>
-                        <m:t>𝑄</m:t>
-                      </m:r>
-                      <m:d>
-                        <m:dPr>
-                          <m:ctrlPr>
-                            <a:rPr lang="en-US" sz="2400" b="0" i="1" smtClean="0">
-                              <a:latin typeface="Cambria Math" panose="02040503050406030204" pitchFamily="18" charset="0"/>
-                            </a:rPr>
-                          </m:ctrlPr>
-                        </m:dPr>
-                        <m:e>
-                          <m:r>
-                            <a:rPr lang="en-US" sz="2400" b="0" i="1" smtClean="0">
-                              <a:latin typeface="Cambria Math"/>
-                            </a:rPr>
-                            <m:t>𝜃</m:t>
-                          </m:r>
-                          <m:r>
-                            <a:rPr lang="en-US" sz="2400" b="0" i="1" smtClean="0">
-                              <a:latin typeface="Cambria Math"/>
-                            </a:rPr>
-                            <m:t>;</m:t>
-                          </m:r>
-                          <m:sSup>
-                            <m:sSupPr>
-                              <m:ctrlPr>
-                                <a:rPr lang="en-US" sz="2400" b="0" i="1" smtClean="0">
-                                  <a:latin typeface="Cambria Math" panose="02040503050406030204" pitchFamily="18" charset="0"/>
-                                </a:rPr>
-                              </m:ctrlPr>
-                            </m:sSupPr>
-                            <m:e>
-                              <m:r>
-                                <a:rPr lang="en-US" sz="2400" b="0" i="1" smtClean="0">
-                                  <a:latin typeface="Cambria Math"/>
-                                </a:rPr>
-                                <m:t>𝜃</m:t>
-                              </m:r>
-                            </m:e>
-                            <m:sup>
-                              <m:r>
-                                <a:rPr lang="en-US" sz="2400" b="0" i="1" smtClean="0">
-                                  <a:latin typeface="Cambria Math"/>
-                                </a:rPr>
-                                <m:t>𝑡</m:t>
-                              </m:r>
-                            </m:sup>
-                          </m:sSup>
-                        </m:e>
-                      </m:d>
-                      <m:r>
-                        <a:rPr lang="en-US" sz="2400" b="0" i="0" smtClean="0">
-                          <a:latin typeface="Cambria Math"/>
-                        </a:rPr>
-                        <m:t>=</m:t>
-                      </m:r>
-                      <m:sSub>
-                        <m:sSubPr>
-                          <m:ctrlPr>
-                            <a:rPr lang="en-US" sz="2400" b="0" i="1" smtClean="0">
-                              <a:latin typeface="Cambria Math" panose="02040503050406030204" pitchFamily="18" charset="0"/>
-                            </a:rPr>
-                          </m:ctrlPr>
-                        </m:sSubPr>
-                        <m:e>
-                          <m:r>
-                            <m:rPr>
-                              <m:sty m:val="p"/>
-                            </m:rPr>
-                            <a:rPr lang="en-US" sz="2400" b="0" i="0" smtClean="0">
-                              <a:latin typeface="Cambria Math"/>
-                            </a:rPr>
-                            <m:t>E</m:t>
-                          </m:r>
-                        </m:e>
-                        <m:sub>
-                          <m:sSup>
-                            <m:sSupPr>
-                              <m:ctrlPr>
-                                <a:rPr lang="en-US" sz="2400" b="0" i="1" smtClean="0">
-                                  <a:latin typeface="Cambria Math" panose="02040503050406030204" pitchFamily="18" charset="0"/>
-                                </a:rPr>
-                              </m:ctrlPr>
-                            </m:sSupPr>
-                            <m:e>
-                              <m:r>
-                                <a:rPr lang="en-US" sz="2400" b="0" i="1" smtClean="0">
-                                  <a:latin typeface="Cambria Math" panose="02040503050406030204" pitchFamily="18" charset="0"/>
-                                </a:rPr>
-                                <m:t>𝑍</m:t>
-                              </m:r>
-                              <m:r>
-                                <a:rPr lang="en-US" sz="2400" b="0" i="1" smtClean="0">
-                                  <a:latin typeface="Cambria Math"/>
-                                </a:rPr>
-                                <m:t>|</m:t>
-                              </m:r>
-                              <m:r>
-                                <a:rPr lang="en-US" sz="2400" b="0" i="1" smtClean="0">
-                                  <a:latin typeface="Cambria Math"/>
-                                </a:rPr>
-                                <m:t>𝑋</m:t>
-                              </m:r>
-                              <m:r>
-                                <a:rPr lang="en-US" sz="2400" b="0" i="1" smtClean="0">
-                                  <a:latin typeface="Cambria Math"/>
-                                </a:rPr>
-                                <m:t>,</m:t>
-                              </m:r>
-                              <m:r>
-                                <a:rPr lang="en-US" sz="2400" b="0" i="1" smtClean="0">
-                                  <a:latin typeface="Cambria Math"/>
-                                </a:rPr>
-                                <m:t>𝜃</m:t>
-                              </m:r>
-                            </m:e>
-                            <m:sup>
-                              <m:r>
-                                <a:rPr lang="en-US" sz="2400" b="0" i="1" smtClean="0">
-                                  <a:latin typeface="Cambria Math"/>
-                                </a:rPr>
-                                <m:t>𝑡</m:t>
-                              </m:r>
-                            </m:sup>
-                          </m:sSup>
-                        </m:sub>
-                      </m:sSub>
-                      <m:d>
-                        <m:dPr>
-                          <m:begChr m:val="["/>
-                          <m:endChr m:val="]"/>
-                          <m:ctrlPr>
-                            <a:rPr lang="en-US" sz="2400" b="0" i="1" smtClean="0">
-                              <a:latin typeface="Cambria Math" panose="02040503050406030204" pitchFamily="18" charset="0"/>
-                            </a:rPr>
-                          </m:ctrlPr>
-                        </m:dPr>
-                        <m:e>
-                          <m:sSup>
-                            <m:sSupPr>
-                              <m:ctrlPr>
-                                <a:rPr lang="en-US" sz="2400" b="0" i="1" smtClean="0">
-                                  <a:latin typeface="Cambria Math" panose="02040503050406030204" pitchFamily="18" charset="0"/>
-                                </a:rPr>
-                              </m:ctrlPr>
-                            </m:sSupPr>
-                            <m:e>
-                              <m:r>
-                                <a:rPr lang="en-US" sz="2400" b="0" i="1" smtClean="0">
-                                  <a:latin typeface="Cambria Math"/>
-                                </a:rPr>
-                                <m:t>𝐿</m:t>
-                              </m:r>
-                            </m:e>
-                            <m:sup>
-                              <m:r>
-                                <a:rPr lang="en-US" sz="2400" b="0" i="1" smtClean="0">
-                                  <a:latin typeface="Cambria Math"/>
-                                </a:rPr>
-                                <m:t>𝑐</m:t>
-                              </m:r>
-                            </m:sup>
-                          </m:sSup>
-                          <m:d>
-                            <m:dPr>
-                              <m:ctrlPr>
-                                <a:rPr lang="en-US" sz="2400" b="0" i="1" smtClean="0">
-                                  <a:latin typeface="Cambria Math" panose="02040503050406030204" pitchFamily="18" charset="0"/>
-                                </a:rPr>
-                              </m:ctrlPr>
-                            </m:dPr>
-                            <m:e>
-                              <m:r>
-                                <a:rPr lang="en-US" sz="2400" b="0" i="1" smtClean="0">
-                                  <a:latin typeface="Cambria Math"/>
-                                </a:rPr>
-                                <m:t>𝜃</m:t>
-                              </m:r>
-                            </m:e>
-                          </m:d>
-                        </m:e>
-                      </m:d>
-                      <m:r>
-                        <a:rPr lang="en-US" sz="2400" b="0" i="1" smtClean="0">
-                          <a:latin typeface="Cambria Math"/>
-                        </a:rPr>
-                        <m:t>=</m:t>
-                      </m:r>
-                      <m:nary>
-                        <m:naryPr>
-                          <m:chr m:val="∑"/>
-                          <m:limLoc m:val="subSup"/>
-                          <m:supHide m:val="on"/>
-                          <m:ctrlPr>
-                            <a:rPr lang="en-US" sz="2400" b="0" i="1" smtClean="0">
-                              <a:latin typeface="Cambria Math" panose="02040503050406030204" pitchFamily="18" charset="0"/>
-                            </a:rPr>
-                          </m:ctrlPr>
-                        </m:naryPr>
-                        <m:sub>
-                          <m:r>
-                            <m:rPr>
-                              <m:brk m:alnAt="9"/>
-                            </m:rPr>
-                            <a:rPr lang="en-US" sz="2400" b="0" i="1" smtClean="0">
-                              <a:latin typeface="Cambria Math" panose="02040503050406030204" pitchFamily="18" charset="0"/>
-                            </a:rPr>
-                            <m:t>𝑍</m:t>
-                          </m:r>
-                        </m:sub>
-                        <m:sup/>
-                        <m:e>
-                          <m:r>
-                            <a:rPr lang="en-US" sz="2400" i="1" smtClean="0">
-                              <a:latin typeface="Cambria Math"/>
-                            </a:rPr>
-                            <m:t>𝑝</m:t>
-                          </m:r>
-                          <m:d>
-                            <m:dPr>
-                              <m:ctrlPr>
-                                <a:rPr lang="en-US" sz="2400" i="1">
-                                  <a:latin typeface="Cambria Math" panose="02040503050406030204" pitchFamily="18" charset="0"/>
-                                </a:rPr>
-                              </m:ctrlPr>
-                            </m:dPr>
-                            <m:e>
-                              <m:r>
-                                <a:rPr lang="en-US" sz="2400" b="0" i="1" smtClean="0">
-                                  <a:latin typeface="Cambria Math" panose="02040503050406030204" pitchFamily="18" charset="0"/>
-                                </a:rPr>
-                                <m:t>𝑍</m:t>
-                              </m:r>
-                            </m:e>
-                            <m:e>
-                              <m:r>
-                                <a:rPr lang="en-US" sz="2400" i="1">
-                                  <a:latin typeface="Cambria Math"/>
-                                </a:rPr>
-                                <m:t>𝑋</m:t>
-                              </m:r>
-                              <m:r>
-                                <a:rPr lang="en-US" sz="2400" i="1">
-                                  <a:latin typeface="Cambria Math"/>
-                                </a:rPr>
-                                <m:t>,</m:t>
-                              </m:r>
-                              <m:sSup>
-                                <m:sSupPr>
-                                  <m:ctrlPr>
-                                    <a:rPr lang="en-US" sz="2400" i="1">
-                                      <a:latin typeface="Cambria Math" panose="02040503050406030204" pitchFamily="18" charset="0"/>
-                                    </a:rPr>
-                                  </m:ctrlPr>
-                                </m:sSupPr>
-                                <m:e>
-                                  <m:r>
-                                    <a:rPr lang="en-US" sz="2400" i="1">
-                                      <a:latin typeface="Cambria Math"/>
-                                    </a:rPr>
-                                    <m:t>𝜃</m:t>
-                                  </m:r>
-                                </m:e>
-                                <m:sup>
-                                  <m:r>
-                                    <a:rPr lang="en-US" sz="2400" b="0" i="1" smtClean="0">
-                                      <a:latin typeface="Cambria Math"/>
-                                    </a:rPr>
-                                    <m:t>𝑡</m:t>
-                                  </m:r>
-                                </m:sup>
-                              </m:sSup>
-                            </m:e>
-                          </m:d>
-                          <m:r>
-                            <m:rPr>
-                              <m:sty m:val="p"/>
-                            </m:rPr>
-                            <a:rPr lang="en-US" sz="2400">
-                              <a:latin typeface="Cambria Math"/>
-                            </a:rPr>
-                            <m:t>log</m:t>
-                          </m:r>
-                          <m:r>
-                            <a:rPr lang="en-US" sz="2400" b="0" i="0" smtClean="0">
-                              <a:latin typeface="Cambria Math"/>
-                            </a:rPr>
-                            <m:t> </m:t>
-                          </m:r>
-                          <m:r>
-                            <m:rPr>
-                              <m:sty m:val="p"/>
-                            </m:rPr>
-                            <a:rPr lang="en-US" sz="2400" b="0" i="0" smtClean="0">
-                              <a:latin typeface="Cambria Math"/>
-                            </a:rPr>
-                            <m:t>p</m:t>
-                          </m:r>
-                          <m:d>
-                            <m:dPr>
-                              <m:ctrlPr>
-                                <a:rPr lang="en-US" sz="2400" b="0" i="1" smtClean="0">
-                                  <a:latin typeface="Cambria Math" panose="02040503050406030204" pitchFamily="18" charset="0"/>
-                                </a:rPr>
-                              </m:ctrlPr>
-                            </m:dPr>
-                            <m:e>
-                              <m:r>
-                                <m:rPr>
-                                  <m:sty m:val="p"/>
-                                </m:rPr>
-                                <a:rPr lang="en-US" sz="2400" b="0" i="0" smtClean="0">
-                                  <a:latin typeface="Cambria Math"/>
-                                </a:rPr>
-                                <m:t>X</m:t>
-                              </m:r>
-                              <m:r>
-                                <a:rPr lang="en-US" sz="2400" b="0" i="0" smtClean="0">
-                                  <a:latin typeface="Cambria Math"/>
-                                </a:rPr>
-                                <m:t>,</m:t>
-                              </m:r>
-                              <m:r>
-                                <m:rPr>
-                                  <m:sty m:val="p"/>
-                                </m:rPr>
-                                <a:rPr lang="en-US" sz="2400" b="0" i="0" smtClean="0">
-                                  <a:latin typeface="Cambria Math" panose="02040503050406030204" pitchFamily="18" charset="0"/>
-                                </a:rPr>
-                                <m:t>Z</m:t>
-                              </m:r>
-                            </m:e>
-                            <m:e>
-                              <m:r>
-                                <a:rPr lang="en-US" sz="2400" b="0" i="1" smtClean="0">
-                                  <a:latin typeface="Cambria Math" panose="02040503050406030204" pitchFamily="18" charset="0"/>
-                                </a:rPr>
-                                <m:t>𝜃</m:t>
-                              </m:r>
-                            </m:e>
-                          </m:d>
-                        </m:e>
-                      </m:nary>
-                    </m:oMath>
-                  </m:oMathPara>
-                </a14:m>
-                <a:endParaRPr lang="en-US" sz="2400" dirty="0"/>
-              </a:p>
-            </p:txBody>
-          </p:sp>
-        </mc:Choice>
-        <mc:Fallback xmlns="">
-          <p:sp>
-            <p:nvSpPr>
-              <p:cNvPr id="2" name="TextBox 1"/>
-              <p:cNvSpPr txBox="1">
-                <a:spLocks noRot="1" noChangeAspect="1" noMove="1" noResize="1" noEditPoints="1" noAdjustHandles="1" noChangeArrowheads="1" noChangeShapeType="1" noTextEdit="1"/>
-              </p:cNvSpPr>
-              <p:nvPr/>
-            </p:nvSpPr>
-            <p:spPr>
-              <a:xfrm>
-                <a:off x="1101710" y="3934770"/>
-                <a:ext cx="7460889" cy="773097"/>
-              </a:xfrm>
-              <a:prstGeom prst="rect">
-                <a:avLst/>
-              </a:prstGeom>
-              <a:blipFill rotWithShape="0">
-                <a:blip r:embed="rId3"/>
-                <a:stretch>
-                  <a:fillRect/>
-                </a:stretch>
-              </a:blipFill>
-            </p:spPr>
-            <p:txBody>
-              <a:bodyPr/>
-              <a:lstStyle/>
-              <a:p>
-                <a:r>
-                  <a:rPr lang="en-US">
-                    <a:noFill/>
-                  </a:rPr>
-                  <a:t> </a:t>
-                </a:r>
-              </a:p>
-            </p:txBody>
-          </p:sp>
-        </mc:Fallback>
-      </mc:AlternateContent>
-      <mc:AlternateContent xmlns:mc="http://schemas.openxmlformats.org/markup-compatibility/2006" xmlns:a14="http://schemas.microsoft.com/office/drawing/2010/main">
-        <mc:Choice Requires="a14">
-          <p:sp>
-            <p:nvSpPr>
-              <p:cNvPr id="12" name="TextBox 11"/>
-              <p:cNvSpPr txBox="1"/>
-              <p:nvPr/>
-            </p:nvSpPr>
-            <p:spPr>
-              <a:xfrm>
-                <a:off x="1524000" y="5186183"/>
-                <a:ext cx="3612527" cy="461665"/>
-              </a:xfrm>
-              <a:prstGeom prst="rect">
-                <a:avLst/>
-              </a:prstGeom>
-              <a:noFill/>
-            </p:spPr>
-            <p:txBody>
-              <a:bodyPr wrap="none" rtlCol="0">
-                <a:spAutoFit/>
-              </a:bodyPr>
-              <a:lstStyle/>
-              <a:p>
-                <a:pPr/>
-                <a14:m>
-                  <m:oMathPara xmlns:m="http://schemas.openxmlformats.org/officeDocument/2006/math">
-                    <m:oMathParaPr>
-                      <m:jc m:val="centerGroup"/>
-                    </m:oMathParaPr>
-                    <m:oMath xmlns:m="http://schemas.openxmlformats.org/officeDocument/2006/math">
-                      <m:sSup>
-                        <m:sSupPr>
-                          <m:ctrlPr>
-                            <a:rPr lang="en-US" sz="2400" b="0" i="1" smtClean="0">
-                              <a:latin typeface="Cambria Math" panose="02040503050406030204" pitchFamily="18" charset="0"/>
-                            </a:rPr>
-                          </m:ctrlPr>
-                        </m:sSupPr>
-                        <m:e>
-                          <m:r>
-                            <a:rPr lang="en-US" sz="2400" b="0" i="1" smtClean="0">
-                              <a:latin typeface="Cambria Math"/>
-                            </a:rPr>
-                            <m:t>𝜃</m:t>
-                          </m:r>
-                        </m:e>
-                        <m:sup>
-                          <m:r>
-                            <a:rPr lang="en-US" sz="2400" b="0" i="1" smtClean="0">
-                              <a:latin typeface="Cambria Math"/>
-                            </a:rPr>
-                            <m:t>𝑡</m:t>
-                          </m:r>
-                          <m:r>
-                            <a:rPr lang="en-US" sz="2400" b="0" i="1" smtClean="0">
-                              <a:latin typeface="Cambria Math"/>
-                            </a:rPr>
-                            <m:t>+1</m:t>
-                          </m:r>
-                        </m:sup>
-                      </m:sSup>
-                      <m:r>
-                        <a:rPr lang="en-US" sz="2400" b="0" i="1" smtClean="0">
-                          <a:latin typeface="Cambria Math"/>
-                        </a:rPr>
-                        <m:t>=</m:t>
-                      </m:r>
-                      <m:r>
-                        <a:rPr lang="en-US" sz="2400" b="0" i="1" smtClean="0">
-                          <a:latin typeface="Cambria Math"/>
-                        </a:rPr>
-                        <m:t>𝑎𝑟𝑔𝑚𝑎</m:t>
-                      </m:r>
-                      <m:sSub>
-                        <m:sSubPr>
-                          <m:ctrlPr>
-                            <a:rPr lang="en-US" sz="2400" b="0" i="1" smtClean="0">
-                              <a:latin typeface="Cambria Math" panose="02040503050406030204" pitchFamily="18" charset="0"/>
-                            </a:rPr>
-                          </m:ctrlPr>
-                        </m:sSubPr>
-                        <m:e>
-                          <m:r>
-                            <a:rPr lang="en-US" sz="2400" b="0" i="1" smtClean="0">
-                              <a:latin typeface="Cambria Math"/>
-                            </a:rPr>
-                            <m:t>𝑥</m:t>
-                          </m:r>
-                        </m:e>
-                        <m:sub>
-                          <m:r>
-                            <a:rPr lang="en-US" sz="2400" b="0" i="1" smtClean="0">
-                              <a:latin typeface="Cambria Math"/>
-                            </a:rPr>
-                            <m:t>𝜃</m:t>
-                          </m:r>
-                        </m:sub>
-                      </m:sSub>
-                      <m:r>
-                        <a:rPr lang="en-US" sz="2400" b="0" i="1" smtClean="0">
-                          <a:latin typeface="Cambria Math"/>
-                        </a:rPr>
-                        <m:t>𝑄</m:t>
-                      </m:r>
-                      <m:d>
-                        <m:dPr>
-                          <m:ctrlPr>
-                            <a:rPr lang="en-US" sz="2400" b="0" i="1" smtClean="0">
-                              <a:latin typeface="Cambria Math" panose="02040503050406030204" pitchFamily="18" charset="0"/>
-                            </a:rPr>
-                          </m:ctrlPr>
-                        </m:dPr>
-                        <m:e>
-                          <m:r>
-                            <a:rPr lang="en-US" sz="2400" b="0" i="1" smtClean="0">
-                              <a:latin typeface="Cambria Math"/>
-                            </a:rPr>
-                            <m:t>𝜃</m:t>
-                          </m:r>
-                          <m:r>
-                            <a:rPr lang="en-US" sz="2400" b="0" i="1" smtClean="0">
-                              <a:latin typeface="Cambria Math"/>
-                            </a:rPr>
-                            <m:t>;</m:t>
-                          </m:r>
-                          <m:sSup>
-                            <m:sSupPr>
-                              <m:ctrlPr>
-                                <a:rPr lang="en-US" sz="2400" b="0" i="1" smtClean="0">
-                                  <a:latin typeface="Cambria Math" panose="02040503050406030204" pitchFamily="18" charset="0"/>
-                                </a:rPr>
-                              </m:ctrlPr>
-                            </m:sSupPr>
-                            <m:e>
-                              <m:r>
-                                <a:rPr lang="en-US" sz="2400" b="0" i="1" smtClean="0">
-                                  <a:latin typeface="Cambria Math"/>
-                                </a:rPr>
-                                <m:t>𝜃</m:t>
-                              </m:r>
-                            </m:e>
-                            <m:sup>
-                              <m:r>
-                                <a:rPr lang="en-US" sz="2400" b="0" i="1" smtClean="0">
-                                  <a:latin typeface="Cambria Math"/>
-                                </a:rPr>
-                                <m:t>𝑡</m:t>
-                              </m:r>
-                            </m:sup>
-                          </m:sSup>
-                        </m:e>
-                      </m:d>
-                    </m:oMath>
-                  </m:oMathPara>
-                </a14:m>
-                <a:endParaRPr lang="en-US" sz="2400" dirty="0"/>
-              </a:p>
-            </p:txBody>
-          </p:sp>
-        </mc:Choice>
-        <mc:Fallback xmlns="">
-          <p:sp>
-            <p:nvSpPr>
-              <p:cNvPr id="12" name="TextBox 11"/>
-              <p:cNvSpPr txBox="1">
-                <a:spLocks noRot="1" noChangeAspect="1" noMove="1" noResize="1" noEditPoints="1" noAdjustHandles="1" noChangeArrowheads="1" noChangeShapeType="1" noTextEdit="1"/>
-              </p:cNvSpPr>
-              <p:nvPr/>
-            </p:nvSpPr>
-            <p:spPr>
-              <a:xfrm>
-                <a:off x="1524000" y="5186183"/>
-                <a:ext cx="3612527" cy="461665"/>
-              </a:xfrm>
-              <a:prstGeom prst="rect">
-                <a:avLst/>
-              </a:prstGeom>
-              <a:blipFill rotWithShape="0">
-                <a:blip r:embed="rId4"/>
-                <a:stretch>
-                  <a:fillRect b="-13333"/>
-                </a:stretch>
-              </a:blipFill>
-            </p:spPr>
-            <p:txBody>
-              <a:bodyPr/>
-              <a:lstStyle/>
-              <a:p>
-                <a:r>
-                  <a:rPr lang="en-US">
-                    <a:noFill/>
-                  </a:rPr>
-                  <a:t> </a:t>
-                </a:r>
-              </a:p>
-            </p:txBody>
-          </p:sp>
-        </mc:Fallback>
-      </mc:AlternateContent>
-      <p:grpSp>
-        <p:nvGrpSpPr>
-          <p:cNvPr id="3" name="Group 2"/>
-          <p:cNvGrpSpPr/>
-          <p:nvPr/>
-        </p:nvGrpSpPr>
-        <p:grpSpPr>
-          <a:xfrm>
-            <a:off x="5322432" y="4484109"/>
-            <a:ext cx="2667000" cy="1066800"/>
-            <a:chOff x="4724400" y="4419600"/>
-            <a:chExt cx="2667000" cy="1066800"/>
-          </a:xfrm>
-        </p:grpSpPr>
-        <p:cxnSp>
-          <p:nvCxnSpPr>
-            <p:cNvPr id="8" name="Straight Connector 7"/>
-            <p:cNvCxnSpPr/>
-            <p:nvPr/>
-          </p:nvCxnSpPr>
-          <p:spPr>
-            <a:xfrm>
-              <a:off x="4724400" y="4419600"/>
-              <a:ext cx="1610300" cy="0"/>
-            </a:xfrm>
-            <a:prstGeom prst="line">
-              <a:avLst/>
-            </a:prstGeom>
-            <a:ln w="28575">
-              <a:solidFill>
-                <a:srgbClr val="FF0000"/>
-              </a:solidFill>
-              <a:prstDash val="dash"/>
-            </a:ln>
-          </p:spPr>
-          <p:style>
-            <a:lnRef idx="1">
-              <a:schemeClr val="accent1"/>
-            </a:lnRef>
-            <a:fillRef idx="0">
-              <a:schemeClr val="accent1"/>
-            </a:fillRef>
-            <a:effectRef idx="0">
-              <a:schemeClr val="accent1"/>
-            </a:effectRef>
-            <a:fontRef idx="minor">
-              <a:schemeClr val="tx1"/>
-            </a:fontRef>
-          </p:style>
-        </p:cxnSp>
-        <p:sp>
-          <p:nvSpPr>
-            <p:cNvPr id="9" name="TextBox 8"/>
-            <p:cNvSpPr txBox="1"/>
-            <p:nvPr/>
-          </p:nvSpPr>
-          <p:spPr>
-            <a:xfrm>
-              <a:off x="6096000" y="5117068"/>
-              <a:ext cx="1295400" cy="369332"/>
-            </a:xfrm>
-            <a:prstGeom prst="rect">
-              <a:avLst/>
-            </a:prstGeom>
-            <a:noFill/>
-          </p:spPr>
-          <p:txBody>
-            <a:bodyPr wrap="square" rtlCol="0">
-              <a:spAutoFit/>
-            </a:bodyPr>
-            <a:lstStyle/>
-            <a:p>
-              <a:r>
-                <a:rPr lang="en-US" b="1" i="1" dirty="0"/>
-                <a:t>Key step!</a:t>
-              </a:r>
-            </a:p>
-          </p:txBody>
-        </p:sp>
-        <p:cxnSp>
-          <p:nvCxnSpPr>
-            <p:cNvPr id="11" name="Straight Arrow Connector 10"/>
-            <p:cNvCxnSpPr/>
-            <p:nvPr/>
-          </p:nvCxnSpPr>
-          <p:spPr>
-            <a:xfrm flipH="1" flipV="1">
-              <a:off x="6255400" y="4419600"/>
-              <a:ext cx="347950" cy="736342"/>
-            </a:xfrm>
-            <a:prstGeom prst="straightConnector1">
-              <a:avLst/>
-            </a:prstGeom>
-            <a:ln w="19050">
-              <a:solidFill>
-                <a:srgbClr val="FF0000"/>
-              </a:solidFill>
-              <a:tailEnd type="arrow"/>
-            </a:ln>
-          </p:spPr>
-          <p:style>
-            <a:lnRef idx="1">
-              <a:schemeClr val="accent1"/>
-            </a:lnRef>
-            <a:fillRef idx="0">
-              <a:schemeClr val="accent1"/>
-            </a:fillRef>
-            <a:effectRef idx="0">
-              <a:schemeClr val="accent1"/>
-            </a:effectRef>
-            <a:fontRef idx="minor">
-              <a:schemeClr val="tx1"/>
-            </a:fontRef>
-          </p:style>
-        </p:cxnSp>
-      </p:grpSp>
-    </p:spTree>
-    <p:extLst>
-      <p:ext uri="{BB962C8B-B14F-4D97-AF65-F5344CB8AC3E}">
-        <p14:creationId xmlns:p14="http://schemas.microsoft.com/office/powerpoint/2010/main" val="532591288"/>
-      </p:ext>
-    </p:extLst>
-  </p:cSld>
-  <p:clrMapOvr>
-    <a:masterClrMapping/>
-  </p:clrMapOvr>
-  <p:timing>
-    <p:tnLst>
-      <p:par>
-        <p:cTn id="1" dur="indefinite" restart="never" nodeType="tmRoot">
-          <p:childTnLst>
-            <p:seq concurrent="1" nextAc="seek">
-              <p:cTn id="2" dur="indefinite" nodeType="mainSeq">
-                <p:childTnLst>
-                  <p:par>
-                    <p:cTn id="3" fill="hold">
-                      <p:stCondLst>
-                        <p:cond delay="indefinite"/>
-                      </p:stCondLst>
-                      <p:childTnLst>
-                        <p:par>
-                          <p:cTn id="4" fill="hold">
-                            <p:stCondLst>
-                              <p:cond delay="0"/>
-                            </p:stCondLst>
-                            <p:childTnLst>
-                              <p:par>
-                                <p:cTn id="5" presetID="1" presetClass="entr" presetSubtype="0" fill="hold" nodeType="clickEffect">
-                                  <p:stCondLst>
-                                    <p:cond delay="0"/>
-                                  </p:stCondLst>
-                                  <p:childTnLst>
-                                    <p:set>
-                                      <p:cBhvr>
-                                        <p:cTn id="6" dur="1" fill="hold">
-                                          <p:stCondLst>
-                                            <p:cond delay="0"/>
-                                          </p:stCondLst>
-                                        </p:cTn>
-                                        <p:tgtEl>
-                                          <p:spTgt spid="3"/>
-                                        </p:tgtEl>
-                                        <p:attrNameLst>
-                                          <p:attrName>style.visibility</p:attrName>
-                                        </p:attrNameLst>
-                                      </p:cBhvr>
-                                      <p:to>
-                                        <p:strVal val="visible"/>
-                                      </p:to>
-                                    </p:set>
-                                  </p:childTnLst>
-                                </p:cTn>
-                              </p:par>
-                            </p:childTnLst>
-                          </p:cTn>
-                        </p:par>
-                      </p:childTnLst>
-                    </p:cTn>
-                  </p:par>
-                </p:childTnLst>
-              </p:cTn>
-              <p:prevCondLst>
-                <p:cond evt="onPrev" delay="0">
-                  <p:tgtEl>
-                    <p:sldTgt/>
-                  </p:tgtEl>
-                </p:cond>
-              </p:prevCondLst>
-              <p:nextCondLst>
-                <p:cond evt="onNext" delay="0">
-                  <p:tgtEl>
-                    <p:sldTgt/>
-                  </p:tgtEl>
-                </p:cond>
-              </p:nextCondLst>
-            </p:seq>
-          </p:childTnLst>
-        </p:cTn>
-      </p:par>
-    </p:tnLst>
-  </p:timing>
-</p:sld>
-</file>
-
-<file path=ppt/slides/slide31.xml><?xml version="1.0" encoding="utf-8"?>
-<p:sld xmlns:a="http://schemas.openxmlformats.org/drawingml/2006/main" xmlns:r="http://schemas.openxmlformats.org/officeDocument/2006/relationships" xmlns:p="http://schemas.openxmlformats.org/presentationml/2006/main">
-  <p:cSld>
-    <p:spTree>
-      <p:nvGrpSpPr>
-        <p:cNvPr id="1" name=""/>
-        <p:cNvGrpSpPr/>
-        <p:nvPr/>
-      </p:nvGrpSpPr>
-      <p:grpSpPr>
-        <a:xfrm>
-          <a:off x="0" y="0"/>
-          <a:ext cx="0" cy="0"/>
-          <a:chOff x="0" y="0"/>
-          <a:chExt cx="0" cy="0"/>
-        </a:xfrm>
-      </p:grpSpPr>
-      <p:sp>
-        <p:nvSpPr>
           <p:cNvPr id="91138" name="Slide Number Placeholder 5"/>
           <p:cNvSpPr>
             <a:spLocks noGrp="1"/>
@@ -27652,7 +26634,7 @@
             <a:fld id="{87609FA8-9FC5-4BB7-93A4-52C6D4E75633}" type="slidenum">
               <a:rPr lang="en-US" altLang="en-US" sz="1400" b="0"/>
               <a:pPr/>
-              <a:t>31</a:t>
+              <a:t>30</a:t>
             </a:fld>
             <a:endParaRPr lang="en-US" altLang="en-US" sz="1400" b="0"/>
           </a:p>
@@ -29611,7 +28593,7 @@
 </p:sld>
 </file>
 
-<file path=ppt/slides/slide32.xml><?xml version="1.0" encoding="utf-8"?>
+<file path=ppt/slides/slide31.xml><?xml version="1.0" encoding="utf-8"?>
 <p:sld xmlns:a="http://schemas.openxmlformats.org/drawingml/2006/main" xmlns:r="http://schemas.openxmlformats.org/officeDocument/2006/relationships" xmlns:p="http://schemas.openxmlformats.org/presentationml/2006/main">
   <p:cSld>
     <p:spTree>
@@ -29727,7 +28709,7 @@
           <a:p>
             <a:fld id="{D4438207-9E20-42FC-82B6-02A8A94D7FE7}" type="slidenum">
               <a:rPr lang="en-US" smtClean="0"/>
-              <a:t>32</a:t>
+              <a:t>31</a:t>
             </a:fld>
             <a:endParaRPr lang="en-US"/>
           </a:p>
@@ -32515,7 +31497,7 @@
 </p:sld>
 </file>
 
-<file path=ppt/slides/slide33.xml><?xml version="1.0" encoding="utf-8"?>
+<file path=ppt/slides/slide32.xml><?xml version="1.0" encoding="utf-8"?>
 <p:sld xmlns:a="http://schemas.openxmlformats.org/drawingml/2006/main" xmlns:r="http://schemas.openxmlformats.org/officeDocument/2006/relationships" xmlns:p="http://schemas.openxmlformats.org/presentationml/2006/main">
   <p:cSld>
     <p:spTree>
@@ -33096,7 +32078,7 @@
           <a:p>
             <a:fld id="{D4438207-9E20-42FC-82B6-02A8A94D7FE7}" type="slidenum">
               <a:rPr lang="en-US" smtClean="0"/>
-              <a:t>33</a:t>
+              <a:t>32</a:t>
             </a:fld>
             <a:endParaRPr lang="en-US"/>
           </a:p>
@@ -33278,7 +32260,7 @@
 </p:sld>
 </file>
 
-<file path=ppt/slides/slide34.xml><?xml version="1.0" encoding="utf-8"?>
+<file path=ppt/slides/slide33.xml><?xml version="1.0" encoding="utf-8"?>
 <p:sld xmlns:a="http://schemas.openxmlformats.org/drawingml/2006/main" xmlns:r="http://schemas.openxmlformats.org/officeDocument/2006/relationships" xmlns:p="http://schemas.openxmlformats.org/presentationml/2006/main">
   <p:cSld>
     <p:spTree>
@@ -33736,7 +32718,7 @@
           <a:p>
             <a:fld id="{64B9C3A9-27DF-40B5-9FC7-1DF96985BC5A}" type="slidenum">
               <a:rPr lang="en-US" smtClean="0"/>
-              <a:t>34</a:t>
+              <a:t>33</a:t>
             </a:fld>
             <a:endParaRPr lang="en-US"/>
           </a:p>
@@ -35206,7 +34188,7 @@
 </p:sld>
 </file>
 
-<file path=ppt/slides/slide35.xml><?xml version="1.0" encoding="utf-8"?>
+<file path=ppt/slides/slide34.xml><?xml version="1.0" encoding="utf-8"?>
 <p:sld xmlns:a="http://schemas.openxmlformats.org/drawingml/2006/main" xmlns:r="http://schemas.openxmlformats.org/officeDocument/2006/relationships" xmlns:p="http://schemas.openxmlformats.org/presentationml/2006/main">
   <p:cSld>
     <p:spTree>
@@ -35342,7 +34324,7 @@
           <a:p>
             <a:fld id="{64B9C3A9-27DF-40B5-9FC7-1DF96985BC5A}" type="slidenum">
               <a:rPr lang="en-US" smtClean="0"/>
-              <a:t>35</a:t>
+              <a:t>34</a:t>
             </a:fld>
             <a:endParaRPr lang="en-US"/>
           </a:p>
@@ -35473,7 +34455,7 @@
 </p:sld>
 </file>
 
-<file path=ppt/slides/slide36.xml><?xml version="1.0" encoding="utf-8"?>
+<file path=ppt/slides/slide35.xml><?xml version="1.0" encoding="utf-8"?>
 <p:sld xmlns:a="http://schemas.openxmlformats.org/drawingml/2006/main" xmlns:r="http://schemas.openxmlformats.org/officeDocument/2006/relationships" xmlns:p="http://schemas.openxmlformats.org/presentationml/2006/main">
   <p:cSld>
     <p:spTree>
@@ -35651,7 +34633,7 @@
           <a:p>
             <a:fld id="{64B9C3A9-27DF-40B5-9FC7-1DF96985BC5A}" type="slidenum">
               <a:rPr lang="en-US" smtClean="0"/>
-              <a:t>36</a:t>
+              <a:t>35</a:t>
             </a:fld>
             <a:endParaRPr lang="en-US"/>
           </a:p>
@@ -35780,7 +34762,7 @@
 </p:sld>
 </file>
 
-<file path=ppt/slides/slide37.xml><?xml version="1.0" encoding="utf-8"?>
+<file path=ppt/slides/slide36.xml><?xml version="1.0" encoding="utf-8"?>
 <p:sld xmlns:a="http://schemas.openxmlformats.org/drawingml/2006/main" xmlns:r="http://schemas.openxmlformats.org/officeDocument/2006/relationships" xmlns:p="http://schemas.openxmlformats.org/presentationml/2006/main">
   <p:cSld>
     <p:spTree>
@@ -36190,7 +35172,7 @@
           <a:p>
             <a:fld id="{64B9C3A9-27DF-40B5-9FC7-1DF96985BC5A}" type="slidenum">
               <a:rPr lang="en-US" smtClean="0"/>
-              <a:t>37</a:t>
+              <a:t>36</a:t>
             </a:fld>
             <a:endParaRPr lang="en-US"/>
           </a:p>
@@ -36368,7 +35350,7 @@
 </p:sld>
 </file>
 
-<file path=ppt/slides/slide38.xml><?xml version="1.0" encoding="utf-8"?>
+<file path=ppt/slides/slide37.xml><?xml version="1.0" encoding="utf-8"?>
 <p:sld xmlns:a="http://schemas.openxmlformats.org/drawingml/2006/main" xmlns:r="http://schemas.openxmlformats.org/officeDocument/2006/relationships" xmlns:p="http://schemas.openxmlformats.org/presentationml/2006/main">
   <p:cSld>
     <p:spTree>
@@ -36568,7 +35550,7 @@
           <a:p>
             <a:fld id="{64B9C3A9-27DF-40B5-9FC7-1DF96985BC5A}" type="slidenum">
               <a:rPr lang="en-US" smtClean="0"/>
-              <a:t>38</a:t>
+              <a:t>37</a:t>
             </a:fld>
             <a:endParaRPr lang="en-US"/>
           </a:p>
@@ -36611,7 +35593,7 @@
 </p:sld>
 </file>
 
-<file path=ppt/slides/slide39.xml><?xml version="1.0" encoding="utf-8"?>
+<file path=ppt/slides/slide38.xml><?xml version="1.0" encoding="utf-8"?>
 <p:sld xmlns:a="http://schemas.openxmlformats.org/drawingml/2006/main" xmlns:r="http://schemas.openxmlformats.org/officeDocument/2006/relationships" xmlns:p="http://schemas.openxmlformats.org/presentationml/2006/main">
   <p:cSld>
     <p:spTree>
@@ -36825,7 +35807,7 @@
           <a:p>
             <a:fld id="{64B9C3A9-27DF-40B5-9FC7-1DF96985BC5A}" type="slidenum">
               <a:rPr lang="en-US" smtClean="0"/>
-              <a:t>39</a:t>
+              <a:t>38</a:t>
             </a:fld>
             <a:endParaRPr lang="en-US"/>
           </a:p>
@@ -41223,87 +40205,6 @@
             <a:spLocks noGrp="1"/>
           </p:cNvSpPr>
           <p:nvPr>
-            <p:ph type="ctrTitle"/>
-          </p:nvPr>
-        </p:nvSpPr>
-        <p:spPr/>
-        <p:txBody>
-          <a:bodyPr/>
-          <a:lstStyle/>
-          <a:p>
-            <a:r>
-              <a:rPr lang="en-US" i="1" dirty="0"/>
-              <a:t>k</a:t>
-            </a:r>
-            <a:r>
-              <a:rPr lang="en-US" dirty="0"/>
-              <a:t>-means Clustering</a:t>
-            </a:r>
-          </a:p>
-        </p:txBody>
-      </p:sp>
-      <p:sp>
-        <p:nvSpPr>
-          <p:cNvPr id="3" name="Subtitle 2"/>
-          <p:cNvSpPr>
-            <a:spLocks noGrp="1"/>
-          </p:cNvSpPr>
-          <p:nvPr>
-            <p:ph type="subTitle" idx="1"/>
-          </p:nvPr>
-        </p:nvSpPr>
-        <p:spPr/>
-        <p:txBody>
-          <a:bodyPr/>
-          <a:lstStyle/>
-          <a:p>
-            <a:r>
-              <a:rPr lang="en-US" dirty="0"/>
-              <a:t>Hongning Wang</a:t>
-            </a:r>
-          </a:p>
-          <a:p>
-            <a:endParaRPr lang="en-US" dirty="0"/>
-          </a:p>
-        </p:txBody>
-      </p:sp>
-    </p:spTree>
-    <p:extLst>
-      <p:ext uri="{BB962C8B-B14F-4D97-AF65-F5344CB8AC3E}">
-        <p14:creationId xmlns:p14="http://schemas.microsoft.com/office/powerpoint/2010/main" val="1666885781"/>
-      </p:ext>
-    </p:extLst>
-  </p:cSld>
-  <p:clrMapOvr>
-    <a:masterClrMapping/>
-  </p:clrMapOvr>
-</p:sld>
-</file>
-
-<file path=ppt/slides/slide8.xml><?xml version="1.0" encoding="utf-8"?>
-<p:sld xmlns:a="http://schemas.openxmlformats.org/drawingml/2006/main" xmlns:r="http://schemas.openxmlformats.org/officeDocument/2006/relationships" xmlns:p="http://schemas.openxmlformats.org/presentationml/2006/main">
-  <p:cSld>
-    <p:spTree>
-      <p:nvGrpSpPr>
-        <p:cNvPr id="1" name=""/>
-        <p:cNvGrpSpPr/>
-        <p:nvPr/>
-      </p:nvGrpSpPr>
-      <p:grpSpPr>
-        <a:xfrm>
-          <a:off x="0" y="0"/>
-          <a:ext cx="0" cy="0"/>
-          <a:chOff x="0" y="0"/>
-          <a:chExt cx="0" cy="0"/>
-        </a:xfrm>
-      </p:grpSpPr>
-      <p:sp>
-        <p:nvSpPr>
-          <p:cNvPr id="2" name="Title 1"/>
-          <p:cNvSpPr>
-            <a:spLocks noGrp="1"/>
-          </p:cNvSpPr>
-          <p:nvPr>
             <p:ph type="title"/>
           </p:nvPr>
         </p:nvSpPr>
@@ -41443,7 +40344,7 @@
           <a:p>
             <a:fld id="{352A74FD-6B0D-4729-BD55-80C1D3622ABF}" type="slidenum">
               <a:rPr lang="en-US" smtClean="0"/>
-              <a:t>8</a:t>
+              <a:t>7</a:t>
             </a:fld>
             <a:endParaRPr lang="en-US"/>
           </a:p>
@@ -41462,7 +40363,7 @@
 </p:sld>
 </file>
 
-<file path=ppt/slides/slide9.xml><?xml version="1.0" encoding="utf-8"?>
+<file path=ppt/slides/slide8.xml><?xml version="1.0" encoding="utf-8"?>
 <p:sld xmlns:a="http://schemas.openxmlformats.org/drawingml/2006/main" xmlns:r="http://schemas.openxmlformats.org/officeDocument/2006/relationships" xmlns:p="http://schemas.openxmlformats.org/presentationml/2006/main">
   <p:cSld>
     <p:spTree>
@@ -41629,7 +40530,7 @@
           <a:p>
             <a:fld id="{64B9C3A9-27DF-40B5-9FC7-1DF96985BC5A}" type="slidenum">
               <a:rPr lang="en-US" smtClean="0"/>
-              <a:t>9</a:t>
+              <a:t>8</a:t>
             </a:fld>
             <a:endParaRPr lang="en-US"/>
           </a:p>
@@ -42066,6 +40967,1023 @@
         </p:cTn>
       </p:par>
     </p:tnLst>
+  </p:timing>
+</p:sld>
+</file>
+
+<file path=ppt/slides/slide9.xml><?xml version="1.0" encoding="utf-8"?>
+<p:sld xmlns:a="http://schemas.openxmlformats.org/drawingml/2006/main" xmlns:r="http://schemas.openxmlformats.org/officeDocument/2006/relationships" xmlns:p="http://schemas.openxmlformats.org/presentationml/2006/main">
+  <p:cSld>
+    <p:spTree>
+      <p:nvGrpSpPr>
+        <p:cNvPr id="1" name=""/>
+        <p:cNvGrpSpPr/>
+        <p:nvPr/>
+      </p:nvGrpSpPr>
+      <p:grpSpPr>
+        <a:xfrm>
+          <a:off x="0" y="0"/>
+          <a:ext cx="0" cy="0"/>
+          <a:chOff x="0" y="0"/>
+          <a:chExt cx="0" cy="0"/>
+        </a:xfrm>
+      </p:grpSpPr>
+      <p:sp>
+        <p:nvSpPr>
+          <p:cNvPr id="2" name="Title 1"/>
+          <p:cNvSpPr>
+            <a:spLocks noGrp="1"/>
+          </p:cNvSpPr>
+          <p:nvPr>
+            <p:ph type="title"/>
+          </p:nvPr>
+        </p:nvSpPr>
+        <p:spPr/>
+        <p:txBody>
+          <a:bodyPr>
+            <a:normAutofit/>
+          </a:bodyPr>
+          <a:lstStyle/>
+          <a:p>
+            <a:r>
+              <a:rPr lang="en-US" dirty="0" err="1"/>
+              <a:t>Partitional</a:t>
+            </a:r>
+            <a:r>
+              <a:rPr lang="en-US" dirty="0"/>
+              <a:t> clustering algorithms</a:t>
+            </a:r>
+          </a:p>
+        </p:txBody>
+      </p:sp>
+      <mc:AlternateContent xmlns:mc="http://schemas.openxmlformats.org/markup-compatibility/2006" xmlns:a14="http://schemas.microsoft.com/office/drawing/2010/main">
+        <mc:Choice Requires="a14">
+          <p:sp>
+            <p:nvSpPr>
+              <p:cNvPr id="3" name="Content Placeholder 2"/>
+              <p:cNvSpPr>
+                <a:spLocks noGrp="1"/>
+              </p:cNvSpPr>
+              <p:nvPr>
+                <p:ph idx="1"/>
+              </p:nvPr>
+            </p:nvSpPr>
+            <p:spPr/>
+            <p:txBody>
+              <a:bodyPr/>
+              <a:lstStyle/>
+              <a:p>
+                <a:r>
+                  <a:rPr lang="en-US" dirty="0"/>
+                  <a:t>Partition instances into exactly </a:t>
+                </a:r>
+                <a:r>
+                  <a:rPr lang="en-US" i="1" dirty="0"/>
+                  <a:t>k</a:t>
+                </a:r>
+                <a:r>
+                  <a:rPr lang="en-US" dirty="0"/>
+                  <a:t> non-overlapping clusters</a:t>
+                </a:r>
+              </a:p>
+              <a:p>
+                <a:pPr lvl="1"/>
+                <a:r>
+                  <a:rPr lang="en-US" dirty="0"/>
+                  <a:t>Typical criterion</a:t>
+                </a:r>
+              </a:p>
+              <a:p>
+                <a:pPr lvl="2"/>
+                <a14:m>
+                  <m:oMath xmlns:m="http://schemas.openxmlformats.org/officeDocument/2006/math">
+                    <m:func>
+                      <m:funcPr>
+                        <m:ctrlPr>
+                          <a:rPr lang="en-US" b="0" i="1" smtClean="0">
+                            <a:latin typeface="Cambria Math" panose="02040503050406030204" pitchFamily="18" charset="0"/>
+                          </a:rPr>
+                        </m:ctrlPr>
+                      </m:funcPr>
+                      <m:fName>
+                        <m:r>
+                          <m:rPr>
+                            <m:sty m:val="p"/>
+                          </m:rPr>
+                          <a:rPr lang="en-US" b="0" i="0" smtClean="0">
+                            <a:latin typeface="Cambria Math" panose="02040503050406030204" pitchFamily="18" charset="0"/>
+                          </a:rPr>
+                          <m:t>max</m:t>
+                        </m:r>
+                      </m:fName>
+                      <m:e>
+                        <m:nary>
+                          <m:naryPr>
+                            <m:chr m:val="∑"/>
+                            <m:supHide m:val="on"/>
+                            <m:ctrlPr>
+                              <a:rPr lang="en-US" i="1">
+                                <a:latin typeface="Cambria Math" panose="02040503050406030204" pitchFamily="18" charset="0"/>
+                              </a:rPr>
+                            </m:ctrlPr>
+                          </m:naryPr>
+                          <m:sub>
+                            <m:r>
+                              <m:rPr>
+                                <m:brk m:alnAt="7"/>
+                              </m:rPr>
+                              <a:rPr lang="en-US" i="1">
+                                <a:latin typeface="Cambria Math" panose="02040503050406030204" pitchFamily="18" charset="0"/>
+                              </a:rPr>
+                              <m:t>𝑖</m:t>
+                            </m:r>
+                            <m:r>
+                              <a:rPr lang="en-US" i="1">
+                                <a:latin typeface="Cambria Math" panose="02040503050406030204" pitchFamily="18" charset="0"/>
+                              </a:rPr>
+                              <m:t>≠</m:t>
+                            </m:r>
+                            <m:r>
+                              <m:rPr>
+                                <m:sty m:val="p"/>
+                              </m:rPr>
+                              <a:rPr lang="en-US" i="1">
+                                <a:latin typeface="Cambria Math" panose="02040503050406030204" pitchFamily="18" charset="0"/>
+                              </a:rPr>
+                              <m:t>j</m:t>
+                            </m:r>
+                          </m:sub>
+                          <m:sup/>
+                          <m:e>
+                            <m:r>
+                              <a:rPr lang="en-US" i="1">
+                                <a:latin typeface="Cambria Math" panose="02040503050406030204" pitchFamily="18" charset="0"/>
+                              </a:rPr>
+                              <m:t>𝑑</m:t>
+                            </m:r>
+                            <m:d>
+                              <m:dPr>
+                                <m:ctrlPr>
+                                  <a:rPr lang="en-US" i="1">
+                                    <a:latin typeface="Cambria Math" panose="02040503050406030204" pitchFamily="18" charset="0"/>
+                                  </a:rPr>
+                                </m:ctrlPr>
+                              </m:dPr>
+                              <m:e>
+                                <m:sSub>
+                                  <m:sSubPr>
+                                    <m:ctrlPr>
+                                      <a:rPr lang="en-US" i="1">
+                                        <a:latin typeface="Cambria Math" panose="02040503050406030204" pitchFamily="18" charset="0"/>
+                                      </a:rPr>
+                                    </m:ctrlPr>
+                                  </m:sSubPr>
+                                  <m:e>
+                                    <m:r>
+                                      <a:rPr lang="en-US" i="1">
+                                        <a:latin typeface="Cambria Math" panose="02040503050406030204" pitchFamily="18" charset="0"/>
+                                      </a:rPr>
+                                      <m:t>𝑐</m:t>
+                                    </m:r>
+                                  </m:e>
+                                  <m:sub>
+                                    <m:r>
+                                      <a:rPr lang="en-US" i="1">
+                                        <a:latin typeface="Cambria Math" panose="02040503050406030204" pitchFamily="18" charset="0"/>
+                                      </a:rPr>
+                                      <m:t>𝑖</m:t>
+                                    </m:r>
+                                  </m:sub>
+                                </m:sSub>
+                                <m:r>
+                                  <a:rPr lang="en-US" i="1">
+                                    <a:latin typeface="Cambria Math" panose="02040503050406030204" pitchFamily="18" charset="0"/>
+                                  </a:rPr>
+                                  <m:t>,</m:t>
+                                </m:r>
+                                <m:sSub>
+                                  <m:sSubPr>
+                                    <m:ctrlPr>
+                                      <a:rPr lang="en-US" i="1">
+                                        <a:latin typeface="Cambria Math" panose="02040503050406030204" pitchFamily="18" charset="0"/>
+                                      </a:rPr>
+                                    </m:ctrlPr>
+                                  </m:sSubPr>
+                                  <m:e>
+                                    <m:r>
+                                      <a:rPr lang="en-US" i="1">
+                                        <a:latin typeface="Cambria Math" panose="02040503050406030204" pitchFamily="18" charset="0"/>
+                                      </a:rPr>
+                                      <m:t>𝑐</m:t>
+                                    </m:r>
+                                  </m:e>
+                                  <m:sub>
+                                    <m:r>
+                                      <a:rPr lang="en-US" i="1">
+                                        <a:latin typeface="Cambria Math" panose="02040503050406030204" pitchFamily="18" charset="0"/>
+                                      </a:rPr>
+                                      <m:t>𝑗</m:t>
+                                    </m:r>
+                                  </m:sub>
+                                </m:sSub>
+                              </m:e>
+                            </m:d>
+                          </m:e>
+                        </m:nary>
+                        <m:r>
+                          <a:rPr lang="en-US" b="0" i="1" smtClean="0">
+                            <a:latin typeface="Cambria Math" panose="02040503050406030204" pitchFamily="18" charset="0"/>
+                          </a:rPr>
+                          <m:t>−</m:t>
+                        </m:r>
+                        <m:r>
+                          <a:rPr lang="en-US" b="0" i="1" smtClean="0">
+                            <a:latin typeface="Cambria Math" panose="02040503050406030204" pitchFamily="18" charset="0"/>
+                          </a:rPr>
+                          <m:t>𝐶</m:t>
+                        </m:r>
+                        <m:nary>
+                          <m:naryPr>
+                            <m:chr m:val="∑"/>
+                            <m:supHide m:val="on"/>
+                            <m:ctrlPr>
+                              <a:rPr lang="en-US" b="0" i="1" smtClean="0">
+                                <a:latin typeface="Cambria Math" panose="02040503050406030204" pitchFamily="18" charset="0"/>
+                              </a:rPr>
+                            </m:ctrlPr>
+                          </m:naryPr>
+                          <m:sub>
+                            <m:r>
+                              <a:rPr lang="en-US" b="0" i="1" smtClean="0">
+                                <a:latin typeface="Cambria Math" panose="02040503050406030204" pitchFamily="18" charset="0"/>
+                              </a:rPr>
+                              <m:t>𝑖</m:t>
+                            </m:r>
+                          </m:sub>
+                          <m:sup/>
+                          <m:e>
+                            <m:sSub>
+                              <m:sSubPr>
+                                <m:ctrlPr>
+                                  <a:rPr lang="en-US" b="0" i="1" smtClean="0">
+                                    <a:latin typeface="Cambria Math" panose="02040503050406030204" pitchFamily="18" charset="0"/>
+                                  </a:rPr>
+                                </m:ctrlPr>
+                              </m:sSubPr>
+                              <m:e>
+                                <m:r>
+                                  <a:rPr lang="en-US" b="0" i="1" smtClean="0">
+                                    <a:latin typeface="Cambria Math" panose="02040503050406030204" pitchFamily="18" charset="0"/>
+                                  </a:rPr>
+                                  <m:t>𝜎</m:t>
+                                </m:r>
+                              </m:e>
+                              <m:sub>
+                                <m:r>
+                                  <a:rPr lang="en-US" b="0" i="1" smtClean="0">
+                                    <a:latin typeface="Cambria Math" panose="02040503050406030204" pitchFamily="18" charset="0"/>
+                                  </a:rPr>
+                                  <m:t>𝑖</m:t>
+                                </m:r>
+                              </m:sub>
+                            </m:sSub>
+                          </m:e>
+                        </m:nary>
+                      </m:e>
+                    </m:func>
+                  </m:oMath>
+                </a14:m>
+                <a:endParaRPr lang="en-US" dirty="0"/>
+              </a:p>
+              <a:p>
+                <a:pPr lvl="1"/>
+                <a:r>
+                  <a:rPr lang="en-US" dirty="0"/>
+                  <a:t>Optimal solution: enumerate every possible partition of size </a:t>
+                </a:r>
+                <a:r>
+                  <a:rPr lang="en-US" i="1" dirty="0"/>
+                  <a:t>k</a:t>
+                </a:r>
+                <a:r>
+                  <a:rPr lang="en-US" dirty="0"/>
+                  <a:t> and return the one maximizes the criterion</a:t>
+                </a:r>
+              </a:p>
+            </p:txBody>
+          </p:sp>
+        </mc:Choice>
+        <mc:Fallback xmlns="">
+          <p:sp>
+            <p:nvSpPr>
+              <p:cNvPr id="3" name="Content Placeholder 2"/>
+              <p:cNvSpPr>
+                <a:spLocks noGrp="1" noRot="1" noChangeAspect="1" noMove="1" noResize="1" noEditPoints="1" noAdjustHandles="1" noChangeArrowheads="1" noChangeShapeType="1" noTextEdit="1"/>
+              </p:cNvSpPr>
+              <p:nvPr>
+                <p:ph idx="1"/>
+              </p:nvPr>
+            </p:nvSpPr>
+            <p:spPr>
+              <a:blipFill rotWithShape="0">
+                <a:blip r:embed="rId2"/>
+                <a:stretch>
+                  <a:fillRect l="-1704" t="-1752"/>
+                </a:stretch>
+              </a:blipFill>
+            </p:spPr>
+            <p:txBody>
+              <a:bodyPr/>
+              <a:lstStyle/>
+              <a:p>
+                <a:r>
+                  <a:rPr lang="en-US">
+                    <a:noFill/>
+                  </a:rPr>
+                  <a:t> </a:t>
+                </a:r>
+              </a:p>
+            </p:txBody>
+          </p:sp>
+        </mc:Fallback>
+      </mc:AlternateContent>
+      <p:sp>
+        <p:nvSpPr>
+          <p:cNvPr id="4" name="Date Placeholder 3"/>
+          <p:cNvSpPr>
+            <a:spLocks noGrp="1"/>
+          </p:cNvSpPr>
+          <p:nvPr>
+            <p:ph type="dt" sz="half" idx="10"/>
+          </p:nvPr>
+        </p:nvSpPr>
+        <p:spPr/>
+        <p:txBody>
+          <a:bodyPr/>
+          <a:lstStyle/>
+          <a:p>
+            <a:endParaRPr lang="en-US" dirty="0"/>
+          </a:p>
+        </p:txBody>
+      </p:sp>
+      <p:sp>
+        <p:nvSpPr>
+          <p:cNvPr id="5" name="Footer Placeholder 4"/>
+          <p:cNvSpPr>
+            <a:spLocks noGrp="1"/>
+          </p:cNvSpPr>
+          <p:nvPr>
+            <p:ph type="ftr" sz="quarter" idx="11"/>
+          </p:nvPr>
+        </p:nvSpPr>
+        <p:spPr/>
+        <p:txBody>
+          <a:bodyPr/>
+          <a:lstStyle/>
+          <a:p>
+            <a:endParaRPr lang="en-US" dirty="0"/>
+          </a:p>
+        </p:txBody>
+      </p:sp>
+      <p:sp>
+        <p:nvSpPr>
+          <p:cNvPr id="6" name="Slide Number Placeholder 5"/>
+          <p:cNvSpPr>
+            <a:spLocks noGrp="1"/>
+          </p:cNvSpPr>
+          <p:nvPr>
+            <p:ph type="sldNum" sz="quarter" idx="12"/>
+          </p:nvPr>
+        </p:nvSpPr>
+        <p:spPr/>
+        <p:txBody>
+          <a:bodyPr/>
+          <a:lstStyle/>
+          <a:p>
+            <a:fld id="{64B9C3A9-27DF-40B5-9FC7-1DF96985BC5A}" type="slidenum">
+              <a:rPr lang="en-US" smtClean="0"/>
+              <a:t>9</a:t>
+            </a:fld>
+            <a:endParaRPr lang="en-US"/>
+          </a:p>
+        </p:txBody>
+      </p:sp>
+      <p:sp>
+        <p:nvSpPr>
+          <p:cNvPr id="16" name="TextBox 15"/>
+          <p:cNvSpPr txBox="1"/>
+          <p:nvPr/>
+        </p:nvSpPr>
+        <p:spPr>
+          <a:xfrm>
+            <a:off x="4233219" y="5346356"/>
+            <a:ext cx="3573162" cy="400110"/>
+          </a:xfrm>
+          <a:prstGeom prst="rect">
+            <a:avLst/>
+          </a:prstGeom>
+          <a:noFill/>
+        </p:spPr>
+        <p:txBody>
+          <a:bodyPr wrap="square" rtlCol="0">
+            <a:spAutoFit/>
+          </a:bodyPr>
+          <a:lstStyle/>
+          <a:p>
+            <a:r>
+              <a:rPr lang="en-US" sz="2000" b="1" i="1" dirty="0">
+                <a:solidFill>
+                  <a:srgbClr val="FF0000"/>
+                </a:solidFill>
+              </a:rPr>
+              <a:t>Unfortunately, this is NP-hard!</a:t>
+            </a:r>
+          </a:p>
+        </p:txBody>
+      </p:sp>
+      <p:sp>
+        <p:nvSpPr>
+          <p:cNvPr id="17" name="TextBox 16"/>
+          <p:cNvSpPr txBox="1"/>
+          <p:nvPr/>
+        </p:nvSpPr>
+        <p:spPr>
+          <a:xfrm>
+            <a:off x="1555921" y="5346356"/>
+            <a:ext cx="2677298" cy="400110"/>
+          </a:xfrm>
+          <a:prstGeom prst="rect">
+            <a:avLst/>
+          </a:prstGeom>
+          <a:noFill/>
+        </p:spPr>
+        <p:txBody>
+          <a:bodyPr wrap="square" rtlCol="0">
+            <a:spAutoFit/>
+          </a:bodyPr>
+          <a:lstStyle/>
+          <a:p>
+            <a:r>
+              <a:rPr lang="en-US" sz="2000" dirty="0">
+                <a:solidFill>
+                  <a:srgbClr val="00B050"/>
+                </a:solidFill>
+              </a:rPr>
+              <a:t>Let’s approximate this!</a:t>
+            </a:r>
+          </a:p>
+        </p:txBody>
+      </p:sp>
+      <p:grpSp>
+        <p:nvGrpSpPr>
+          <p:cNvPr id="22" name="Group 21"/>
+          <p:cNvGrpSpPr/>
+          <p:nvPr/>
+        </p:nvGrpSpPr>
+        <p:grpSpPr>
+          <a:xfrm>
+            <a:off x="3527854" y="2647327"/>
+            <a:ext cx="3097427" cy="553998"/>
+            <a:chOff x="2677297" y="2669060"/>
+            <a:chExt cx="3097427" cy="553998"/>
+          </a:xfrm>
+        </p:grpSpPr>
+        <p:sp>
+          <p:nvSpPr>
+            <p:cNvPr id="18" name="TextBox 17"/>
+            <p:cNvSpPr txBox="1"/>
+            <p:nvPr/>
+          </p:nvSpPr>
+          <p:spPr>
+            <a:xfrm>
+              <a:off x="2957384" y="2669060"/>
+              <a:ext cx="2817340" cy="369332"/>
+            </a:xfrm>
+            <a:prstGeom prst="rect">
+              <a:avLst/>
+            </a:prstGeom>
+            <a:noFill/>
+          </p:spPr>
+          <p:txBody>
+            <a:bodyPr wrap="square" rtlCol="0">
+              <a:spAutoFit/>
+            </a:bodyPr>
+            <a:lstStyle/>
+            <a:p>
+              <a:r>
+                <a:rPr lang="en-US" dirty="0">
+                  <a:solidFill>
+                    <a:srgbClr val="0070C0"/>
+                  </a:solidFill>
+                </a:rPr>
+                <a:t>Inter-cluster distance</a:t>
+              </a:r>
+            </a:p>
+          </p:txBody>
+        </p:sp>
+        <p:cxnSp>
+          <p:nvCxnSpPr>
+            <p:cNvPr id="21" name="Straight Arrow Connector 20"/>
+            <p:cNvCxnSpPr/>
+            <p:nvPr/>
+          </p:nvCxnSpPr>
+          <p:spPr>
+            <a:xfrm flipH="1">
+              <a:off x="2677297" y="2853726"/>
+              <a:ext cx="280087" cy="369332"/>
+            </a:xfrm>
+            <a:prstGeom prst="straightConnector1">
+              <a:avLst/>
+            </a:prstGeom>
+            <a:ln w="19050">
+              <a:tailEnd type="triangle"/>
+            </a:ln>
+          </p:spPr>
+          <p:style>
+            <a:lnRef idx="1">
+              <a:schemeClr val="accent1"/>
+            </a:lnRef>
+            <a:fillRef idx="0">
+              <a:schemeClr val="accent1"/>
+            </a:fillRef>
+            <a:effectRef idx="0">
+              <a:schemeClr val="accent1"/>
+            </a:effectRef>
+            <a:fontRef idx="minor">
+              <a:schemeClr val="tx1"/>
+            </a:fontRef>
+          </p:style>
+        </p:cxnSp>
+      </p:grpSp>
+      <p:grpSp>
+        <p:nvGrpSpPr>
+          <p:cNvPr id="26" name="Group 25"/>
+          <p:cNvGrpSpPr/>
+          <p:nvPr/>
+        </p:nvGrpSpPr>
+        <p:grpSpPr>
+          <a:xfrm>
+            <a:off x="5058547" y="2893137"/>
+            <a:ext cx="3133468" cy="477231"/>
+            <a:chOff x="5214551" y="2851624"/>
+            <a:chExt cx="3133468" cy="477231"/>
+          </a:xfrm>
+        </p:grpSpPr>
+        <p:sp>
+          <p:nvSpPr>
+            <p:cNvPr id="19" name="TextBox 18"/>
+            <p:cNvSpPr txBox="1"/>
+            <p:nvPr/>
+          </p:nvSpPr>
+          <p:spPr>
+            <a:xfrm>
+              <a:off x="5530679" y="2851624"/>
+              <a:ext cx="2817340" cy="369332"/>
+            </a:xfrm>
+            <a:prstGeom prst="rect">
+              <a:avLst/>
+            </a:prstGeom>
+            <a:noFill/>
+          </p:spPr>
+          <p:txBody>
+            <a:bodyPr wrap="square" rtlCol="0">
+              <a:spAutoFit/>
+            </a:bodyPr>
+            <a:lstStyle/>
+            <a:p>
+              <a:r>
+                <a:rPr lang="en-US" dirty="0">
+                  <a:solidFill>
+                    <a:srgbClr val="002060"/>
+                  </a:solidFill>
+                </a:rPr>
+                <a:t>Intra-cluster distance</a:t>
+              </a:r>
+            </a:p>
+          </p:txBody>
+        </p:sp>
+        <p:cxnSp>
+          <p:nvCxnSpPr>
+            <p:cNvPr id="24" name="Straight Arrow Connector 23"/>
+            <p:cNvCxnSpPr>
+              <a:stCxn id="19" idx="1"/>
+            </p:cNvCxnSpPr>
+            <p:nvPr/>
+          </p:nvCxnSpPr>
+          <p:spPr>
+            <a:xfrm flipH="1">
+              <a:off x="5214551" y="3036290"/>
+              <a:ext cx="316128" cy="292565"/>
+            </a:xfrm>
+            <a:prstGeom prst="straightConnector1">
+              <a:avLst/>
+            </a:prstGeom>
+            <a:ln w="19050">
+              <a:solidFill>
+                <a:srgbClr val="002060"/>
+              </a:solidFill>
+              <a:tailEnd type="triangle"/>
+            </a:ln>
+          </p:spPr>
+          <p:style>
+            <a:lnRef idx="1">
+              <a:schemeClr val="accent1"/>
+            </a:lnRef>
+            <a:fillRef idx="0">
+              <a:schemeClr val="accent1"/>
+            </a:fillRef>
+            <a:effectRef idx="0">
+              <a:schemeClr val="accent1"/>
+            </a:effectRef>
+            <a:fontRef idx="minor">
+              <a:schemeClr val="tx1"/>
+            </a:fontRef>
+          </p:style>
+        </p:cxnSp>
+      </p:grpSp>
+      <p:grpSp>
+        <p:nvGrpSpPr>
+          <p:cNvPr id="10" name="Group 9"/>
+          <p:cNvGrpSpPr/>
+          <p:nvPr/>
+        </p:nvGrpSpPr>
+        <p:grpSpPr>
+          <a:xfrm>
+            <a:off x="4572000" y="2205577"/>
+            <a:ext cx="4268230" cy="993646"/>
+            <a:chOff x="4572000" y="2205577"/>
+            <a:chExt cx="4268230" cy="993646"/>
+          </a:xfrm>
+        </p:grpSpPr>
+        <p:sp>
+          <p:nvSpPr>
+            <p:cNvPr id="7" name="TextBox 6"/>
+            <p:cNvSpPr txBox="1"/>
+            <p:nvPr/>
+          </p:nvSpPr>
+          <p:spPr>
+            <a:xfrm>
+              <a:off x="4902543" y="2205577"/>
+              <a:ext cx="3937687" cy="400110"/>
+            </a:xfrm>
+            <a:prstGeom prst="rect">
+              <a:avLst/>
+            </a:prstGeom>
+            <a:noFill/>
+          </p:spPr>
+          <p:txBody>
+            <a:bodyPr wrap="square" rtlCol="0">
+              <a:spAutoFit/>
+            </a:bodyPr>
+            <a:lstStyle/>
+            <a:p>
+              <a:r>
+                <a:rPr lang="en-US" sz="2000" b="1" dirty="0">
+                  <a:solidFill>
+                    <a:srgbClr val="FF0000"/>
+                  </a:solidFill>
+                </a:rPr>
+                <a:t>Optimize this in an alternative way</a:t>
+              </a:r>
+            </a:p>
+          </p:txBody>
+        </p:sp>
+        <p:cxnSp>
+          <p:nvCxnSpPr>
+            <p:cNvPr id="9" name="Straight Arrow Connector 8"/>
+            <p:cNvCxnSpPr/>
+            <p:nvPr/>
+          </p:nvCxnSpPr>
+          <p:spPr>
+            <a:xfrm flipH="1">
+              <a:off x="4572000" y="2577989"/>
+              <a:ext cx="644611" cy="621234"/>
+            </a:xfrm>
+            <a:prstGeom prst="straightConnector1">
+              <a:avLst/>
+            </a:prstGeom>
+            <a:ln w="19050">
+              <a:solidFill>
+                <a:srgbClr val="FF0000"/>
+              </a:solidFill>
+              <a:tailEnd type="triangle"/>
+            </a:ln>
+          </p:spPr>
+          <p:style>
+            <a:lnRef idx="1">
+              <a:schemeClr val="accent1"/>
+            </a:lnRef>
+            <a:fillRef idx="0">
+              <a:schemeClr val="accent1"/>
+            </a:fillRef>
+            <a:effectRef idx="0">
+              <a:schemeClr val="accent1"/>
+            </a:effectRef>
+            <a:fontRef idx="minor">
+              <a:schemeClr val="tx1"/>
+            </a:fontRef>
+          </p:style>
+        </p:cxnSp>
+      </p:grpSp>
+    </p:spTree>
+    <p:extLst>
+      <p:ext uri="{BB962C8B-B14F-4D97-AF65-F5344CB8AC3E}">
+        <p14:creationId xmlns:p14="http://schemas.microsoft.com/office/powerpoint/2010/main" val="1980269001"/>
+      </p:ext>
+    </p:extLst>
+  </p:cSld>
+  <p:clrMapOvr>
+    <a:masterClrMapping/>
+  </p:clrMapOvr>
+  <p:timing>
+    <p:tnLst>
+      <p:par>
+        <p:cTn id="1" dur="indefinite" restart="never" nodeType="tmRoot">
+          <p:childTnLst>
+            <p:seq concurrent="1" nextAc="seek">
+              <p:cTn id="2" dur="indefinite" nodeType="mainSeq">
+                <p:childTnLst>
+                  <p:par>
+                    <p:cTn id="3" fill="hold">
+                      <p:stCondLst>
+                        <p:cond delay="indefinite"/>
+                      </p:stCondLst>
+                      <p:childTnLst>
+                        <p:par>
+                          <p:cTn id="4" fill="hold">
+                            <p:stCondLst>
+                              <p:cond delay="0"/>
+                            </p:stCondLst>
+                            <p:childTnLst>
+                              <p:par>
+                                <p:cTn id="5" presetID="1" presetClass="entr" presetSubtype="0" fill="hold" nodeType="clickEffect">
+                                  <p:stCondLst>
+                                    <p:cond delay="0"/>
+                                  </p:stCondLst>
+                                  <p:childTnLst>
+                                    <p:set>
+                                      <p:cBhvr>
+                                        <p:cTn id="6" dur="1" fill="hold">
+                                          <p:stCondLst>
+                                            <p:cond delay="0"/>
+                                          </p:stCondLst>
+                                        </p:cTn>
+                                        <p:tgtEl>
+                                          <p:spTgt spid="22"/>
+                                        </p:tgtEl>
+                                        <p:attrNameLst>
+                                          <p:attrName>style.visibility</p:attrName>
+                                        </p:attrNameLst>
+                                      </p:cBhvr>
+                                      <p:to>
+                                        <p:strVal val="visible"/>
+                                      </p:to>
+                                    </p:set>
+                                  </p:childTnLst>
+                                </p:cTn>
+                              </p:par>
+                              <p:par>
+                                <p:cTn id="7" presetID="1" presetClass="entr" presetSubtype="0" fill="hold" nodeType="withEffect">
+                                  <p:stCondLst>
+                                    <p:cond delay="0"/>
+                                  </p:stCondLst>
+                                  <p:childTnLst>
+                                    <p:set>
+                                      <p:cBhvr>
+                                        <p:cTn id="8" dur="1" fill="hold">
+                                          <p:stCondLst>
+                                            <p:cond delay="0"/>
+                                          </p:stCondLst>
+                                        </p:cTn>
+                                        <p:tgtEl>
+                                          <p:spTgt spid="26"/>
+                                        </p:tgtEl>
+                                        <p:attrNameLst>
+                                          <p:attrName>style.visibility</p:attrName>
+                                        </p:attrNameLst>
+                                      </p:cBhvr>
+                                      <p:to>
+                                        <p:strVal val="visible"/>
+                                      </p:to>
+                                    </p:set>
+                                  </p:childTnLst>
+                                </p:cTn>
+                              </p:par>
+                            </p:childTnLst>
+                          </p:cTn>
+                        </p:par>
+                      </p:childTnLst>
+                    </p:cTn>
+                  </p:par>
+                  <p:par>
+                    <p:cTn id="9" fill="hold">
+                      <p:stCondLst>
+                        <p:cond delay="indefinite"/>
+                      </p:stCondLst>
+                      <p:childTnLst>
+                        <p:par>
+                          <p:cTn id="10" fill="hold">
+                            <p:stCondLst>
+                              <p:cond delay="0"/>
+                            </p:stCondLst>
+                            <p:childTnLst>
+                              <p:par>
+                                <p:cTn id="11" presetID="1" presetClass="entr" presetSubtype="0" fill="hold" nodeType="clickEffect">
+                                  <p:stCondLst>
+                                    <p:cond delay="0"/>
+                                  </p:stCondLst>
+                                  <p:childTnLst>
+                                    <p:set>
+                                      <p:cBhvr>
+                                        <p:cTn id="12" dur="1" fill="hold">
+                                          <p:stCondLst>
+                                            <p:cond delay="0"/>
+                                          </p:stCondLst>
+                                        </p:cTn>
+                                        <p:tgtEl>
+                                          <p:spTgt spid="3">
+                                            <p:txEl>
+                                              <p:pRg st="3" end="3"/>
+                                            </p:txEl>
+                                          </p:spTgt>
+                                        </p:tgtEl>
+                                        <p:attrNameLst>
+                                          <p:attrName>style.visibility</p:attrName>
+                                        </p:attrNameLst>
+                                      </p:cBhvr>
+                                      <p:to>
+                                        <p:strVal val="visible"/>
+                                      </p:to>
+                                    </p:set>
+                                  </p:childTnLst>
+                                </p:cTn>
+                              </p:par>
+                            </p:childTnLst>
+                          </p:cTn>
+                        </p:par>
+                      </p:childTnLst>
+                    </p:cTn>
+                  </p:par>
+                  <p:par>
+                    <p:cTn id="13" fill="hold">
+                      <p:stCondLst>
+                        <p:cond delay="indefinite"/>
+                      </p:stCondLst>
+                      <p:childTnLst>
+                        <p:par>
+                          <p:cTn id="14" fill="hold">
+                            <p:stCondLst>
+                              <p:cond delay="0"/>
+                            </p:stCondLst>
+                            <p:childTnLst>
+                              <p:par>
+                                <p:cTn id="15" presetID="1" presetClass="entr" presetSubtype="0" fill="hold" grpId="0" nodeType="clickEffect">
+                                  <p:stCondLst>
+                                    <p:cond delay="0"/>
+                                  </p:stCondLst>
+                                  <p:childTnLst>
+                                    <p:set>
+                                      <p:cBhvr>
+                                        <p:cTn id="16" dur="1" fill="hold">
+                                          <p:stCondLst>
+                                            <p:cond delay="0"/>
+                                          </p:stCondLst>
+                                        </p:cTn>
+                                        <p:tgtEl>
+                                          <p:spTgt spid="16"/>
+                                        </p:tgtEl>
+                                        <p:attrNameLst>
+                                          <p:attrName>style.visibility</p:attrName>
+                                        </p:attrNameLst>
+                                      </p:cBhvr>
+                                      <p:to>
+                                        <p:strVal val="visible"/>
+                                      </p:to>
+                                    </p:set>
+                                  </p:childTnLst>
+                                </p:cTn>
+                              </p:par>
+                            </p:childTnLst>
+                          </p:cTn>
+                        </p:par>
+                      </p:childTnLst>
+                    </p:cTn>
+                  </p:par>
+                  <p:par>
+                    <p:cTn id="17" fill="hold">
+                      <p:stCondLst>
+                        <p:cond delay="indefinite"/>
+                      </p:stCondLst>
+                      <p:childTnLst>
+                        <p:par>
+                          <p:cTn id="18" fill="hold">
+                            <p:stCondLst>
+                              <p:cond delay="0"/>
+                            </p:stCondLst>
+                            <p:childTnLst>
+                              <p:par>
+                                <p:cTn id="19" presetID="1" presetClass="entr" presetSubtype="0" fill="hold" grpId="0" nodeType="clickEffect">
+                                  <p:stCondLst>
+                                    <p:cond delay="0"/>
+                                  </p:stCondLst>
+                                  <p:childTnLst>
+                                    <p:set>
+                                      <p:cBhvr>
+                                        <p:cTn id="20" dur="1" fill="hold">
+                                          <p:stCondLst>
+                                            <p:cond delay="0"/>
+                                          </p:stCondLst>
+                                        </p:cTn>
+                                        <p:tgtEl>
+                                          <p:spTgt spid="17"/>
+                                        </p:tgtEl>
+                                        <p:attrNameLst>
+                                          <p:attrName>style.visibility</p:attrName>
+                                        </p:attrNameLst>
+                                      </p:cBhvr>
+                                      <p:to>
+                                        <p:strVal val="visible"/>
+                                      </p:to>
+                                    </p:set>
+                                  </p:childTnLst>
+                                </p:cTn>
+                              </p:par>
+                            </p:childTnLst>
+                          </p:cTn>
+                        </p:par>
+                      </p:childTnLst>
+                    </p:cTn>
+                  </p:par>
+                  <p:par>
+                    <p:cTn id="21" fill="hold">
+                      <p:stCondLst>
+                        <p:cond delay="indefinite"/>
+                      </p:stCondLst>
+                      <p:childTnLst>
+                        <p:par>
+                          <p:cTn id="22" fill="hold">
+                            <p:stCondLst>
+                              <p:cond delay="0"/>
+                            </p:stCondLst>
+                            <p:childTnLst>
+                              <p:par>
+                                <p:cTn id="23" presetID="1" presetClass="entr" presetSubtype="0" fill="hold" nodeType="clickEffect">
+                                  <p:stCondLst>
+                                    <p:cond delay="0"/>
+                                  </p:stCondLst>
+                                  <p:childTnLst>
+                                    <p:set>
+                                      <p:cBhvr>
+                                        <p:cTn id="24" dur="1" fill="hold">
+                                          <p:stCondLst>
+                                            <p:cond delay="0"/>
+                                          </p:stCondLst>
+                                        </p:cTn>
+                                        <p:tgtEl>
+                                          <p:spTgt spid="10"/>
+                                        </p:tgtEl>
+                                        <p:attrNameLst>
+                                          <p:attrName>style.visibility</p:attrName>
+                                        </p:attrNameLst>
+                                      </p:cBhvr>
+                                      <p:to>
+                                        <p:strVal val="visible"/>
+                                      </p:to>
+                                    </p:set>
+                                  </p:childTnLst>
+                                </p:cTn>
+                              </p:par>
+                            </p:childTnLst>
+                          </p:cTn>
+                        </p:par>
+                      </p:childTnLst>
+                    </p:cTn>
+                  </p:par>
+                </p:childTnLst>
+              </p:cTn>
+              <p:prevCondLst>
+                <p:cond evt="onPrev" delay="0">
+                  <p:tgtEl>
+                    <p:sldTgt/>
+                  </p:tgtEl>
+                </p:cond>
+              </p:prevCondLst>
+              <p:nextCondLst>
+                <p:cond evt="onNext" delay="0">
+                  <p:tgtEl>
+                    <p:sldTgt/>
+                  </p:tgtEl>
+                </p:cond>
+              </p:nextCondLst>
+            </p:seq>
+          </p:childTnLst>
+        </p:cTn>
+      </p:par>
+    </p:tnLst>
+    <p:bldLst>
+      <p:bldP spid="16" grpId="0"/>
+      <p:bldP spid="17" grpId="0"/>
+    </p:bldLst>
   </p:timing>
 </p:sld>
 </file>
